--- a/fig/jekyll-data-driven-web-v01.pptx
+++ b/fig/jekyll-data-driven-web-v01.pptx
@@ -5,13 +5,15 @@
     <p:sldMasterId id="2147483660" r:id="rId1"/>
   </p:sldMasterIdLst>
   <p:notesMasterIdLst>
-    <p:notesMasterId r:id="rId3"/>
+    <p:notesMasterId r:id="rId5"/>
   </p:notesMasterIdLst>
   <p:handoutMasterIdLst>
-    <p:handoutMasterId r:id="rId4"/>
+    <p:handoutMasterId r:id="rId6"/>
   </p:handoutMasterIdLst>
   <p:sldIdLst>
     <p:sldId id="351" r:id="rId2"/>
+    <p:sldId id="352" r:id="rId3"/>
+    <p:sldId id="353" r:id="rId4"/>
   </p:sldIdLst>
   <p:sldSz cx="9144000" cy="5143500" type="screen16x9"/>
   <p:notesSz cx="9144000" cy="6858000"/>
@@ -251,7 +253,7 @@
               <a:pPr>
                 <a:defRPr/>
               </a:pPr>
-              <a:t>8/19/16</a:t>
+              <a:t>8/20/16</a:t>
             </a:fld>
             <a:endParaRPr lang="en-US"/>
           </a:p>
@@ -465,7 +467,7 @@
               <a:pPr>
                 <a:defRPr/>
               </a:pPr>
-              <a:t>8/19/16</a:t>
+              <a:t>8/20/16</a:t>
             </a:fld>
             <a:endParaRPr lang="en-US"/>
           </a:p>
@@ -1003,6 +1005,186 @@
                 <a:defRPr/>
               </a:pPr>
               <a:t>1</a:t>
+            </a:fld>
+            <a:endParaRPr lang="en-US"/>
+          </a:p>
+        </p:txBody>
+      </p:sp>
+    </p:spTree>
+    <p:extLst>
+      <p:ext uri="{BB962C8B-B14F-4D97-AF65-F5344CB8AC3E}">
+        <p14:creationId xmlns:p14="http://schemas.microsoft.com/office/powerpoint/2010/main" val="4225654402"/>
+      </p:ext>
+    </p:extLst>
+  </p:cSld>
+  <p:clrMapOvr>
+    <a:masterClrMapping/>
+  </p:clrMapOvr>
+</p:notes>
+</file>
+
+<file path=ppt/notesSlides/notesSlide2.xml><?xml version="1.0" encoding="utf-8"?>
+<p:notes xmlns:a="http://schemas.openxmlformats.org/drawingml/2006/main" xmlns:r="http://schemas.openxmlformats.org/officeDocument/2006/relationships" xmlns:p="http://schemas.openxmlformats.org/presentationml/2006/main">
+  <p:cSld>
+    <p:spTree>
+      <p:nvGrpSpPr>
+        <p:cNvPr id="1" name=""/>
+        <p:cNvGrpSpPr/>
+        <p:nvPr/>
+      </p:nvGrpSpPr>
+      <p:grpSpPr>
+        <a:xfrm>
+          <a:off x="0" y="0"/>
+          <a:ext cx="0" cy="0"/>
+          <a:chOff x="0" y="0"/>
+          <a:chExt cx="0" cy="0"/>
+        </a:xfrm>
+      </p:grpSpPr>
+      <p:sp>
+        <p:nvSpPr>
+          <p:cNvPr id="2" name="Slide Image Placeholder 1"/>
+          <p:cNvSpPr>
+            <a:spLocks noGrp="1" noRot="1" noChangeAspect="1"/>
+          </p:cNvSpPr>
+          <p:nvPr>
+            <p:ph type="sldImg"/>
+          </p:nvPr>
+        </p:nvSpPr>
+        <p:spPr/>
+      </p:sp>
+      <p:sp>
+        <p:nvSpPr>
+          <p:cNvPr id="3" name="Notes Placeholder 2"/>
+          <p:cNvSpPr>
+            <a:spLocks noGrp="1"/>
+          </p:cNvSpPr>
+          <p:nvPr>
+            <p:ph type="body" idx="1"/>
+          </p:nvPr>
+        </p:nvSpPr>
+        <p:spPr/>
+        <p:txBody>
+          <a:bodyPr/>
+          <a:lstStyle/>
+          <a:p>
+            <a:endParaRPr lang="en-US" dirty="0"/>
+          </a:p>
+        </p:txBody>
+      </p:sp>
+      <p:sp>
+        <p:nvSpPr>
+          <p:cNvPr id="4" name="Slide Number Placeholder 3"/>
+          <p:cNvSpPr>
+            <a:spLocks noGrp="1"/>
+          </p:cNvSpPr>
+          <p:nvPr>
+            <p:ph type="sldNum" sz="quarter" idx="10"/>
+          </p:nvPr>
+        </p:nvSpPr>
+        <p:spPr/>
+        <p:txBody>
+          <a:bodyPr/>
+          <a:lstStyle/>
+          <a:p>
+            <a:pPr>
+              <a:defRPr/>
+            </a:pPr>
+            <a:fld id="{631C2E65-C48E-EB49-B8DF-701DB40EA457}" type="slidenum">
+              <a:rPr lang="en-US" smtClean="0"/>
+              <a:pPr>
+                <a:defRPr/>
+              </a:pPr>
+              <a:t>2</a:t>
+            </a:fld>
+            <a:endParaRPr lang="en-US"/>
+          </a:p>
+        </p:txBody>
+      </p:sp>
+    </p:spTree>
+    <p:extLst>
+      <p:ext uri="{BB962C8B-B14F-4D97-AF65-F5344CB8AC3E}">
+        <p14:creationId xmlns:p14="http://schemas.microsoft.com/office/powerpoint/2010/main" val="4225654402"/>
+      </p:ext>
+    </p:extLst>
+  </p:cSld>
+  <p:clrMapOvr>
+    <a:masterClrMapping/>
+  </p:clrMapOvr>
+</p:notes>
+</file>
+
+<file path=ppt/notesSlides/notesSlide3.xml><?xml version="1.0" encoding="utf-8"?>
+<p:notes xmlns:a="http://schemas.openxmlformats.org/drawingml/2006/main" xmlns:r="http://schemas.openxmlformats.org/officeDocument/2006/relationships" xmlns:p="http://schemas.openxmlformats.org/presentationml/2006/main">
+  <p:cSld>
+    <p:spTree>
+      <p:nvGrpSpPr>
+        <p:cNvPr id="1" name=""/>
+        <p:cNvGrpSpPr/>
+        <p:nvPr/>
+      </p:nvGrpSpPr>
+      <p:grpSpPr>
+        <a:xfrm>
+          <a:off x="0" y="0"/>
+          <a:ext cx="0" cy="0"/>
+          <a:chOff x="0" y="0"/>
+          <a:chExt cx="0" cy="0"/>
+        </a:xfrm>
+      </p:grpSpPr>
+      <p:sp>
+        <p:nvSpPr>
+          <p:cNvPr id="2" name="Slide Image Placeholder 1"/>
+          <p:cNvSpPr>
+            <a:spLocks noGrp="1" noRot="1" noChangeAspect="1"/>
+          </p:cNvSpPr>
+          <p:nvPr>
+            <p:ph type="sldImg"/>
+          </p:nvPr>
+        </p:nvSpPr>
+        <p:spPr/>
+      </p:sp>
+      <p:sp>
+        <p:nvSpPr>
+          <p:cNvPr id="3" name="Notes Placeholder 2"/>
+          <p:cNvSpPr>
+            <a:spLocks noGrp="1"/>
+          </p:cNvSpPr>
+          <p:nvPr>
+            <p:ph type="body" idx="1"/>
+          </p:nvPr>
+        </p:nvSpPr>
+        <p:spPr/>
+        <p:txBody>
+          <a:bodyPr/>
+          <a:lstStyle/>
+          <a:p>
+            <a:endParaRPr lang="en-US" dirty="0"/>
+          </a:p>
+        </p:txBody>
+      </p:sp>
+      <p:sp>
+        <p:nvSpPr>
+          <p:cNvPr id="4" name="Slide Number Placeholder 3"/>
+          <p:cNvSpPr>
+            <a:spLocks noGrp="1"/>
+          </p:cNvSpPr>
+          <p:nvPr>
+            <p:ph type="sldNum" sz="quarter" idx="10"/>
+          </p:nvPr>
+        </p:nvSpPr>
+        <p:spPr/>
+        <p:txBody>
+          <a:bodyPr/>
+          <a:lstStyle/>
+          <a:p>
+            <a:pPr>
+              <a:defRPr/>
+            </a:pPr>
+            <a:fld id="{631C2E65-C48E-EB49-B8DF-701DB40EA457}" type="slidenum">
+              <a:rPr lang="en-US" smtClean="0"/>
+              <a:pPr>
+                <a:defRPr/>
+              </a:pPr>
+              <a:t>3</a:t>
             </a:fld>
             <a:endParaRPr lang="en-US"/>
           </a:p>
@@ -1628,7 +1810,7 @@
               <a:pPr>
                 <a:defRPr/>
               </a:pPr>
-              <a:t>8/19/16</a:t>
+              <a:t>8/20/16</a:t>
             </a:fld>
             <a:endParaRPr lang="en-US"/>
           </a:p>
@@ -2348,6 +2530,44 @@
           <a:chExt cx="0" cy="0"/>
         </a:xfrm>
       </p:grpSpPr>
+      <p:cxnSp>
+        <p:nvCxnSpPr>
+          <p:cNvPr id="113" name="Straight Arrow Connector 4"/>
+          <p:cNvCxnSpPr>
+            <a:endCxn id="116" idx="1"/>
+          </p:cNvCxnSpPr>
+          <p:nvPr/>
+        </p:nvCxnSpPr>
+        <p:spPr>
+          <a:xfrm>
+            <a:off x="5907164" y="1816419"/>
+            <a:ext cx="680713" cy="0"/>
+          </a:xfrm>
+          <a:prstGeom prst="straightConnector1">
+            <a:avLst/>
+          </a:prstGeom>
+          <a:ln w="25400">
+            <a:solidFill>
+              <a:schemeClr val="tx1"/>
+            </a:solidFill>
+            <a:tailEnd type="triangle" w="lg" len="lg"/>
+          </a:ln>
+        </p:spPr>
+        <p:style>
+          <a:lnRef idx="1">
+            <a:schemeClr val="accent1"/>
+          </a:lnRef>
+          <a:fillRef idx="0">
+            <a:schemeClr val="accent1"/>
+          </a:fillRef>
+          <a:effectRef idx="0">
+            <a:schemeClr val="accent1"/>
+          </a:effectRef>
+          <a:fontRef idx="minor">
+            <a:schemeClr val="tx1"/>
+          </a:fontRef>
+        </p:style>
+      </p:cxnSp>
       <p:sp>
         <p:nvSpPr>
           <p:cNvPr id="216" name="Rectangle 215"/>
@@ -2356,7 +2576,7 @@
         </p:nvSpPr>
         <p:spPr>
           <a:xfrm>
-            <a:off x="2944088" y="1582817"/>
+            <a:off x="3163376" y="1454913"/>
             <a:ext cx="3132116" cy="641917"/>
           </a:xfrm>
           <a:prstGeom prst="rect">
@@ -2424,8 +2644,8 @@
         </p:nvSpPr>
         <p:spPr>
           <a:xfrm>
-            <a:off x="6313766" y="1147881"/>
-            <a:ext cx="1900525" cy="1720790"/>
+            <a:off x="6587877" y="992569"/>
+            <a:ext cx="1708654" cy="1647700"/>
           </a:xfrm>
           <a:prstGeom prst="roundRect">
             <a:avLst/>
@@ -2481,8 +2701,8 @@
         </p:nvSpPr>
         <p:spPr>
           <a:xfrm>
-            <a:off x="6537543" y="1702422"/>
-            <a:ext cx="1494005" cy="956122"/>
+            <a:off x="6793379" y="1547110"/>
+            <a:ext cx="1356949" cy="956122"/>
           </a:xfrm>
           <a:prstGeom prst="roundRect">
             <a:avLst/>
@@ -2532,36 +2752,13 @@
       </p:sp>
       <p:sp>
         <p:nvSpPr>
-          <p:cNvPr id="2" name="Title 1"/>
-          <p:cNvSpPr>
-            <a:spLocks noGrp="1"/>
-          </p:cNvSpPr>
-          <p:nvPr>
-            <p:ph type="title"/>
-          </p:nvPr>
-        </p:nvSpPr>
-        <p:spPr/>
-        <p:txBody>
-          <a:bodyPr/>
-          <a:lstStyle/>
-          <a:p>
-            <a:r>
-              <a:rPr lang="en-US" dirty="0" smtClean="0"/>
-              <a:t>Data-driven-Jekyll-website</a:t>
-            </a:r>
-            <a:endParaRPr lang="en-US" dirty="0"/>
-          </a:p>
-        </p:txBody>
-      </p:sp>
-      <p:sp>
-        <p:nvSpPr>
           <p:cNvPr id="48" name="Can 47"/>
           <p:cNvSpPr/>
           <p:nvPr/>
         </p:nvSpPr>
         <p:spPr>
           <a:xfrm>
-            <a:off x="2713734" y="455449"/>
+            <a:off x="2933022" y="300137"/>
             <a:ext cx="1477844" cy="381426"/>
           </a:xfrm>
           <a:prstGeom prst="can">
@@ -2619,7 +2816,7 @@
         </p:nvSpPr>
         <p:spPr>
           <a:xfrm>
-            <a:off x="1880436" y="3729239"/>
+            <a:off x="2081597" y="2825080"/>
             <a:ext cx="3309467" cy="223682"/>
           </a:xfrm>
           <a:prstGeom prst="roundRect">
@@ -2651,7 +2848,6 @@
           <a:bodyPr anchor="ctr"/>
           <a:lstStyle/>
           <a:p>
-            <a:pPr algn="r"/>
             <a:r>
               <a:rPr lang="en-US" sz="600" dirty="0" smtClean="0">
                 <a:solidFill>
@@ -2662,7 +2858,7 @@
                 <a:latin typeface="Open Sans Light"/>
                 <a:cs typeface="Open Sans Light"/>
               </a:rPr>
-              <a:t>jekyll-data-driven-website-v01.pptx. Copyright 2016 Wilson Mar.  All rights reserved.</a:t>
+              <a:t>jekyll-data-driven-website-v02.pptx. Copyright 2016 Wilson Mar.  All rights reserved.</a:t>
             </a:r>
             <a:endParaRPr lang="en-US" sz="600" dirty="0">
               <a:solidFill>
@@ -2679,13 +2875,15 @@
       <p:cxnSp>
         <p:nvCxnSpPr>
           <p:cNvPr id="52" name="Straight Arrow Connector 4"/>
-          <p:cNvCxnSpPr/>
+          <p:cNvCxnSpPr>
+            <a:stCxn id="69" idx="3"/>
+          </p:cNvCxnSpPr>
           <p:nvPr/>
         </p:nvCxnSpPr>
         <p:spPr>
           <a:xfrm flipV="1">
-            <a:off x="1880436" y="753828"/>
-            <a:ext cx="888120" cy="430075"/>
+            <a:off x="2099724" y="630643"/>
+            <a:ext cx="888120" cy="451794"/>
           </a:xfrm>
           <a:prstGeom prst="straightConnector1">
             <a:avLst/>
@@ -2721,7 +2919,7 @@
         </p:nvSpPr>
         <p:spPr>
           <a:xfrm>
-            <a:off x="3083567" y="1092542"/>
+            <a:off x="3302855" y="937230"/>
             <a:ext cx="745014" cy="390384"/>
           </a:xfrm>
           <a:prstGeom prst="rect">
@@ -2792,7 +2990,7 @@
         </p:nvCxnSpPr>
         <p:spPr>
           <a:xfrm>
-            <a:off x="3452656" y="836875"/>
+            <a:off x="3671944" y="681563"/>
             <a:ext cx="3418" cy="255667"/>
           </a:xfrm>
           <a:prstGeom prst="straightConnector1">
@@ -2828,8 +3026,8 @@
         </p:nvSpPr>
         <p:spPr>
           <a:xfrm>
-            <a:off x="4000351" y="1222744"/>
-            <a:ext cx="1083088" cy="1434698"/>
+            <a:off x="4248774" y="1067432"/>
+            <a:ext cx="1008268" cy="1350724"/>
           </a:xfrm>
           <a:prstGeom prst="roundRect">
             <a:avLst/>
@@ -2885,8 +3083,8 @@
         </p:nvSpPr>
         <p:spPr>
           <a:xfrm>
-            <a:off x="3044594" y="1754466"/>
-            <a:ext cx="822960" cy="373095"/>
+            <a:off x="3263882" y="1626563"/>
+            <a:ext cx="822960" cy="276160"/>
           </a:xfrm>
           <a:prstGeom prst="roundRect">
             <a:avLst/>
@@ -2917,7 +3115,7 @@
           </a:fontRef>
         </p:style>
         <p:txBody>
-          <a:bodyPr/>
+          <a:bodyPr anchor="ctr"/>
           <a:lstStyle/>
           <a:p>
             <a:pPr algn="ctr"/>
@@ -2926,7 +3124,7 @@
                 <a:latin typeface="Open Sans Light"/>
                 <a:cs typeface="Open Sans Light"/>
               </a:rPr>
-              <a:t>text</a:t>
+              <a:t>text file</a:t>
             </a:r>
             <a:endParaRPr lang="en-US" dirty="0">
               <a:latin typeface="Open Sans Light"/>
@@ -2946,8 +3144,8 @@
         </p:nvCxnSpPr>
         <p:spPr>
           <a:xfrm>
-            <a:off x="3456074" y="1482926"/>
-            <a:ext cx="0" cy="271540"/>
+            <a:off x="3675362" y="1327614"/>
+            <a:ext cx="0" cy="298949"/>
           </a:xfrm>
           <a:prstGeom prst="straightConnector1">
             <a:avLst/>
@@ -2983,9 +3181,9 @@
           <p:nvPr/>
         </p:nvCxnSpPr>
         <p:spPr>
-          <a:xfrm flipV="1">
-            <a:off x="3867554" y="1929048"/>
-            <a:ext cx="324024" cy="11966"/>
+          <a:xfrm>
+            <a:off x="4086842" y="1764643"/>
+            <a:ext cx="324024" cy="0"/>
           </a:xfrm>
           <a:prstGeom prst="straightConnector1">
             <a:avLst/>
@@ -3020,7 +3218,7 @@
         </p:nvSpPr>
         <p:spPr>
           <a:xfrm>
-            <a:off x="817385" y="1050184"/>
+            <a:off x="1036673" y="803512"/>
             <a:ext cx="1063051" cy="557850"/>
           </a:xfrm>
           <a:prstGeom prst="flowChartDisplay">
@@ -3078,7 +3276,7 @@
         </p:nvSpPr>
         <p:spPr>
           <a:xfrm>
-            <a:off x="817385" y="428041"/>
+            <a:off x="1036673" y="272729"/>
             <a:ext cx="822960" cy="427911"/>
           </a:xfrm>
           <a:prstGeom prst="roundRect">
@@ -3139,7 +3337,7 @@
         </p:nvCxnSpPr>
         <p:spPr>
           <a:xfrm>
-            <a:off x="1640345" y="641997"/>
+            <a:off x="1859633" y="486685"/>
             <a:ext cx="1073389" cy="4165"/>
           </a:xfrm>
           <a:prstGeom prst="straightConnector1">
@@ -3175,7 +3373,7 @@
         </p:nvSpPr>
         <p:spPr>
           <a:xfrm>
-            <a:off x="1594659" y="350124"/>
+            <a:off x="1813947" y="176540"/>
             <a:ext cx="1003475" cy="584776"/>
           </a:xfrm>
           <a:prstGeom prst="rect">
@@ -3216,7 +3414,7 @@
         </p:nvSpPr>
         <p:spPr>
           <a:xfrm>
-            <a:off x="4142316" y="1546273"/>
+            <a:off x="4361604" y="1390961"/>
             <a:ext cx="877163" cy="954107"/>
           </a:xfrm>
           <a:prstGeom prst="rect">
@@ -3284,8 +3482,8 @@
         </p:nvSpPr>
         <p:spPr>
           <a:xfrm>
-            <a:off x="6446173" y="1558866"/>
-            <a:ext cx="1439182" cy="1014602"/>
+            <a:off x="6720283" y="1403554"/>
+            <a:ext cx="1329543" cy="1014602"/>
           </a:xfrm>
           <a:prstGeom prst="roundRect">
             <a:avLst/>
@@ -3333,44 +3531,6 @@
           </a:p>
         </p:txBody>
       </p:sp>
-      <p:cxnSp>
-        <p:nvCxnSpPr>
-          <p:cNvPr id="113" name="Straight Arrow Connector 4"/>
-          <p:cNvCxnSpPr>
-            <a:endCxn id="116" idx="1"/>
-          </p:cNvCxnSpPr>
-          <p:nvPr/>
-        </p:nvCxnSpPr>
-        <p:spPr>
-          <a:xfrm flipV="1">
-            <a:off x="5911734" y="2008276"/>
-            <a:ext cx="402032" cy="9231"/>
-          </a:xfrm>
-          <a:prstGeom prst="straightConnector1">
-            <a:avLst/>
-          </a:prstGeom>
-          <a:ln w="25400">
-            <a:solidFill>
-              <a:schemeClr val="tx1"/>
-            </a:solidFill>
-            <a:tailEnd type="triangle" w="lg" len="lg"/>
-          </a:ln>
-        </p:spPr>
-        <p:style>
-          <a:lnRef idx="1">
-            <a:schemeClr val="accent1"/>
-          </a:lnRef>
-          <a:fillRef idx="0">
-            <a:schemeClr val="accent1"/>
-          </a:fillRef>
-          <a:effectRef idx="0">
-            <a:schemeClr val="accent1"/>
-          </a:effectRef>
-          <a:fontRef idx="minor">
-            <a:schemeClr val="tx1"/>
-          </a:fontRef>
-        </p:style>
-      </p:cxnSp>
       <p:sp>
         <p:nvSpPr>
           <p:cNvPr id="119" name="Rounded Rectangle 118"/>
@@ -3379,7 +3539,7 @@
         </p:nvSpPr>
         <p:spPr>
           <a:xfrm>
-            <a:off x="6625985" y="1933882"/>
+            <a:off x="6845273" y="1778570"/>
             <a:ext cx="1079558" cy="541944"/>
           </a:xfrm>
           <a:prstGeom prst="roundRect">
@@ -3436,14 +3596,16 @@
         </p:nvSpPr>
         <p:spPr>
           <a:xfrm>
-            <a:off x="6415181" y="376298"/>
-            <a:ext cx="1479311" cy="633374"/>
+            <a:off x="6634469" y="272728"/>
+            <a:ext cx="1479311" cy="581631"/>
           </a:xfrm>
           <a:prstGeom prst="flowChartDisplay">
             <a:avLst/>
           </a:prstGeom>
           <a:solidFill>
-            <a:schemeClr val="tx2"/>
+            <a:schemeClr val="bg1">
+              <a:lumMod val="50000"/>
+            </a:schemeClr>
           </a:solidFill>
           <a:ln>
             <a:solidFill>
@@ -3510,8 +3672,8 @@
         </p:nvCxnSpPr>
         <p:spPr>
           <a:xfrm flipH="1" flipV="1">
-            <a:off x="7154837" y="1009672"/>
-            <a:ext cx="10927" cy="549194"/>
+            <a:off x="7374125" y="854359"/>
+            <a:ext cx="10930" cy="549195"/>
           </a:xfrm>
           <a:prstGeom prst="straightConnector1">
             <a:avLst/>
@@ -3548,8 +3710,8 @@
         </p:nvSpPr>
         <p:spPr>
           <a:xfrm>
-            <a:off x="7053878" y="3057615"/>
-            <a:ext cx="1160413" cy="432292"/>
+            <a:off x="3457357" y="3177100"/>
+            <a:ext cx="1059913" cy="432292"/>
           </a:xfrm>
           <a:prstGeom prst="roundRect">
             <a:avLst/>
@@ -3605,8 +3767,8 @@
         </p:nvSpPr>
         <p:spPr>
           <a:xfrm>
-            <a:off x="7053878" y="3520629"/>
-            <a:ext cx="1160413" cy="432292"/>
+            <a:off x="3457358" y="3640114"/>
+            <a:ext cx="1059912" cy="432292"/>
           </a:xfrm>
           <a:prstGeom prst="roundRect">
             <a:avLst/>
@@ -3662,8 +3824,8 @@
         </p:nvSpPr>
         <p:spPr>
           <a:xfrm>
-            <a:off x="5355201" y="3078569"/>
-            <a:ext cx="1415424" cy="390384"/>
+            <a:off x="1923146" y="3198054"/>
+            <a:ext cx="1191727" cy="390384"/>
           </a:xfrm>
           <a:prstGeom prst="rect">
             <a:avLst/>
@@ -3733,8 +3895,8 @@
         </p:nvCxnSpPr>
         <p:spPr>
           <a:xfrm>
-            <a:off x="6770625" y="3273761"/>
-            <a:ext cx="283253" cy="0"/>
+            <a:off x="3114873" y="3393246"/>
+            <a:ext cx="342484" cy="0"/>
           </a:xfrm>
           <a:prstGeom prst="straightConnector1">
             <a:avLst/>
@@ -3769,8 +3931,8 @@
         </p:nvSpPr>
         <p:spPr>
           <a:xfrm>
-            <a:off x="5355201" y="3541583"/>
-            <a:ext cx="1389713" cy="390384"/>
+            <a:off x="1923146" y="3661068"/>
+            <a:ext cx="1191727" cy="390384"/>
           </a:xfrm>
           <a:prstGeom prst="rect">
             <a:avLst/>
@@ -3840,8 +4002,8 @@
         </p:nvCxnSpPr>
         <p:spPr>
           <a:xfrm>
-            <a:off x="6744914" y="3736775"/>
-            <a:ext cx="308964" cy="0"/>
+            <a:off x="3114873" y="3856260"/>
+            <a:ext cx="342485" cy="0"/>
           </a:xfrm>
           <a:prstGeom prst="straightConnector1">
             <a:avLst/>
@@ -3879,8 +4041,8 @@
         </p:nvCxnSpPr>
         <p:spPr>
           <a:xfrm flipV="1">
-            <a:off x="3451813" y="2127561"/>
-            <a:ext cx="4261" cy="408398"/>
+            <a:off x="3671101" y="1902723"/>
+            <a:ext cx="4261" cy="377428"/>
           </a:xfrm>
           <a:prstGeom prst="straightConnector1">
             <a:avLst/>
@@ -3916,7 +4078,7 @@
         </p:nvSpPr>
         <p:spPr>
           <a:xfrm>
-            <a:off x="2933023" y="2535959"/>
+            <a:off x="3152311" y="2280151"/>
             <a:ext cx="1037580" cy="570029"/>
           </a:xfrm>
           <a:prstGeom prst="roundRect">
@@ -3977,8 +4139,8 @@
         </p:nvCxnSpPr>
         <p:spPr>
           <a:xfrm flipH="1" flipV="1">
-            <a:off x="2430494" y="2402738"/>
-            <a:ext cx="502529" cy="418236"/>
+            <a:off x="2649782" y="2247426"/>
+            <a:ext cx="502529" cy="317740"/>
           </a:xfrm>
           <a:prstGeom prst="straightConnector1">
             <a:avLst/>
@@ -4014,7 +4176,7 @@
         </p:nvSpPr>
         <p:spPr>
           <a:xfrm>
-            <a:off x="1965404" y="2012354"/>
+            <a:off x="2184692" y="1857042"/>
             <a:ext cx="930180" cy="390384"/>
           </a:xfrm>
           <a:prstGeom prst="rect">
@@ -4085,8 +4247,8 @@
         </p:nvCxnSpPr>
         <p:spPr>
           <a:xfrm rot="16200000" flipH="1">
-            <a:off x="2914506" y="833065"/>
-            <a:ext cx="875101" cy="4006290"/>
+            <a:off x="1170723" y="2640823"/>
+            <a:ext cx="1149898" cy="354947"/>
           </a:xfrm>
           <a:prstGeom prst="bentConnector2">
             <a:avLst/>
@@ -4124,8 +4286,8 @@
         </p:nvCxnSpPr>
         <p:spPr>
           <a:xfrm rot="16200000" flipH="1">
-            <a:off x="2682999" y="1064572"/>
-            <a:ext cx="1338115" cy="4006290"/>
+            <a:off x="939216" y="2872330"/>
+            <a:ext cx="1612912" cy="354947"/>
           </a:xfrm>
           <a:prstGeom prst="bentConnector2">
             <a:avLst/>
@@ -4160,8 +4322,8 @@
         </p:nvCxnSpPr>
         <p:spPr>
           <a:xfrm>
-            <a:off x="4678219" y="2012354"/>
-            <a:ext cx="0" cy="289891"/>
+            <a:off x="4870096" y="1875314"/>
+            <a:ext cx="0" cy="212380"/>
           </a:xfrm>
           <a:prstGeom prst="straightConnector1">
             <a:avLst/>
@@ -4196,7 +4358,7 @@
         </p:nvSpPr>
         <p:spPr>
           <a:xfrm>
-            <a:off x="6808006" y="2168049"/>
+            <a:off x="7027294" y="2012737"/>
             <a:ext cx="843287" cy="307777"/>
           </a:xfrm>
           <a:prstGeom prst="rect">
@@ -4230,14 +4392,14 @@
         <p:nvCxnSpPr>
           <p:cNvPr id="225" name="Straight Arrow Connector 4"/>
           <p:cNvCxnSpPr>
-            <a:stCxn id="187" idx="0"/>
+            <a:endCxn id="187" idx="0"/>
           </p:cNvCxnSpPr>
           <p:nvPr/>
         </p:nvCxnSpPr>
         <p:spPr>
-          <a:xfrm flipV="1">
-            <a:off x="2430494" y="836875"/>
-            <a:ext cx="614100" cy="1175479"/>
+          <a:xfrm flipH="1">
+            <a:off x="2649782" y="681563"/>
+            <a:ext cx="653073" cy="1175479"/>
           </a:xfrm>
           <a:prstGeom prst="straightConnector1">
             <a:avLst/>
@@ -4246,7 +4408,7 @@
             <a:solidFill>
               <a:schemeClr val="accent6"/>
             </a:solidFill>
-            <a:headEnd type="triangle" w="lg" len="lg"/>
+            <a:headEnd type="none" w="lg" len="lg"/>
             <a:tailEnd type="triangle" w="lg" len="lg"/>
           </a:ln>
         </p:spPr>
@@ -4273,7 +4435,7 @@
         </p:nvSpPr>
         <p:spPr>
           <a:xfrm>
-            <a:off x="817385" y="2008276"/>
+            <a:off x="1036673" y="1852964"/>
             <a:ext cx="1063051" cy="390384"/>
           </a:xfrm>
           <a:prstGeom prst="rect">
@@ -4343,7 +4505,7 @@
         </p:nvCxnSpPr>
         <p:spPr>
           <a:xfrm flipH="1">
-            <a:off x="1348911" y="836875"/>
+            <a:off x="1568199" y="681563"/>
             <a:ext cx="1546674" cy="1171401"/>
           </a:xfrm>
           <a:prstGeom prst="straightConnector1">
@@ -4382,8 +4544,8 @@
         </p:nvCxnSpPr>
         <p:spPr>
           <a:xfrm flipV="1">
-            <a:off x="3451813" y="2321938"/>
-            <a:ext cx="3356193" cy="784050"/>
+            <a:off x="3671101" y="2166626"/>
+            <a:ext cx="3356193" cy="683554"/>
           </a:xfrm>
           <a:prstGeom prst="straightConnector1">
             <a:avLst/>
@@ -4418,14 +4580,14 @@
         </p:nvSpPr>
         <p:spPr>
           <a:xfrm>
-            <a:off x="4913353" y="427236"/>
-            <a:ext cx="822960" cy="427911"/>
+            <a:off x="4897507" y="351056"/>
+            <a:ext cx="822960" cy="279587"/>
           </a:xfrm>
           <a:prstGeom prst="roundRect">
             <a:avLst/>
           </a:prstGeom>
           <a:solidFill>
-            <a:schemeClr val="accent6"/>
+            <a:schemeClr val="tx2"/>
           </a:solidFill>
           <a:ln>
             <a:solidFill>
@@ -4450,7 +4612,7 @@
           </a:fontRef>
         </p:style>
         <p:txBody>
-          <a:bodyPr/>
+          <a:bodyPr anchor="ctr"/>
           <a:lstStyle/>
           <a:p>
             <a:pPr algn="ctr"/>
@@ -4478,16 +4640,16 @@
           <p:nvPr/>
         </p:nvCxnSpPr>
         <p:spPr>
-          <a:xfrm flipV="1">
-            <a:off x="4191578" y="641192"/>
-            <a:ext cx="721775" cy="4970"/>
+          <a:xfrm>
+            <a:off x="4410866" y="490850"/>
+            <a:ext cx="486641" cy="0"/>
           </a:xfrm>
           <a:prstGeom prst="straightConnector1">
             <a:avLst/>
           </a:prstGeom>
           <a:ln w="25400">
             <a:solidFill>
-              <a:schemeClr val="accent6"/>
+              <a:schemeClr val="tx2"/>
             </a:solidFill>
             <a:headEnd type="triangle" w="lg" len="lg"/>
             <a:tailEnd type="triangle" w="lg" len="lg"/>
@@ -4508,61 +4670,27 @@
           </a:fontRef>
         </p:style>
       </p:cxnSp>
-      <p:sp>
-        <p:nvSpPr>
-          <p:cNvPr id="247" name="TextBox 246"/>
-          <p:cNvSpPr txBox="1"/>
-          <p:nvPr/>
-        </p:nvSpPr>
-        <p:spPr>
-          <a:xfrm>
-            <a:off x="3439564" y="753828"/>
-            <a:ext cx="1549325" cy="338554"/>
-          </a:xfrm>
-          <a:prstGeom prst="rect">
-            <a:avLst/>
-          </a:prstGeom>
-          <a:noFill/>
-        </p:spPr>
-        <p:txBody>
-          <a:bodyPr wrap="square" rtlCol="0">
-            <a:spAutoFit/>
-          </a:bodyPr>
-          <a:lstStyle/>
-          <a:p>
-            <a:r>
-              <a:rPr lang="en-US" sz="1600" dirty="0" smtClean="0">
-                <a:solidFill>
-                  <a:schemeClr val="accent6"/>
-                </a:solidFill>
-                <a:latin typeface="Open Sans Light"/>
-                <a:cs typeface="Open Sans Light"/>
-              </a:rPr>
-              <a:t>Google Sheet</a:t>
-            </a:r>
-          </a:p>
-        </p:txBody>
-      </p:sp>
       <p:cxnSp>
         <p:nvCxnSpPr>
           <p:cNvPr id="50" name="Straight Arrow Connector 4"/>
           <p:cNvCxnSpPr>
-            <a:stCxn id="243" idx="2"/>
+            <a:endCxn id="243" idx="2"/>
           </p:cNvCxnSpPr>
           <p:nvPr/>
         </p:nvCxnSpPr>
         <p:spPr>
-          <a:xfrm flipH="1">
-            <a:off x="4988889" y="855147"/>
-            <a:ext cx="335944" cy="451284"/>
+          <a:xfrm flipV="1">
+            <a:off x="5308987" y="630643"/>
+            <a:ext cx="0" cy="306587"/>
           </a:xfrm>
           <a:prstGeom prst="straightConnector1">
             <a:avLst/>
           </a:prstGeom>
           <a:ln w="25400">
             <a:solidFill>
-              <a:schemeClr val="accent6"/>
+              <a:schemeClr val="tx2"/>
             </a:solidFill>
+            <a:headEnd type="triangle" w="lg" len="lg"/>
             <a:tailEnd type="triangle" w="lg" len="lg"/>
           </a:ln>
         </p:spPr>
@@ -4589,7 +4717,7 @@
         </p:nvSpPr>
         <p:spPr>
           <a:xfrm>
-            <a:off x="1662830" y="2324369"/>
+            <a:off x="1882118" y="2169057"/>
             <a:ext cx="453779" cy="244184"/>
           </a:xfrm>
           <a:prstGeom prst="can">
@@ -4625,6 +4753,379 @@
           <a:lstStyle/>
           <a:p>
             <a:endParaRPr lang="en-US"/>
+          </a:p>
+        </p:txBody>
+      </p:sp>
+      <p:cxnSp>
+        <p:nvCxnSpPr>
+          <p:cNvPr id="54" name="Straight Arrow Connector 4"/>
+          <p:cNvCxnSpPr>
+            <a:stCxn id="56" idx="2"/>
+          </p:cNvCxnSpPr>
+          <p:nvPr/>
+        </p:nvCxnSpPr>
+        <p:spPr>
+          <a:xfrm>
+            <a:off x="5907164" y="1287787"/>
+            <a:ext cx="0" cy="185398"/>
+          </a:xfrm>
+          <a:prstGeom prst="straightConnector1">
+            <a:avLst/>
+          </a:prstGeom>
+          <a:ln w="25400">
+            <a:solidFill>
+              <a:schemeClr val="tx2"/>
+            </a:solidFill>
+            <a:tailEnd type="triangle" w="lg" len="lg"/>
+          </a:ln>
+        </p:spPr>
+        <p:style>
+          <a:lnRef idx="1">
+            <a:schemeClr val="accent1"/>
+          </a:lnRef>
+          <a:fillRef idx="0">
+            <a:schemeClr val="accent1"/>
+          </a:fillRef>
+          <a:effectRef idx="0">
+            <a:schemeClr val="accent1"/>
+          </a:effectRef>
+          <a:fontRef idx="minor">
+            <a:schemeClr val="tx1"/>
+          </a:fontRef>
+        </p:style>
+      </p:cxnSp>
+      <p:sp>
+        <p:nvSpPr>
+          <p:cNvPr id="56" name="Rounded Rectangle 55"/>
+          <p:cNvSpPr/>
+          <p:nvPr/>
+        </p:nvSpPr>
+        <p:spPr>
+          <a:xfrm>
+            <a:off x="5409190" y="1008200"/>
+            <a:ext cx="995947" cy="279587"/>
+          </a:xfrm>
+          <a:prstGeom prst="roundRect">
+            <a:avLst/>
+          </a:prstGeom>
+          <a:solidFill>
+            <a:schemeClr val="tx2"/>
+          </a:solidFill>
+          <a:ln>
+            <a:noFill/>
+          </a:ln>
+        </p:spPr>
+        <p:style>
+          <a:lnRef idx="2">
+            <a:schemeClr val="accent1">
+              <a:shade val="50000"/>
+            </a:schemeClr>
+          </a:lnRef>
+          <a:fillRef idx="1">
+            <a:schemeClr val="accent1"/>
+          </a:fillRef>
+          <a:effectRef idx="0">
+            <a:schemeClr val="accent1"/>
+          </a:effectRef>
+          <a:fontRef idx="minor">
+            <a:schemeClr val="lt1"/>
+          </a:fontRef>
+        </p:style>
+        <p:txBody>
+          <a:bodyPr anchor="ctr"/>
+          <a:lstStyle/>
+          <a:p>
+            <a:pPr algn="ctr"/>
+            <a:r>
+              <a:rPr lang="en-US" dirty="0" smtClean="0">
+                <a:latin typeface="Open Sans Light"/>
+                <a:cs typeface="Open Sans Light"/>
+              </a:rPr>
+              <a:t>template</a:t>
+            </a:r>
+            <a:endParaRPr lang="en-US" dirty="0">
+              <a:latin typeface="Open Sans Light"/>
+              <a:cs typeface="Open Sans Light"/>
+            </a:endParaRPr>
+          </a:p>
+        </p:txBody>
+      </p:sp>
+      <p:sp>
+        <p:nvSpPr>
+          <p:cNvPr id="57" name="Rectangle 56"/>
+          <p:cNvSpPr/>
+          <p:nvPr/>
+        </p:nvSpPr>
+        <p:spPr>
+          <a:xfrm>
+            <a:off x="6089279" y="2844433"/>
+            <a:ext cx="2033637" cy="390384"/>
+          </a:xfrm>
+          <a:prstGeom prst="rect">
+            <a:avLst/>
+          </a:prstGeom>
+          <a:solidFill>
+            <a:srgbClr val="F4A900"/>
+          </a:solidFill>
+          <a:ln>
+            <a:solidFill>
+              <a:schemeClr val="bg1"/>
+            </a:solidFill>
+          </a:ln>
+        </p:spPr>
+        <p:style>
+          <a:lnRef idx="2">
+            <a:schemeClr val="accent1">
+              <a:shade val="50000"/>
+            </a:schemeClr>
+          </a:lnRef>
+          <a:fillRef idx="1">
+            <a:schemeClr val="accent1"/>
+          </a:fillRef>
+          <a:effectRef idx="0">
+            <a:schemeClr val="accent1"/>
+          </a:effectRef>
+          <a:fontRef idx="minor">
+            <a:schemeClr val="lt1"/>
+          </a:fontRef>
+        </p:style>
+        <p:txBody>
+          <a:bodyPr lIns="68681" tIns="34340" rIns="68681" bIns="34340" anchor="t"/>
+          <a:lstStyle/>
+          <a:p>
+            <a:pPr algn="ctr" defTabSz="343403" eaLnBrk="1" fontAlgn="auto" hangingPunct="1">
+              <a:spcBef>
+                <a:spcPts val="0"/>
+              </a:spcBef>
+              <a:spcAft>
+                <a:spcPts val="0"/>
+              </a:spcAft>
+              <a:defRPr/>
+            </a:pPr>
+            <a:r>
+              <a:rPr lang="en-US" sz="1600" dirty="0" smtClean="0">
+                <a:latin typeface="Open Sans Light"/>
+                <a:ea typeface="Open Sans Light" charset="0"/>
+                <a:cs typeface="Open Sans Light"/>
+              </a:rPr>
+              <a:t>form processing API</a:t>
+            </a:r>
+            <a:endParaRPr lang="en-US" sz="1600" dirty="0">
+              <a:latin typeface="Open Sans Light"/>
+              <a:ea typeface="Open Sans Light" charset="0"/>
+              <a:cs typeface="Open Sans Light"/>
+            </a:endParaRPr>
+          </a:p>
+        </p:txBody>
+      </p:sp>
+      <p:cxnSp>
+        <p:nvCxnSpPr>
+          <p:cNvPr id="60" name="Straight Arrow Connector 4"/>
+          <p:cNvCxnSpPr>
+            <a:endCxn id="58" idx="1"/>
+          </p:cNvCxnSpPr>
+          <p:nvPr/>
+        </p:nvCxnSpPr>
+        <p:spPr>
+          <a:xfrm>
+            <a:off x="7448938" y="3198054"/>
+            <a:ext cx="0" cy="290817"/>
+          </a:xfrm>
+          <a:prstGeom prst="straightConnector1">
+            <a:avLst/>
+          </a:prstGeom>
+          <a:ln w="25400">
+            <a:solidFill>
+              <a:schemeClr val="bg1">
+                <a:lumMod val="50000"/>
+              </a:schemeClr>
+            </a:solidFill>
+            <a:headEnd type="triangle" w="lg" len="lg"/>
+            <a:tailEnd type="triangle" w="lg" len="lg"/>
+          </a:ln>
+        </p:spPr>
+        <p:style>
+          <a:lnRef idx="1">
+            <a:schemeClr val="accent1"/>
+          </a:lnRef>
+          <a:fillRef idx="0">
+            <a:schemeClr val="accent1"/>
+          </a:fillRef>
+          <a:effectRef idx="0">
+            <a:schemeClr val="accent1"/>
+          </a:effectRef>
+          <a:fontRef idx="minor">
+            <a:schemeClr val="tx1"/>
+          </a:fontRef>
+        </p:style>
+      </p:cxnSp>
+      <p:cxnSp>
+        <p:nvCxnSpPr>
+          <p:cNvPr id="65" name="Straight Arrow Connector 4"/>
+          <p:cNvCxnSpPr>
+            <a:endCxn id="214" idx="2"/>
+          </p:cNvCxnSpPr>
+          <p:nvPr/>
+        </p:nvCxnSpPr>
+        <p:spPr>
+          <a:xfrm flipV="1">
+            <a:off x="7448938" y="2320514"/>
+            <a:ext cx="0" cy="529666"/>
+          </a:xfrm>
+          <a:prstGeom prst="straightConnector1">
+            <a:avLst/>
+          </a:prstGeom>
+          <a:ln w="25400">
+            <a:solidFill>
+              <a:schemeClr val="accent6"/>
+            </a:solidFill>
+            <a:headEnd type="triangle" w="lg" len="lg"/>
+            <a:tailEnd type="triangle" w="lg" len="lg"/>
+          </a:ln>
+        </p:spPr>
+        <p:style>
+          <a:lnRef idx="1">
+            <a:schemeClr val="accent1"/>
+          </a:lnRef>
+          <a:fillRef idx="0">
+            <a:schemeClr val="accent1"/>
+          </a:fillRef>
+          <a:effectRef idx="0">
+            <a:schemeClr val="accent1"/>
+          </a:effectRef>
+          <a:fontRef idx="minor">
+            <a:schemeClr val="tx1"/>
+          </a:fontRef>
+        </p:style>
+      </p:cxnSp>
+      <p:sp>
+        <p:nvSpPr>
+          <p:cNvPr id="58" name="Can 57"/>
+          <p:cNvSpPr/>
+          <p:nvPr/>
+        </p:nvSpPr>
+        <p:spPr>
+          <a:xfrm>
+            <a:off x="7222048" y="3488871"/>
+            <a:ext cx="453779" cy="244184"/>
+          </a:xfrm>
+          <a:prstGeom prst="can">
+            <a:avLst/>
+          </a:prstGeom>
+          <a:solidFill>
+            <a:srgbClr val="7F7F7F"/>
+          </a:solidFill>
+          <a:ln>
+            <a:solidFill>
+              <a:schemeClr val="bg1">
+                <a:lumMod val="50000"/>
+              </a:schemeClr>
+            </a:solidFill>
+          </a:ln>
+        </p:spPr>
+        <p:style>
+          <a:lnRef idx="2">
+            <a:schemeClr val="accent1">
+              <a:shade val="50000"/>
+            </a:schemeClr>
+          </a:lnRef>
+          <a:fillRef idx="1">
+            <a:schemeClr val="accent1"/>
+          </a:fillRef>
+          <a:effectRef idx="0">
+            <a:schemeClr val="accent1"/>
+          </a:effectRef>
+          <a:fontRef idx="minor">
+            <a:schemeClr val="lt1"/>
+          </a:fontRef>
+        </p:style>
+        <p:txBody>
+          <a:bodyPr/>
+          <a:lstStyle/>
+          <a:p>
+            <a:endParaRPr lang="en-US"/>
+          </a:p>
+        </p:txBody>
+      </p:sp>
+      <p:cxnSp>
+        <p:nvCxnSpPr>
+          <p:cNvPr id="59" name="Straight Arrow Connector 4"/>
+          <p:cNvCxnSpPr>
+            <a:stCxn id="57" idx="1"/>
+            <a:endCxn id="51" idx="3"/>
+          </p:cNvCxnSpPr>
+          <p:nvPr/>
+        </p:nvCxnSpPr>
+        <p:spPr>
+          <a:xfrm rot="10800000">
+            <a:off x="2109009" y="2413241"/>
+            <a:ext cx="3980271" cy="626384"/>
+          </a:xfrm>
+          <a:prstGeom prst="bentConnector2">
+            <a:avLst/>
+          </a:prstGeom>
+          <a:ln w="25400">
+            <a:solidFill>
+              <a:srgbClr val="F4A900"/>
+            </a:solidFill>
+            <a:headEnd type="triangle" w="lg" len="lg"/>
+            <a:tailEnd type="triangle" w="lg" len="lg"/>
+          </a:ln>
+        </p:spPr>
+        <p:style>
+          <a:lnRef idx="1">
+            <a:schemeClr val="accent1"/>
+          </a:lnRef>
+          <a:fillRef idx="0">
+            <a:schemeClr val="accent1"/>
+          </a:fillRef>
+          <a:effectRef idx="0">
+            <a:schemeClr val="accent1"/>
+          </a:effectRef>
+          <a:fontRef idx="minor">
+            <a:schemeClr val="tx1"/>
+          </a:fontRef>
+        </p:style>
+      </p:cxnSp>
+      <p:sp>
+        <p:nvSpPr>
+          <p:cNvPr id="67" name="TextBox 66"/>
+          <p:cNvSpPr txBox="1"/>
+          <p:nvPr/>
+        </p:nvSpPr>
+        <p:spPr>
+          <a:xfrm>
+            <a:off x="2184692" y="2468254"/>
+            <a:ext cx="1375982" cy="338554"/>
+          </a:xfrm>
+          <a:prstGeom prst="rect">
+            <a:avLst/>
+          </a:prstGeom>
+          <a:noFill/>
+        </p:spPr>
+        <p:txBody>
+          <a:bodyPr wrap="square" rtlCol="0">
+            <a:spAutoFit/>
+          </a:bodyPr>
+          <a:lstStyle/>
+          <a:p>
+            <a:r>
+              <a:rPr lang="en-US" sz="1600" i="1" dirty="0" smtClean="0">
+                <a:solidFill>
+                  <a:schemeClr val="accent6"/>
+                </a:solidFill>
+                <a:latin typeface="Open Sans Light"/>
+                <a:cs typeface="Open Sans Light"/>
+              </a:rPr>
+              <a:t>Compress</a:t>
+            </a:r>
+            <a:endParaRPr lang="en-US" sz="1600" i="1" dirty="0" smtClean="0">
+              <a:solidFill>
+                <a:schemeClr val="accent6"/>
+              </a:solidFill>
+              <a:latin typeface="Open Sans Light"/>
+              <a:cs typeface="Open Sans Light"/>
+            </a:endParaRPr>
           </a:p>
         </p:txBody>
       </p:sp>
@@ -4717,7 +5218,7 @@
                                           </p:stCondLst>
                                         </p:cTn>
                                         <p:tgtEl>
-                                          <p:spTgt spid="187"/>
+                                          <p:spTgt spid="123"/>
                                         </p:tgtEl>
                                         <p:attrNameLst>
                                           <p:attrName>style.visibility</p:attrName>
@@ -4744,7 +5245,7 @@
                                           </p:stCondLst>
                                         </p:cTn>
                                         <p:tgtEl>
-                                          <p:spTgt spid="184"/>
+                                          <p:spTgt spid="125"/>
                                         </p:tgtEl>
                                         <p:attrNameLst>
                                           <p:attrName>style.visibility</p:attrName>
@@ -4758,7 +5259,7 @@
                                 </p:cTn>
                               </p:par>
                               <p:par>
-                                <p:cTn id="13" presetID="1" presetClass="entr" presetSubtype="0" fill="hold" nodeType="withEffect">
+                                <p:cTn id="13" presetID="1" presetClass="entr" presetSubtype="0" fill="hold" grpId="0" nodeType="withEffect">
                                   <p:stCondLst>
                                     <p:cond delay="0"/>
                                   </p:stCondLst>
@@ -4771,7 +5272,7 @@
                                           </p:stCondLst>
                                         </p:cTn>
                                         <p:tgtEl>
-                                          <p:spTgt spid="225"/>
+                                          <p:spTgt spid="110"/>
                                         </p:tgtEl>
                                         <p:attrNameLst>
                                           <p:attrName>style.visibility</p:attrName>
@@ -4784,26 +5285,35 @@
                                   </p:childTnLst>
                                 </p:cTn>
                               </p:par>
-                            </p:childTnLst>
-                          </p:cTn>
-                        </p:par>
-                      </p:childTnLst>
-                    </p:cTn>
-                  </p:par>
-                  <p:par>
-                    <p:cTn id="15" fill="hold">
-                      <p:stCondLst>
-                        <p:cond delay="indefinite"/>
-                      </p:stCondLst>
-                      <p:childTnLst>
-                        <p:par>
-                          <p:cTn id="16" fill="hold">
-                            <p:stCondLst>
-                              <p:cond delay="0"/>
-                            </p:stCondLst>
-                            <p:childTnLst>
                               <p:par>
-                                <p:cTn id="17" presetID="1" presetClass="entr" presetSubtype="0" fill="hold" grpId="0" nodeType="clickEffect">
+                                <p:cTn id="15" presetID="1" presetClass="entr" presetSubtype="0" fill="hold" grpId="0" nodeType="withEffect">
+                                  <p:stCondLst>
+                                    <p:cond delay="0"/>
+                                  </p:stCondLst>
+                                  <p:childTnLst>
+                                    <p:set>
+                                      <p:cBhvr>
+                                        <p:cTn id="16" dur="1" fill="hold">
+                                          <p:stCondLst>
+                                            <p:cond delay="0"/>
+                                          </p:stCondLst>
+                                        </p:cTn>
+                                        <p:tgtEl>
+                                          <p:spTgt spid="214"/>
+                                        </p:tgtEl>
+                                        <p:attrNameLst>
+                                          <p:attrName>style.visibility</p:attrName>
+                                        </p:attrNameLst>
+                                      </p:cBhvr>
+                                      <p:to>
+                                        <p:strVal val="visible"/>
+                                      </p:to>
+                                    </p:set>
+                                  </p:childTnLst>
+                                </p:cTn>
+                              </p:par>
+                              <p:par>
+                                <p:cTn id="17" presetID="1" presetClass="entr" presetSubtype="0" fill="hold" nodeType="withEffect">
                                   <p:stCondLst>
                                     <p:cond delay="0"/>
                                   </p:stCondLst>
@@ -4816,7 +5326,7 @@
                                           </p:stCondLst>
                                         </p:cTn>
                                         <p:tgtEl>
-                                          <p:spTgt spid="51"/>
+                                          <p:spTgt spid="238"/>
                                         </p:tgtEl>
                                         <p:attrNameLst>
                                           <p:attrName>style.visibility</p:attrName>
@@ -4861,7 +5371,7 @@
                                           </p:stCondLst>
                                         </p:cTn>
                                         <p:tgtEl>
-                                          <p:spTgt spid="123"/>
+                                          <p:spTgt spid="187"/>
                                         </p:tgtEl>
                                         <p:attrNameLst>
                                           <p:attrName>style.visibility</p:attrName>
@@ -4888,7 +5398,7 @@
                                           </p:stCondLst>
                                         </p:cTn>
                                         <p:tgtEl>
-                                          <p:spTgt spid="125"/>
+                                          <p:spTgt spid="184"/>
                                         </p:tgtEl>
                                         <p:attrNameLst>
                                           <p:attrName>style.visibility</p:attrName>
@@ -4902,7 +5412,7 @@
                                 </p:cTn>
                               </p:par>
                               <p:par>
-                                <p:cTn id="25" presetID="1" presetClass="entr" presetSubtype="0" fill="hold" grpId="0" nodeType="withEffect">
+                                <p:cTn id="25" presetID="1" presetClass="entr" presetSubtype="0" fill="hold" nodeType="withEffect">
                                   <p:stCondLst>
                                     <p:cond delay="0"/>
                                   </p:stCondLst>
@@ -4915,7 +5425,7 @@
                                           </p:stCondLst>
                                         </p:cTn>
                                         <p:tgtEl>
-                                          <p:spTgt spid="110"/>
+                                          <p:spTgt spid="225"/>
                                         </p:tgtEl>
                                         <p:attrNameLst>
                                           <p:attrName>style.visibility</p:attrName>
@@ -4942,34 +5452,7 @@
                                           </p:stCondLst>
                                         </p:cTn>
                                         <p:tgtEl>
-                                          <p:spTgt spid="214"/>
-                                        </p:tgtEl>
-                                        <p:attrNameLst>
-                                          <p:attrName>style.visibility</p:attrName>
-                                        </p:attrNameLst>
-                                      </p:cBhvr>
-                                      <p:to>
-                                        <p:strVal val="visible"/>
-                                      </p:to>
-                                    </p:set>
-                                  </p:childTnLst>
-                                </p:cTn>
-                              </p:par>
-                              <p:par>
-                                <p:cTn id="29" presetID="1" presetClass="entr" presetSubtype="0" fill="hold" nodeType="withEffect">
-                                  <p:stCondLst>
-                                    <p:cond delay="0"/>
-                                  </p:stCondLst>
-                                  <p:childTnLst>
-                                    <p:set>
-                                      <p:cBhvr>
-                                        <p:cTn id="30" dur="1" fill="hold">
-                                          <p:stCondLst>
-                                            <p:cond delay="0"/>
-                                          </p:stCondLst>
-                                        </p:cTn>
-                                        <p:tgtEl>
-                                          <p:spTgt spid="238"/>
+                                          <p:spTgt spid="67"/>
                                         </p:tgtEl>
                                         <p:attrNameLst>
                                           <p:attrName>style.visibility</p:attrName>
@@ -4989,26 +5472,71 @@
                     </p:cTn>
                   </p:par>
                   <p:par>
-                    <p:cTn id="31" fill="hold">
+                    <p:cTn id="29" fill="hold">
                       <p:stCondLst>
                         <p:cond delay="indefinite"/>
                       </p:stCondLst>
                       <p:childTnLst>
                         <p:par>
-                          <p:cTn id="32" fill="hold">
+                          <p:cTn id="30" fill="hold">
                             <p:stCondLst>
                               <p:cond delay="0"/>
                             </p:stCondLst>
                             <p:childTnLst>
                               <p:par>
-                                <p:cTn id="33" presetID="1" presetClass="entr" presetSubtype="0" fill="hold" grpId="0" nodeType="clickEffect">
+                                <p:cTn id="31" presetID="1" presetClass="entr" presetSubtype="0" fill="hold" grpId="0" nodeType="clickEffect">
                                   <p:stCondLst>
                                     <p:cond delay="0"/>
                                   </p:stCondLst>
                                   <p:childTnLst>
                                     <p:set>
                                       <p:cBhvr>
-                                        <p:cTn id="34" dur="1" fill="hold">
+                                        <p:cTn id="32" dur="1" fill="hold">
+                                          <p:stCondLst>
+                                            <p:cond delay="0"/>
+                                          </p:stCondLst>
+                                        </p:cTn>
+                                        <p:tgtEl>
+                                          <p:spTgt spid="51"/>
+                                        </p:tgtEl>
+                                        <p:attrNameLst>
+                                          <p:attrName>style.visibility</p:attrName>
+                                        </p:attrNameLst>
+                                      </p:cBhvr>
+                                      <p:to>
+                                        <p:strVal val="visible"/>
+                                      </p:to>
+                                    </p:set>
+                                  </p:childTnLst>
+                                </p:cTn>
+                              </p:par>
+                            </p:childTnLst>
+                          </p:cTn>
+                        </p:par>
+                      </p:childTnLst>
+                    </p:cTn>
+                  </p:par>
+                  <p:par>
+                    <p:cTn id="33" fill="hold">
+                      <p:stCondLst>
+                        <p:cond delay="indefinite"/>
+                      </p:stCondLst>
+                      <p:childTnLst>
+                        <p:par>
+                          <p:cTn id="34" fill="hold">
+                            <p:stCondLst>
+                              <p:cond delay="0"/>
+                            </p:stCondLst>
+                            <p:childTnLst>
+                              <p:par>
+                                <p:cTn id="35" presetID="1" presetClass="entr" presetSubtype="0" fill="hold" grpId="0" nodeType="clickEffect">
+                                  <p:stCondLst>
+                                    <p:cond delay="0"/>
+                                  </p:stCondLst>
+                                  <p:childTnLst>
+                                    <p:set>
+                                      <p:cBhvr>
+                                        <p:cTn id="36" dur="1" fill="hold">
                                           <p:stCondLst>
                                             <p:cond delay="0"/>
                                           </p:stCondLst>
@@ -5028,14 +5556,14 @@
                                 </p:cTn>
                               </p:par>
                               <p:par>
-                                <p:cTn id="35" presetID="1" presetClass="entr" presetSubtype="0" fill="hold" nodeType="withEffect">
+                                <p:cTn id="37" presetID="1" presetClass="entr" presetSubtype="0" fill="hold" nodeType="withEffect">
                                   <p:stCondLst>
                                     <p:cond delay="0"/>
                                   </p:stCondLst>
                                   <p:childTnLst>
                                     <p:set>
                                       <p:cBhvr>
-                                        <p:cTn id="36" dur="1" fill="hold">
+                                        <p:cTn id="38" dur="1" fill="hold">
                                           <p:stCondLst>
                                             <p:cond delay="0"/>
                                           </p:stCondLst>
@@ -5055,14 +5583,14 @@
                                 </p:cTn>
                               </p:par>
                               <p:par>
-                                <p:cTn id="37" presetID="1" presetClass="entr" presetSubtype="0" fill="hold" grpId="0" nodeType="withEffect">
+                                <p:cTn id="39" presetID="1" presetClass="entr" presetSubtype="0" fill="hold" grpId="0" nodeType="withEffect">
                                   <p:stCondLst>
                                     <p:cond delay="0"/>
                                   </p:stCondLst>
                                   <p:childTnLst>
                                     <p:set>
                                       <p:cBhvr>
-                                        <p:cTn id="38" dur="1" fill="hold">
+                                        <p:cTn id="40" dur="1" fill="hold">
                                           <p:stCondLst>
                                             <p:cond delay="0"/>
                                           </p:stCondLst>
@@ -5088,26 +5616,26 @@
                     </p:cTn>
                   </p:par>
                   <p:par>
-                    <p:cTn id="39" fill="hold">
+                    <p:cTn id="41" fill="hold">
                       <p:stCondLst>
                         <p:cond delay="indefinite"/>
                       </p:stCondLst>
                       <p:childTnLst>
                         <p:par>
-                          <p:cTn id="40" fill="hold">
+                          <p:cTn id="42" fill="hold">
                             <p:stCondLst>
                               <p:cond delay="0"/>
                             </p:stCondLst>
                             <p:childTnLst>
                               <p:par>
-                                <p:cTn id="41" presetID="1" presetClass="entr" presetSubtype="0" fill="hold" grpId="0" nodeType="clickEffect">
+                                <p:cTn id="43" presetID="1" presetClass="entr" presetSubtype="0" fill="hold" grpId="0" nodeType="clickEffect">
                                   <p:stCondLst>
                                     <p:cond delay="0"/>
                                   </p:stCondLst>
                                   <p:childTnLst>
                                     <p:set>
                                       <p:cBhvr>
-                                        <p:cTn id="42" dur="1" fill="hold">
+                                        <p:cTn id="44" dur="1" fill="hold">
                                           <p:stCondLst>
                                             <p:cond delay="0"/>
                                           </p:stCondLst>
@@ -5127,14 +5655,14 @@
                                 </p:cTn>
                               </p:par>
                               <p:par>
-                                <p:cTn id="43" presetID="1" presetClass="entr" presetSubtype="0" fill="hold" nodeType="withEffect">
+                                <p:cTn id="45" presetID="1" presetClass="entr" presetSubtype="0" fill="hold" nodeType="withEffect">
                                   <p:stCondLst>
                                     <p:cond delay="0"/>
                                   </p:stCondLst>
                                   <p:childTnLst>
                                     <p:set>
                                       <p:cBhvr>
-                                        <p:cTn id="44" dur="1" fill="hold">
+                                        <p:cTn id="46" dur="1" fill="hold">
                                           <p:stCondLst>
                                             <p:cond delay="0"/>
                                           </p:stCondLst>
@@ -5160,71 +5688,26 @@
                     </p:cTn>
                   </p:par>
                   <p:par>
-                    <p:cTn id="45" fill="hold">
+                    <p:cTn id="47" fill="hold">
                       <p:stCondLst>
                         <p:cond delay="indefinite"/>
                       </p:stCondLst>
                       <p:childTnLst>
                         <p:par>
-                          <p:cTn id="46" fill="hold">
+                          <p:cTn id="48" fill="hold">
                             <p:stCondLst>
                               <p:cond delay="0"/>
                             </p:stCondLst>
                             <p:childTnLst>
                               <p:par>
-                                <p:cTn id="47" presetID="1" presetClass="entr" presetSubtype="0" fill="hold" grpId="0" nodeType="clickEffect">
+                                <p:cTn id="49" presetID="1" presetClass="entr" presetSubtype="0" fill="hold" grpId="0" nodeType="clickEffect">
                                   <p:stCondLst>
                                     <p:cond delay="0"/>
                                   </p:stCondLst>
                                   <p:childTnLst>
                                     <p:set>
                                       <p:cBhvr>
-                                        <p:cTn id="48" dur="1" fill="hold">
-                                          <p:stCondLst>
-                                            <p:cond delay="0"/>
-                                          </p:stCondLst>
-                                        </p:cTn>
-                                        <p:tgtEl>
-                                          <p:spTgt spid="247"/>
-                                        </p:tgtEl>
-                                        <p:attrNameLst>
-                                          <p:attrName>style.visibility</p:attrName>
-                                        </p:attrNameLst>
-                                      </p:cBhvr>
-                                      <p:to>
-                                        <p:strVal val="visible"/>
-                                      </p:to>
-                                    </p:set>
-                                  </p:childTnLst>
-                                </p:cTn>
-                              </p:par>
-                            </p:childTnLst>
-                          </p:cTn>
-                        </p:par>
-                      </p:childTnLst>
-                    </p:cTn>
-                  </p:par>
-                  <p:par>
-                    <p:cTn id="49" fill="hold">
-                      <p:stCondLst>
-                        <p:cond delay="indefinite"/>
-                      </p:stCondLst>
-                      <p:childTnLst>
-                        <p:par>
-                          <p:cTn id="50" fill="hold">
-                            <p:stCondLst>
-                              <p:cond delay="0"/>
-                            </p:stCondLst>
-                            <p:childTnLst>
-                              <p:par>
-                                <p:cTn id="51" presetID="1" presetClass="entr" presetSubtype="0" fill="hold" grpId="0" nodeType="clickEffect">
-                                  <p:stCondLst>
-                                    <p:cond delay="0"/>
-                                  </p:stCondLst>
-                                  <p:childTnLst>
-                                    <p:set>
-                                      <p:cBhvr>
-                                        <p:cTn id="52" dur="1" fill="hold">
+                                        <p:cTn id="50" dur="1" fill="hold">
                                           <p:stCondLst>
                                             <p:cond delay="0"/>
                                           </p:stCondLst>
@@ -5244,14 +5727,14 @@
                                 </p:cTn>
                               </p:par>
                               <p:par>
-                                <p:cTn id="53" presetID="1" presetClass="entr" presetSubtype="0" fill="hold" nodeType="withEffect">
+                                <p:cTn id="51" presetID="1" presetClass="entr" presetSubtype="0" fill="hold" nodeType="withEffect">
                                   <p:stCondLst>
                                     <p:cond delay="0"/>
                                   </p:stCondLst>
                                   <p:childTnLst>
                                     <p:set>
                                       <p:cBhvr>
-                                        <p:cTn id="54" dur="1" fill="hold">
+                                        <p:cTn id="52" dur="1" fill="hold">
                                           <p:stCondLst>
                                             <p:cond delay="0"/>
                                           </p:stCondLst>
@@ -5277,32 +5760,32 @@
                     </p:cTn>
                   </p:par>
                   <p:par>
-                    <p:cTn id="55" fill="hold">
+                    <p:cTn id="53" fill="hold">
                       <p:stCondLst>
                         <p:cond delay="indefinite"/>
                       </p:stCondLst>
                       <p:childTnLst>
                         <p:par>
-                          <p:cTn id="56" fill="hold">
+                          <p:cTn id="54" fill="hold">
                             <p:stCondLst>
                               <p:cond delay="0"/>
                             </p:stCondLst>
                             <p:childTnLst>
                               <p:par>
-                                <p:cTn id="57" presetID="1" presetClass="entr" presetSubtype="0" fill="hold" grpId="0" nodeType="clickEffect">
+                                <p:cTn id="55" presetID="1" presetClass="entr" presetSubtype="0" fill="hold" nodeType="clickEffect">
                                   <p:stCondLst>
                                     <p:cond delay="0"/>
                                   </p:stCondLst>
                                   <p:childTnLst>
                                     <p:set>
                                       <p:cBhvr>
-                                        <p:cTn id="58" dur="1" fill="hold">
+                                        <p:cTn id="56" dur="1" fill="hold">
                                           <p:stCondLst>
                                             <p:cond delay="0"/>
                                           </p:stCondLst>
                                         </p:cTn>
                                         <p:tgtEl>
-                                          <p:spTgt spid="64"/>
+                                          <p:spTgt spid="50"/>
                                         </p:tgtEl>
                                         <p:attrNameLst>
                                           <p:attrName>style.visibility</p:attrName>
@@ -5315,8 +5798,26 @@
                                   </p:childTnLst>
                                 </p:cTn>
                               </p:par>
+                            </p:childTnLst>
+                          </p:cTn>
+                        </p:par>
+                      </p:childTnLst>
+                    </p:cTn>
+                  </p:par>
+                  <p:par>
+                    <p:cTn id="57" fill="hold">
+                      <p:stCondLst>
+                        <p:cond delay="indefinite"/>
+                      </p:stCondLst>
+                      <p:childTnLst>
+                        <p:par>
+                          <p:cTn id="58" fill="hold">
+                            <p:stCondLst>
+                              <p:cond delay="0"/>
+                            </p:stCondLst>
+                            <p:childTnLst>
                               <p:par>
-                                <p:cTn id="59" presetID="1" presetClass="entr" presetSubtype="0" fill="hold" nodeType="withEffect">
+                                <p:cTn id="59" presetID="1" presetClass="entr" presetSubtype="0" fill="hold" grpId="0" nodeType="clickEffect">
                                   <p:stCondLst>
                                     <p:cond delay="0"/>
                                   </p:stCondLst>
@@ -5329,7 +5830,7 @@
                                           </p:stCondLst>
                                         </p:cTn>
                                         <p:tgtEl>
-                                          <p:spTgt spid="50"/>
+                                          <p:spTgt spid="216"/>
                                         </p:tgtEl>
                                         <p:attrNameLst>
                                           <p:attrName>style.visibility</p:attrName>
@@ -5374,7 +5875,34 @@
                                           </p:stCondLst>
                                         </p:cTn>
                                         <p:tgtEl>
-                                          <p:spTgt spid="74"/>
+                                          <p:spTgt spid="56"/>
+                                        </p:tgtEl>
+                                        <p:attrNameLst>
+                                          <p:attrName>style.visibility</p:attrName>
+                                        </p:attrNameLst>
+                                      </p:cBhvr>
+                                      <p:to>
+                                        <p:strVal val="visible"/>
+                                      </p:to>
+                                    </p:set>
+                                  </p:childTnLst>
+                                </p:cTn>
+                              </p:par>
+                              <p:par>
+                                <p:cTn id="65" presetID="1" presetClass="entr" presetSubtype="0" fill="hold" nodeType="withEffect">
+                                  <p:stCondLst>
+                                    <p:cond delay="0"/>
+                                  </p:stCondLst>
+                                  <p:childTnLst>
+                                    <p:set>
+                                      <p:cBhvr>
+                                        <p:cTn id="66" dur="1" fill="hold">
+                                          <p:stCondLst>
+                                            <p:cond delay="0"/>
+                                          </p:stCondLst>
+                                        </p:cTn>
+                                        <p:tgtEl>
+                                          <p:spTgt spid="54"/>
                                         </p:tgtEl>
                                         <p:attrNameLst>
                                           <p:attrName>style.visibility</p:attrName>
@@ -5394,32 +5922,32 @@
                     </p:cTn>
                   </p:par>
                   <p:par>
-                    <p:cTn id="65" fill="hold">
+                    <p:cTn id="67" fill="hold">
                       <p:stCondLst>
                         <p:cond delay="indefinite"/>
                       </p:stCondLst>
                       <p:childTnLst>
                         <p:par>
-                          <p:cTn id="66" fill="hold">
+                          <p:cTn id="68" fill="hold">
                             <p:stCondLst>
                               <p:cond delay="0"/>
                             </p:stCondLst>
                             <p:childTnLst>
                               <p:par>
-                                <p:cTn id="67" presetID="1" presetClass="entr" presetSubtype="0" fill="hold" nodeType="clickEffect">
+                                <p:cTn id="69" presetID="1" presetClass="entr" presetSubtype="0" fill="hold" grpId="0" nodeType="clickEffect">
                                   <p:stCondLst>
                                     <p:cond delay="0"/>
                                   </p:stCondLst>
                                   <p:childTnLst>
                                     <p:set>
                                       <p:cBhvr>
-                                        <p:cTn id="68" dur="1" fill="hold">
+                                        <p:cTn id="70" dur="1" fill="hold">
                                           <p:stCondLst>
                                             <p:cond delay="0"/>
                                           </p:stCondLst>
                                         </p:cTn>
                                         <p:tgtEl>
-                                          <p:spTgt spid="204"/>
+                                          <p:spTgt spid="64"/>
                                         </p:tgtEl>
                                         <p:attrNameLst>
                                           <p:attrName>style.visibility</p:attrName>
@@ -5439,32 +5967,32 @@
                     </p:cTn>
                   </p:par>
                   <p:par>
-                    <p:cTn id="69" fill="hold">
+                    <p:cTn id="71" fill="hold">
                       <p:stCondLst>
                         <p:cond delay="indefinite"/>
                       </p:stCondLst>
                       <p:childTnLst>
                         <p:par>
-                          <p:cTn id="70" fill="hold">
+                          <p:cTn id="72" fill="hold">
                             <p:stCondLst>
                               <p:cond delay="0"/>
                             </p:stCondLst>
                             <p:childTnLst>
                               <p:par>
-                                <p:cTn id="71" presetID="1" presetClass="entr" presetSubtype="0" fill="hold" grpId="0" nodeType="clickEffect">
+                                <p:cTn id="73" presetID="1" presetClass="entr" presetSubtype="0" fill="hold" grpId="0" nodeType="clickEffect">
                                   <p:stCondLst>
                                     <p:cond delay="0"/>
                                   </p:stCondLst>
                                   <p:childTnLst>
                                     <p:set>
                                       <p:cBhvr>
-                                        <p:cTn id="72" dur="1" fill="hold">
+                                        <p:cTn id="74" dur="1" fill="hold">
                                           <p:stCondLst>
                                             <p:cond delay="0"/>
                                           </p:stCondLst>
                                         </p:cTn>
                                         <p:tgtEl>
-                                          <p:spTgt spid="216"/>
+                                          <p:spTgt spid="119"/>
                                         </p:tgtEl>
                                         <p:attrNameLst>
                                           <p:attrName>style.visibility</p:attrName>
@@ -5478,14 +6006,14 @@
                                 </p:cTn>
                               </p:par>
                               <p:par>
-                                <p:cTn id="73" presetID="1" presetClass="entr" presetSubtype="0" fill="hold" nodeType="withEffect">
+                                <p:cTn id="75" presetID="1" presetClass="entr" presetSubtype="0" fill="hold" nodeType="withEffect">
                                   <p:stCondLst>
                                     <p:cond delay="0"/>
                                   </p:stCondLst>
                                   <p:childTnLst>
                                     <p:set>
                                       <p:cBhvr>
-                                        <p:cTn id="74" dur="1" fill="hold">
+                                        <p:cTn id="76" dur="1" fill="hold">
                                           <p:stCondLst>
                                             <p:cond delay="0"/>
                                           </p:stCondLst>
@@ -5511,71 +6039,26 @@
                     </p:cTn>
                   </p:par>
                   <p:par>
-                    <p:cTn id="75" fill="hold">
+                    <p:cTn id="77" fill="hold">
                       <p:stCondLst>
                         <p:cond delay="indefinite"/>
                       </p:stCondLst>
                       <p:childTnLst>
                         <p:par>
-                          <p:cTn id="76" fill="hold">
+                          <p:cTn id="78" fill="hold">
                             <p:stCondLst>
                               <p:cond delay="0"/>
                             </p:stCondLst>
                             <p:childTnLst>
                               <p:par>
-                                <p:cTn id="77" presetID="1" presetClass="entr" presetSubtype="0" fill="hold" grpId="0" nodeType="clickEffect">
+                                <p:cTn id="79" presetID="1" presetClass="entr" presetSubtype="0" fill="hold" grpId="0" nodeType="clickEffect">
                                   <p:stCondLst>
                                     <p:cond delay="0"/>
                                   </p:stCondLst>
                                   <p:childTnLst>
                                     <p:set>
                                       <p:cBhvr>
-                                        <p:cTn id="78" dur="1" fill="hold">
-                                          <p:stCondLst>
-                                            <p:cond delay="0"/>
-                                          </p:stCondLst>
-                                        </p:cTn>
-                                        <p:tgtEl>
-                                          <p:spTgt spid="119"/>
-                                        </p:tgtEl>
-                                        <p:attrNameLst>
-                                          <p:attrName>style.visibility</p:attrName>
-                                        </p:attrNameLst>
-                                      </p:cBhvr>
-                                      <p:to>
-                                        <p:strVal val="visible"/>
-                                      </p:to>
-                                    </p:set>
-                                  </p:childTnLst>
-                                </p:cTn>
-                              </p:par>
-                            </p:childTnLst>
-                          </p:cTn>
-                        </p:par>
-                      </p:childTnLst>
-                    </p:cTn>
-                  </p:par>
-                  <p:par>
-                    <p:cTn id="79" fill="hold">
-                      <p:stCondLst>
-                        <p:cond delay="indefinite"/>
-                      </p:stCondLst>
-                      <p:childTnLst>
-                        <p:par>
-                          <p:cTn id="80" fill="hold">
-                            <p:stCondLst>
-                              <p:cond delay="0"/>
-                            </p:stCondLst>
-                            <p:childTnLst>
-                              <p:par>
-                                <p:cTn id="81" presetID="1" presetClass="entr" presetSubtype="0" fill="hold" grpId="0" nodeType="clickEffect">
-                                  <p:stCondLst>
-                                    <p:cond delay="0"/>
-                                  </p:stCondLst>
-                                  <p:childTnLst>
-                                    <p:set>
-                                      <p:cBhvr>
-                                        <p:cTn id="82" dur="1" fill="hold">
+                                        <p:cTn id="80" dur="1" fill="hold">
                                           <p:stCondLst>
                                             <p:cond delay="0"/>
                                           </p:stCondLst>
@@ -5601,26 +6084,26 @@
                     </p:cTn>
                   </p:par>
                   <p:par>
-                    <p:cTn id="83" fill="hold">
+                    <p:cTn id="81" fill="hold">
                       <p:stCondLst>
                         <p:cond delay="indefinite"/>
                       </p:stCondLst>
                       <p:childTnLst>
                         <p:par>
-                          <p:cTn id="84" fill="hold">
+                          <p:cTn id="82" fill="hold">
                             <p:stCondLst>
                               <p:cond delay="0"/>
                             </p:stCondLst>
                             <p:childTnLst>
                               <p:par>
-                                <p:cTn id="85" presetID="1" presetClass="entr" presetSubtype="0" fill="hold" grpId="0" nodeType="clickEffect">
+                                <p:cTn id="83" presetID="1" presetClass="entr" presetSubtype="0" fill="hold" grpId="0" nodeType="clickEffect">
                                   <p:stCondLst>
                                     <p:cond delay="0"/>
                                   </p:stCondLst>
                                   <p:childTnLst>
                                     <p:set>
                                       <p:cBhvr>
-                                        <p:cTn id="86" dur="1" fill="hold">
+                                        <p:cTn id="84" dur="1" fill="hold">
                                           <p:stCondLst>
                                             <p:cond delay="0"/>
                                           </p:stCondLst>
@@ -5646,32 +6129,32 @@
                     </p:cTn>
                   </p:par>
                   <p:par>
-                    <p:cTn id="87" fill="hold">
+                    <p:cTn id="85" fill="hold">
                       <p:stCondLst>
                         <p:cond delay="indefinite"/>
                       </p:stCondLst>
                       <p:childTnLst>
                         <p:par>
-                          <p:cTn id="88" fill="hold">
+                          <p:cTn id="86" fill="hold">
                             <p:stCondLst>
                               <p:cond delay="0"/>
                             </p:stCondLst>
                             <p:childTnLst>
                               <p:par>
-                                <p:cTn id="89" presetID="1" presetClass="entr" presetSubtype="0" fill="hold" grpId="0" nodeType="clickEffect">
+                                <p:cTn id="87" presetID="1" presetClass="entr" presetSubtype="0" fill="hold" grpId="0" nodeType="clickEffect">
                                   <p:stCondLst>
                                     <p:cond delay="0"/>
                                   </p:stCondLst>
                                   <p:childTnLst>
                                     <p:set>
                                       <p:cBhvr>
-                                        <p:cTn id="90" dur="1" fill="hold">
+                                        <p:cTn id="88" dur="1" fill="hold">
                                           <p:stCondLst>
                                             <p:cond delay="0"/>
                                           </p:stCondLst>
                                         </p:cTn>
                                         <p:tgtEl>
-                                          <p:spTgt spid="55"/>
+                                          <p:spTgt spid="74"/>
                                         </p:tgtEl>
                                         <p:attrNameLst>
                                           <p:attrName>style.visibility</p:attrName>
@@ -5684,8 +6167,26 @@
                                   </p:childTnLst>
                                 </p:cTn>
                               </p:par>
+                            </p:childTnLst>
+                          </p:cTn>
+                        </p:par>
+                      </p:childTnLst>
+                    </p:cTn>
+                  </p:par>
+                  <p:par>
+                    <p:cTn id="89" fill="hold">
+                      <p:stCondLst>
+                        <p:cond delay="indefinite"/>
+                      </p:stCondLst>
+                      <p:childTnLst>
+                        <p:par>
+                          <p:cTn id="90" fill="hold">
+                            <p:stCondLst>
+                              <p:cond delay="0"/>
+                            </p:stCondLst>
+                            <p:childTnLst>
                               <p:par>
-                                <p:cTn id="91" presetID="1" presetClass="entr" presetSubtype="0" fill="hold" nodeType="withEffect">
+                                <p:cTn id="91" presetID="1" presetClass="entr" presetSubtype="0" fill="hold" nodeType="clickEffect">
                                   <p:stCondLst>
                                     <p:cond delay="0"/>
                                   </p:stCondLst>
@@ -5698,7 +6199,7 @@
                                           </p:stCondLst>
                                         </p:cTn>
                                         <p:tgtEl>
-                                          <p:spTgt spid="63"/>
+                                          <p:spTgt spid="204"/>
                                         </p:tgtEl>
                                         <p:attrNameLst>
                                           <p:attrName>style.visibility</p:attrName>
@@ -5743,7 +6244,7 @@
                                           </p:stCondLst>
                                         </p:cTn>
                                         <p:tgtEl>
-                                          <p:spTgt spid="66"/>
+                                          <p:spTgt spid="55"/>
                                         </p:tgtEl>
                                         <p:attrNameLst>
                                           <p:attrName>style.visibility</p:attrName>
@@ -5770,6 +6271,78 @@
                                           </p:stCondLst>
                                         </p:cTn>
                                         <p:tgtEl>
+                                          <p:spTgt spid="63"/>
+                                        </p:tgtEl>
+                                        <p:attrNameLst>
+                                          <p:attrName>style.visibility</p:attrName>
+                                        </p:attrNameLst>
+                                      </p:cBhvr>
+                                      <p:to>
+                                        <p:strVal val="visible"/>
+                                      </p:to>
+                                    </p:set>
+                                  </p:childTnLst>
+                                </p:cTn>
+                              </p:par>
+                            </p:childTnLst>
+                          </p:cTn>
+                        </p:par>
+                      </p:childTnLst>
+                    </p:cTn>
+                  </p:par>
+                  <p:par>
+                    <p:cTn id="99" fill="hold">
+                      <p:stCondLst>
+                        <p:cond delay="indefinite"/>
+                      </p:stCondLst>
+                      <p:childTnLst>
+                        <p:par>
+                          <p:cTn id="100" fill="hold">
+                            <p:stCondLst>
+                              <p:cond delay="0"/>
+                            </p:stCondLst>
+                            <p:childTnLst>
+                              <p:par>
+                                <p:cTn id="101" presetID="1" presetClass="entr" presetSubtype="0" fill="hold" grpId="0" nodeType="clickEffect">
+                                  <p:stCondLst>
+                                    <p:cond delay="0"/>
+                                  </p:stCondLst>
+                                  <p:childTnLst>
+                                    <p:set>
+                                      <p:cBhvr>
+                                        <p:cTn id="102" dur="1" fill="hold">
+                                          <p:stCondLst>
+                                            <p:cond delay="0"/>
+                                          </p:stCondLst>
+                                        </p:cTn>
+                                        <p:tgtEl>
+                                          <p:spTgt spid="66"/>
+                                        </p:tgtEl>
+                                        <p:attrNameLst>
+                                          <p:attrName>style.visibility</p:attrName>
+                                        </p:attrNameLst>
+                                      </p:cBhvr>
+                                      <p:to>
+                                        <p:strVal val="visible"/>
+                                      </p:to>
+                                    </p:set>
+                                  </p:childTnLst>
+                                </p:cTn>
+                              </p:par>
+                              <p:par>
+                                <p:cTn id="103" presetID="1" presetClass="entr" presetSubtype="0" fill="hold" nodeType="withEffect">
+                                  <p:stCondLst>
+                                    <p:cond delay="0"/>
+                                  </p:stCondLst>
+                                  <p:childTnLst>
+                                    <p:set>
+                                      <p:cBhvr>
+                                        <p:cTn id="104" dur="1" fill="hold">
+                                          <p:stCondLst>
+                                            <p:cond delay="0"/>
+                                          </p:stCondLst>
+                                        </p:cTn>
+                                        <p:tgtEl>
                                           <p:spTgt spid="68"/>
                                         </p:tgtEl>
                                         <p:attrNameLst>
@@ -5784,14 +6357,14 @@
                                 </p:cTn>
                               </p:par>
                               <p:par>
-                                <p:cTn id="99" presetID="1" presetClass="entr" presetSubtype="0" fill="hold" nodeType="withEffect">
+                                <p:cTn id="105" presetID="1" presetClass="entr" presetSubtype="0" fill="hold" nodeType="withEffect">
                                   <p:stCondLst>
                                     <p:cond delay="0"/>
                                   </p:stCondLst>
                                   <p:childTnLst>
                                     <p:set>
                                       <p:cBhvr>
-                                        <p:cTn id="100" dur="1" fill="hold">
+                                        <p:cTn id="106" dur="1" fill="hold">
                                           <p:stCondLst>
                                             <p:cond delay="0"/>
                                           </p:stCondLst>
@@ -5817,26 +6390,26 @@
                     </p:cTn>
                   </p:par>
                   <p:par>
-                    <p:cTn id="101" fill="hold">
+                    <p:cTn id="107" fill="hold">
                       <p:stCondLst>
                         <p:cond delay="indefinite"/>
                       </p:stCondLst>
                       <p:childTnLst>
                         <p:par>
-                          <p:cTn id="102" fill="hold">
+                          <p:cTn id="108" fill="hold">
                             <p:stCondLst>
                               <p:cond delay="0"/>
                             </p:stCondLst>
                             <p:childTnLst>
                               <p:par>
-                                <p:cTn id="103" presetID="1" presetClass="entr" presetSubtype="0" fill="hold" nodeType="clickEffect">
+                                <p:cTn id="109" presetID="1" presetClass="entr" presetSubtype="0" fill="hold" nodeType="clickEffect">
                                   <p:stCondLst>
                                     <p:cond delay="0"/>
                                   </p:stCondLst>
                                   <p:childTnLst>
                                     <p:set>
                                       <p:cBhvr>
-                                        <p:cTn id="104" dur="1" fill="hold">
+                                        <p:cTn id="110" dur="1" fill="hold">
                                           <p:stCondLst>
                                             <p:cond delay="0"/>
                                           </p:stCondLst>
@@ -5862,26 +6435,26 @@
                     </p:cTn>
                   </p:par>
                   <p:par>
-                    <p:cTn id="105" fill="hold">
+                    <p:cTn id="111" fill="hold">
                       <p:stCondLst>
                         <p:cond delay="indefinite"/>
                       </p:stCondLst>
                       <p:childTnLst>
                         <p:par>
-                          <p:cTn id="106" fill="hold">
+                          <p:cTn id="112" fill="hold">
                             <p:stCondLst>
                               <p:cond delay="0"/>
                             </p:stCondLst>
                             <p:childTnLst>
                               <p:par>
-                                <p:cTn id="107" presetID="1" presetClass="entr" presetSubtype="0" fill="hold" grpId="0" nodeType="clickEffect">
+                                <p:cTn id="113" presetID="1" presetClass="entr" presetSubtype="0" fill="hold" grpId="0" nodeType="clickEffect">
                                   <p:stCondLst>
                                     <p:cond delay="0"/>
                                   </p:stCondLst>
                                   <p:childTnLst>
                                     <p:set>
                                       <p:cBhvr>
-                                        <p:cTn id="108" dur="1" fill="hold">
+                                        <p:cTn id="114" dur="1" fill="hold">
                                           <p:stCondLst>
                                             <p:cond delay="0"/>
                                           </p:stCondLst>
@@ -5901,79 +6474,7 @@
                                 </p:cTn>
                               </p:par>
                               <p:par>
-                                <p:cTn id="109" presetID="1" presetClass="entr" presetSubtype="0" fill="hold" grpId="0" nodeType="withEffect">
-                                  <p:stCondLst>
-                                    <p:cond delay="0"/>
-                                  </p:stCondLst>
-                                  <p:childTnLst>
-                                    <p:set>
-                                      <p:cBhvr>
-                                        <p:cTn id="110" dur="1" fill="hold">
-                                          <p:stCondLst>
-                                            <p:cond delay="0"/>
-                                          </p:stCondLst>
-                                        </p:cTn>
-                                        <p:tgtEl>
-                                          <p:spTgt spid="140"/>
-                                        </p:tgtEl>
-                                        <p:attrNameLst>
-                                          <p:attrName>style.visibility</p:attrName>
-                                        </p:attrNameLst>
-                                      </p:cBhvr>
-                                      <p:to>
-                                        <p:strVal val="visible"/>
-                                      </p:to>
-                                    </p:set>
-                                  </p:childTnLst>
-                                </p:cTn>
-                              </p:par>
-                              <p:par>
-                                <p:cTn id="111" presetID="1" presetClass="entr" presetSubtype="0" fill="hold" nodeType="withEffect">
-                                  <p:stCondLst>
-                                    <p:cond delay="0"/>
-                                  </p:stCondLst>
-                                  <p:childTnLst>
-                                    <p:set>
-                                      <p:cBhvr>
-                                        <p:cTn id="112" dur="1" fill="hold">
-                                          <p:stCondLst>
-                                            <p:cond delay="0"/>
-                                          </p:stCondLst>
-                                        </p:cTn>
-                                        <p:tgtEl>
-                                          <p:spTgt spid="229"/>
-                                        </p:tgtEl>
-                                        <p:attrNameLst>
-                                          <p:attrName>style.visibility</p:attrName>
-                                        </p:attrNameLst>
-                                      </p:cBhvr>
-                                      <p:to>
-                                        <p:strVal val="visible"/>
-                                      </p:to>
-                                    </p:set>
-                                  </p:childTnLst>
-                                </p:cTn>
-                              </p:par>
-                            </p:childTnLst>
-                          </p:cTn>
-                        </p:par>
-                      </p:childTnLst>
-                    </p:cTn>
-                  </p:par>
-                  <p:par>
-                    <p:cTn id="113" fill="hold">
-                      <p:stCondLst>
-                        <p:cond delay="indefinite"/>
-                      </p:stCondLst>
-                      <p:childTnLst>
-                        <p:par>
-                          <p:cTn id="114" fill="hold">
-                            <p:stCondLst>
-                              <p:cond delay="0"/>
-                            </p:stCondLst>
-                            <p:childTnLst>
-                              <p:par>
-                                <p:cTn id="115" presetID="1" presetClass="entr" presetSubtype="0" fill="hold" grpId="0" nodeType="clickEffect">
+                                <p:cTn id="115" presetID="1" presetClass="entr" presetSubtype="0" fill="hold" grpId="0" nodeType="withEffect">
                                   <p:stCondLst>
                                     <p:cond delay="0"/>
                                   </p:stCondLst>
@@ -5986,7 +6487,7 @@
                                           </p:stCondLst>
                                         </p:cTn>
                                         <p:tgtEl>
-                                          <p:spTgt spid="228"/>
+                                          <p:spTgt spid="140"/>
                                         </p:tgtEl>
                                         <p:attrNameLst>
                                           <p:attrName>style.visibility</p:attrName>
@@ -6013,34 +6514,7 @@
                                           </p:stCondLst>
                                         </p:cTn>
                                         <p:tgtEl>
-                                          <p:spTgt spid="197"/>
-                                        </p:tgtEl>
-                                        <p:attrNameLst>
-                                          <p:attrName>style.visibility</p:attrName>
-                                        </p:attrNameLst>
-                                      </p:cBhvr>
-                                      <p:to>
-                                        <p:strVal val="visible"/>
-                                      </p:to>
-                                    </p:set>
-                                  </p:childTnLst>
-                                </p:cTn>
-                              </p:par>
-                              <p:par>
-                                <p:cTn id="119" presetID="1" presetClass="entr" presetSubtype="0" fill="hold" nodeType="withEffect">
-                                  <p:stCondLst>
-                                    <p:cond delay="0"/>
-                                  </p:stCondLst>
-                                  <p:childTnLst>
-                                    <p:set>
-                                      <p:cBhvr>
-                                        <p:cTn id="120" dur="1" fill="hold">
-                                          <p:stCondLst>
-                                            <p:cond delay="0"/>
-                                          </p:stCondLst>
-                                        </p:cTn>
-                                        <p:tgtEl>
-                                          <p:spTgt spid="196"/>
+                                          <p:spTgt spid="229"/>
                                         </p:tgtEl>
                                         <p:attrNameLst>
                                           <p:attrName>style.visibility</p:attrName>
@@ -6060,26 +6534,26 @@
                     </p:cTn>
                   </p:par>
                   <p:par>
-                    <p:cTn id="121" fill="hold">
+                    <p:cTn id="119" fill="hold">
                       <p:stCondLst>
                         <p:cond delay="indefinite"/>
                       </p:stCondLst>
                       <p:childTnLst>
                         <p:par>
-                          <p:cTn id="122" fill="hold">
+                          <p:cTn id="120" fill="hold">
                             <p:stCondLst>
                               <p:cond delay="0"/>
                             </p:stCondLst>
                             <p:childTnLst>
                               <p:par>
-                                <p:cTn id="123" presetID="1" presetClass="entr" presetSubtype="0" fill="hold" grpId="0" nodeType="clickEffect">
+                                <p:cTn id="121" presetID="1" presetClass="entr" presetSubtype="0" fill="hold" grpId="0" nodeType="clickEffect">
                                   <p:stCondLst>
                                     <p:cond delay="0"/>
                                   </p:stCondLst>
                                   <p:childTnLst>
                                     <p:set>
                                       <p:cBhvr>
-                                        <p:cTn id="124" dur="1" fill="hold">
+                                        <p:cTn id="122" dur="1" fill="hold">
                                           <p:stCondLst>
                                             <p:cond delay="0"/>
                                           </p:stCondLst>
@@ -6099,7 +6573,34 @@
                                 </p:cTn>
                               </p:par>
                               <p:par>
-                                <p:cTn id="125" presetID="1" presetClass="entr" presetSubtype="0" fill="hold" grpId="0" nodeType="withEffect">
+                                <p:cTn id="123" presetID="1" presetClass="entr" presetSubtype="0" fill="hold" grpId="0" nodeType="withEffect">
+                                  <p:stCondLst>
+                                    <p:cond delay="0"/>
+                                  </p:stCondLst>
+                                  <p:childTnLst>
+                                    <p:set>
+                                      <p:cBhvr>
+                                        <p:cTn id="124" dur="1" fill="hold">
+                                          <p:stCondLst>
+                                            <p:cond delay="0"/>
+                                          </p:stCondLst>
+                                        </p:cTn>
+                                        <p:tgtEl>
+                                          <p:spTgt spid="145"/>
+                                        </p:tgtEl>
+                                        <p:attrNameLst>
+                                          <p:attrName>style.visibility</p:attrName>
+                                        </p:attrNameLst>
+                                      </p:cBhvr>
+                                      <p:to>
+                                        <p:strVal val="visible"/>
+                                      </p:to>
+                                    </p:set>
+                                  </p:childTnLst>
+                                </p:cTn>
+                              </p:par>
+                              <p:par>
+                                <p:cTn id="125" presetID="1" presetClass="entr" presetSubtype="0" fill="hold" nodeType="withEffect">
                                   <p:stCondLst>
                                     <p:cond delay="0"/>
                                   </p:stCondLst>
@@ -6112,7 +6613,7 @@
                                           </p:stCondLst>
                                         </p:cTn>
                                         <p:tgtEl>
-                                          <p:spTgt spid="145"/>
+                                          <p:spTgt spid="144"/>
                                         </p:tgtEl>
                                         <p:attrNameLst>
                                           <p:attrName>style.visibility</p:attrName>
@@ -6139,7 +6640,52 @@
                                           </p:stCondLst>
                                         </p:cTn>
                                         <p:tgtEl>
-                                          <p:spTgt spid="144"/>
+                                          <p:spTgt spid="147"/>
+                                        </p:tgtEl>
+                                        <p:attrNameLst>
+                                          <p:attrName>style.visibility</p:attrName>
+                                        </p:attrNameLst>
+                                      </p:cBhvr>
+                                      <p:to>
+                                        <p:strVal val="visible"/>
+                                      </p:to>
+                                    </p:set>
+                                  </p:childTnLst>
+                                </p:cTn>
+                              </p:par>
+                            </p:childTnLst>
+                          </p:cTn>
+                        </p:par>
+                      </p:childTnLst>
+                    </p:cTn>
+                  </p:par>
+                  <p:par>
+                    <p:cTn id="129" fill="hold">
+                      <p:stCondLst>
+                        <p:cond delay="indefinite"/>
+                      </p:stCondLst>
+                      <p:childTnLst>
+                        <p:par>
+                          <p:cTn id="130" fill="hold">
+                            <p:stCondLst>
+                              <p:cond delay="0"/>
+                            </p:stCondLst>
+                            <p:childTnLst>
+                              <p:par>
+                                <p:cTn id="131" presetID="1" presetClass="entr" presetSubtype="0" fill="hold" grpId="0" nodeType="clickEffect">
+                                  <p:stCondLst>
+                                    <p:cond delay="0"/>
+                                  </p:stCondLst>
+                                  <p:childTnLst>
+                                    <p:set>
+                                      <p:cBhvr>
+                                        <p:cTn id="132" dur="1" fill="hold">
+                                          <p:stCondLst>
+                                            <p:cond delay="0"/>
+                                          </p:stCondLst>
+                                        </p:cTn>
+                                        <p:tgtEl>
+                                          <p:spTgt spid="228"/>
                                         </p:tgtEl>
                                         <p:attrNameLst>
                                           <p:attrName>style.visibility</p:attrName>
@@ -6153,20 +6699,236 @@
                                 </p:cTn>
                               </p:par>
                               <p:par>
-                                <p:cTn id="129" presetID="1" presetClass="entr" presetSubtype="0" fill="hold" nodeType="withEffect">
+                                <p:cTn id="133" presetID="1" presetClass="entr" presetSubtype="0" fill="hold" nodeType="withEffect">
                                   <p:stCondLst>
                                     <p:cond delay="0"/>
                                   </p:stCondLst>
                                   <p:childTnLst>
                                     <p:set>
                                       <p:cBhvr>
-                                        <p:cTn id="130" dur="1" fill="hold">
+                                        <p:cTn id="134" dur="1" fill="hold">
                                           <p:stCondLst>
                                             <p:cond delay="0"/>
                                           </p:stCondLst>
                                         </p:cTn>
                                         <p:tgtEl>
-                                          <p:spTgt spid="147"/>
+                                          <p:spTgt spid="197"/>
+                                        </p:tgtEl>
+                                        <p:attrNameLst>
+                                          <p:attrName>style.visibility</p:attrName>
+                                        </p:attrNameLst>
+                                      </p:cBhvr>
+                                      <p:to>
+                                        <p:strVal val="visible"/>
+                                      </p:to>
+                                    </p:set>
+                                  </p:childTnLst>
+                                </p:cTn>
+                              </p:par>
+                              <p:par>
+                                <p:cTn id="135" presetID="1" presetClass="entr" presetSubtype="0" fill="hold" nodeType="withEffect">
+                                  <p:stCondLst>
+                                    <p:cond delay="0"/>
+                                  </p:stCondLst>
+                                  <p:childTnLst>
+                                    <p:set>
+                                      <p:cBhvr>
+                                        <p:cTn id="136" dur="1" fill="hold">
+                                          <p:stCondLst>
+                                            <p:cond delay="0"/>
+                                          </p:stCondLst>
+                                        </p:cTn>
+                                        <p:tgtEl>
+                                          <p:spTgt spid="196"/>
+                                        </p:tgtEl>
+                                        <p:attrNameLst>
+                                          <p:attrName>style.visibility</p:attrName>
+                                        </p:attrNameLst>
+                                      </p:cBhvr>
+                                      <p:to>
+                                        <p:strVal val="visible"/>
+                                      </p:to>
+                                    </p:set>
+                                  </p:childTnLst>
+                                </p:cTn>
+                              </p:par>
+                            </p:childTnLst>
+                          </p:cTn>
+                        </p:par>
+                      </p:childTnLst>
+                    </p:cTn>
+                  </p:par>
+                  <p:par>
+                    <p:cTn id="137" fill="hold">
+                      <p:stCondLst>
+                        <p:cond delay="indefinite"/>
+                      </p:stCondLst>
+                      <p:childTnLst>
+                        <p:par>
+                          <p:cTn id="138" fill="hold">
+                            <p:stCondLst>
+                              <p:cond delay="0"/>
+                            </p:stCondLst>
+                            <p:childTnLst>
+                              <p:par>
+                                <p:cTn id="139" presetID="1" presetClass="entr" presetSubtype="0" fill="hold" nodeType="clickEffect">
+                                  <p:stCondLst>
+                                    <p:cond delay="0"/>
+                                  </p:stCondLst>
+                                  <p:childTnLst>
+                                    <p:set>
+                                      <p:cBhvr>
+                                        <p:cTn id="140" dur="1" fill="hold">
+                                          <p:stCondLst>
+                                            <p:cond delay="0"/>
+                                          </p:stCondLst>
+                                        </p:cTn>
+                                        <p:tgtEl>
+                                          <p:spTgt spid="65"/>
+                                        </p:tgtEl>
+                                        <p:attrNameLst>
+                                          <p:attrName>style.visibility</p:attrName>
+                                        </p:attrNameLst>
+                                      </p:cBhvr>
+                                      <p:to>
+                                        <p:strVal val="visible"/>
+                                      </p:to>
+                                    </p:set>
+                                  </p:childTnLst>
+                                </p:cTn>
+                              </p:par>
+                            </p:childTnLst>
+                          </p:cTn>
+                        </p:par>
+                      </p:childTnLst>
+                    </p:cTn>
+                  </p:par>
+                  <p:par>
+                    <p:cTn id="141" fill="hold">
+                      <p:stCondLst>
+                        <p:cond delay="indefinite"/>
+                      </p:stCondLst>
+                      <p:childTnLst>
+                        <p:par>
+                          <p:cTn id="142" fill="hold">
+                            <p:stCondLst>
+                              <p:cond delay="0"/>
+                            </p:stCondLst>
+                            <p:childTnLst>
+                              <p:par>
+                                <p:cTn id="143" presetID="1" presetClass="entr" presetSubtype="0" fill="hold" grpId="0" nodeType="clickEffect">
+                                  <p:stCondLst>
+                                    <p:cond delay="0"/>
+                                  </p:stCondLst>
+                                  <p:childTnLst>
+                                    <p:set>
+                                      <p:cBhvr>
+                                        <p:cTn id="144" dur="1" fill="hold">
+                                          <p:stCondLst>
+                                            <p:cond delay="0"/>
+                                          </p:stCondLst>
+                                        </p:cTn>
+                                        <p:tgtEl>
+                                          <p:spTgt spid="57"/>
+                                        </p:tgtEl>
+                                        <p:attrNameLst>
+                                          <p:attrName>style.visibility</p:attrName>
+                                        </p:attrNameLst>
+                                      </p:cBhvr>
+                                      <p:to>
+                                        <p:strVal val="visible"/>
+                                      </p:to>
+                                    </p:set>
+                                  </p:childTnLst>
+                                </p:cTn>
+                              </p:par>
+                              <p:par>
+                                <p:cTn id="145" presetID="1" presetClass="entr" presetSubtype="0" fill="hold" nodeType="withEffect">
+                                  <p:stCondLst>
+                                    <p:cond delay="0"/>
+                                  </p:stCondLst>
+                                  <p:childTnLst>
+                                    <p:set>
+                                      <p:cBhvr>
+                                        <p:cTn id="146" dur="1" fill="hold">
+                                          <p:stCondLst>
+                                            <p:cond delay="0"/>
+                                          </p:stCondLst>
+                                        </p:cTn>
+                                        <p:tgtEl>
+                                          <p:spTgt spid="59"/>
+                                        </p:tgtEl>
+                                        <p:attrNameLst>
+                                          <p:attrName>style.visibility</p:attrName>
+                                        </p:attrNameLst>
+                                      </p:cBhvr>
+                                      <p:to>
+                                        <p:strVal val="visible"/>
+                                      </p:to>
+                                    </p:set>
+                                  </p:childTnLst>
+                                </p:cTn>
+                              </p:par>
+                            </p:childTnLst>
+                          </p:cTn>
+                        </p:par>
+                      </p:childTnLst>
+                    </p:cTn>
+                  </p:par>
+                  <p:par>
+                    <p:cTn id="147" fill="hold">
+                      <p:stCondLst>
+                        <p:cond delay="indefinite"/>
+                      </p:stCondLst>
+                      <p:childTnLst>
+                        <p:par>
+                          <p:cTn id="148" fill="hold">
+                            <p:stCondLst>
+                              <p:cond delay="0"/>
+                            </p:stCondLst>
+                            <p:childTnLst>
+                              <p:par>
+                                <p:cTn id="149" presetID="1" presetClass="entr" presetSubtype="0" fill="hold" grpId="0" nodeType="clickEffect">
+                                  <p:stCondLst>
+                                    <p:cond delay="0"/>
+                                  </p:stCondLst>
+                                  <p:childTnLst>
+                                    <p:set>
+                                      <p:cBhvr>
+                                        <p:cTn id="150" dur="1" fill="hold">
+                                          <p:stCondLst>
+                                            <p:cond delay="0"/>
+                                          </p:stCondLst>
+                                        </p:cTn>
+                                        <p:tgtEl>
+                                          <p:spTgt spid="58"/>
+                                        </p:tgtEl>
+                                        <p:attrNameLst>
+                                          <p:attrName>style.visibility</p:attrName>
+                                        </p:attrNameLst>
+                                      </p:cBhvr>
+                                      <p:to>
+                                        <p:strVal val="visible"/>
+                                      </p:to>
+                                    </p:set>
+                                  </p:childTnLst>
+                                </p:cTn>
+                              </p:par>
+                              <p:par>
+                                <p:cTn id="151" presetID="1" presetClass="entr" presetSubtype="0" fill="hold" nodeType="withEffect">
+                                  <p:stCondLst>
+                                    <p:cond delay="0"/>
+                                  </p:stCondLst>
+                                  <p:childTnLst>
+                                    <p:set>
+                                      <p:cBhvr>
+                                        <p:cTn id="152" dur="1" fill="hold">
+                                          <p:stCondLst>
+                                            <p:cond delay="0"/>
+                                          </p:stCondLst>
+                                        </p:cTn>
+                                        <p:tgtEl>
+                                          <p:spTgt spid="60"/>
                                         </p:tgtEl>
                                         <p:attrNameLst>
                                           <p:attrName>style.visibility</p:attrName>
@@ -6229,9 +6991,623 @@
       <p:bldP spid="214" grpId="0"/>
       <p:bldP spid="228" grpId="0" animBg="1"/>
       <p:bldP spid="243" grpId="0" animBg="1"/>
-      <p:bldP spid="247" grpId="0"/>
       <p:bldP spid="51" grpId="0" animBg="1"/>
+      <p:bldP spid="56" grpId="0" animBg="1"/>
+      <p:bldP spid="57" grpId="0" animBg="1"/>
+      <p:bldP spid="58" grpId="0" animBg="1"/>
+      <p:bldP spid="67" grpId="0"/>
     </p:bldLst>
+  </p:timing>
+</p:sld>
+</file>
+
+<file path=ppt/slides/slide2.xml><?xml version="1.0" encoding="utf-8"?>
+<p:sld xmlns:a="http://schemas.openxmlformats.org/drawingml/2006/main" xmlns:r="http://schemas.openxmlformats.org/officeDocument/2006/relationships" xmlns:p="http://schemas.openxmlformats.org/presentationml/2006/main">
+  <p:cSld>
+    <p:spTree>
+      <p:nvGrpSpPr>
+        <p:cNvPr id="1" name=""/>
+        <p:cNvGrpSpPr/>
+        <p:nvPr/>
+      </p:nvGrpSpPr>
+      <p:grpSpPr>
+        <a:xfrm>
+          <a:off x="0" y="0"/>
+          <a:ext cx="0" cy="0"/>
+          <a:chOff x="0" y="0"/>
+          <a:chExt cx="0" cy="0"/>
+        </a:xfrm>
+      </p:grpSpPr>
+      <p:sp>
+        <p:nvSpPr>
+          <p:cNvPr id="2" name="Title 1"/>
+          <p:cNvSpPr>
+            <a:spLocks noGrp="1"/>
+          </p:cNvSpPr>
+          <p:nvPr>
+            <p:ph type="title"/>
+          </p:nvPr>
+        </p:nvSpPr>
+        <p:spPr/>
+        <p:txBody>
+          <a:bodyPr/>
+          <a:lstStyle/>
+          <a:p>
+            <a:endParaRPr lang="en-US" dirty="0"/>
+          </a:p>
+        </p:txBody>
+      </p:sp>
+      <p:sp>
+        <p:nvSpPr>
+          <p:cNvPr id="3" name="Rectangle 2"/>
+          <p:cNvSpPr/>
+          <p:nvPr/>
+        </p:nvSpPr>
+        <p:spPr>
+          <a:xfrm>
+            <a:off x="732688" y="330378"/>
+            <a:ext cx="6677541" cy="2893100"/>
+          </a:xfrm>
+          <a:prstGeom prst="rect">
+            <a:avLst/>
+          </a:prstGeom>
+        </p:spPr>
+        <p:txBody>
+          <a:bodyPr wrap="square">
+            <a:spAutoFit/>
+          </a:bodyPr>
+          <a:lstStyle/>
+          <a:p>
+            <a:r>
+              <a:rPr lang="en-US" dirty="0">
+                <a:latin typeface="Courier New"/>
+                <a:cs typeface="Courier New"/>
+              </a:rPr>
+              <a:t>images:</a:t>
+            </a:r>
+          </a:p>
+          <a:p>
+            <a:r>
+              <a:rPr lang="en-US" dirty="0">
+                <a:latin typeface="Courier New"/>
+                <a:cs typeface="Courier New"/>
+              </a:rPr>
+              <a:t>  - image_file: PurplePerfection.jpg</a:t>
+            </a:r>
+          </a:p>
+          <a:p>
+            <a:r>
+              <a:rPr lang="en-US" dirty="0">
+                <a:latin typeface="Courier New"/>
+                <a:cs typeface="Courier New"/>
+              </a:rPr>
+              <a:t>    thumb_file: PurplePerfection_thumb.jpg</a:t>
+            </a:r>
+          </a:p>
+          <a:p>
+            <a:r>
+              <a:rPr lang="en-US" dirty="0">
+                <a:latin typeface="Courier New"/>
+                <a:cs typeface="Courier New"/>
+              </a:rPr>
+              <a:t>    thumb_width: 120</a:t>
+            </a:r>
+          </a:p>
+          <a:p>
+            <a:r>
+              <a:rPr lang="en-US" dirty="0">
+                <a:latin typeface="Courier New"/>
+                <a:cs typeface="Courier New"/>
+              </a:rPr>
+              <a:t>    thumb_height: 76</a:t>
+            </a:r>
+          </a:p>
+          <a:p>
+            <a:r>
+              <a:rPr lang="en-US" dirty="0">
+                <a:latin typeface="Courier New"/>
+                <a:cs typeface="Courier New"/>
+              </a:rPr>
+              <a:t>    title: Purple Perfection</a:t>
+            </a:r>
+          </a:p>
+          <a:p>
+            <a:r>
+              <a:rPr lang="en-US" dirty="0">
+                <a:latin typeface="Courier New"/>
+                <a:cs typeface="Courier New"/>
+              </a:rPr>
+              <a:t>    year: 2016</a:t>
+            </a:r>
+          </a:p>
+          <a:p>
+            <a:r>
+              <a:rPr lang="en-US" dirty="0">
+                <a:latin typeface="Courier New"/>
+                <a:cs typeface="Courier New"/>
+              </a:rPr>
+              <a:t>    media_type: Watercolor and pencil</a:t>
+            </a:r>
+          </a:p>
+          <a:p>
+            <a:r>
+              <a:rPr lang="en-US" dirty="0">
+                <a:latin typeface="Courier New"/>
+                <a:cs typeface="Courier New"/>
+              </a:rPr>
+              <a:t>    media_width: 21</a:t>
+            </a:r>
+          </a:p>
+          <a:p>
+            <a:r>
+              <a:rPr lang="en-US" dirty="0">
+                <a:latin typeface="Courier New"/>
+                <a:cs typeface="Courier New"/>
+              </a:rPr>
+              <a:t>    media_height: 13</a:t>
+            </a:r>
+          </a:p>
+          <a:p>
+            <a:r>
+              <a:rPr lang="en-US" dirty="0">
+                <a:latin typeface="Courier New"/>
+                <a:cs typeface="Courier New"/>
+              </a:rPr>
+              <a:t>    status: Private Collection -- Prints Available</a:t>
+            </a:r>
+          </a:p>
+          <a:p>
+            <a:r>
+              <a:rPr lang="en-US" dirty="0">
+                <a:latin typeface="Courier New"/>
+                <a:cs typeface="Courier New"/>
+              </a:rPr>
+              <a:t>    notes:</a:t>
+            </a:r>
+          </a:p>
+          <a:p>
+            <a:r>
+              <a:rPr lang="en-US" dirty="0">
+                <a:latin typeface="Courier New"/>
+                <a:cs typeface="Courier New"/>
+              </a:rPr>
+              <a:t>    tags: #blue #grapes #donkey #cart #vinyard</a:t>
+            </a:r>
+          </a:p>
+        </p:txBody>
+      </p:sp>
+    </p:spTree>
+    <p:extLst>
+      <p:ext uri="{BB962C8B-B14F-4D97-AF65-F5344CB8AC3E}">
+        <p14:creationId xmlns:p14="http://schemas.microsoft.com/office/powerpoint/2010/main" val="3562838953"/>
+      </p:ext>
+    </p:extLst>
+  </p:cSld>
+  <p:clrMapOvr>
+    <a:masterClrMapping/>
+  </p:clrMapOvr>
+  <p:timing>
+    <p:tnLst>
+      <p:par>
+        <p:cTn xmlns:p14="http://schemas.microsoft.com/office/powerpoint/2010/main" id="1" dur="indefinite" restart="never" nodeType="tmRoot"/>
+      </p:par>
+    </p:tnLst>
+  </p:timing>
+</p:sld>
+</file>
+
+<file path=ppt/slides/slide3.xml><?xml version="1.0" encoding="utf-8"?>
+<p:sld xmlns:a="http://schemas.openxmlformats.org/drawingml/2006/main" xmlns:r="http://schemas.openxmlformats.org/officeDocument/2006/relationships" xmlns:p="http://schemas.openxmlformats.org/presentationml/2006/main">
+  <p:cSld>
+    <p:spTree>
+      <p:nvGrpSpPr>
+        <p:cNvPr id="1" name=""/>
+        <p:cNvGrpSpPr/>
+        <p:nvPr/>
+      </p:nvGrpSpPr>
+      <p:grpSpPr>
+        <a:xfrm>
+          <a:off x="0" y="0"/>
+          <a:ext cx="0" cy="0"/>
+          <a:chOff x="0" y="0"/>
+          <a:chExt cx="0" cy="0"/>
+        </a:xfrm>
+      </p:grpSpPr>
+      <p:sp>
+        <p:nvSpPr>
+          <p:cNvPr id="2" name="Title 1"/>
+          <p:cNvSpPr>
+            <a:spLocks noGrp="1"/>
+          </p:cNvSpPr>
+          <p:nvPr>
+            <p:ph type="title"/>
+          </p:nvPr>
+        </p:nvSpPr>
+        <p:spPr/>
+        <p:txBody>
+          <a:bodyPr/>
+          <a:lstStyle/>
+          <a:p>
+            <a:endParaRPr lang="en-US" dirty="0"/>
+          </a:p>
+        </p:txBody>
+      </p:sp>
+      <p:sp>
+        <p:nvSpPr>
+          <p:cNvPr id="3" name="Rectangle 2"/>
+          <p:cNvSpPr/>
+          <p:nvPr/>
+        </p:nvSpPr>
+        <p:spPr>
+          <a:xfrm>
+            <a:off x="714413" y="321242"/>
+            <a:ext cx="8429587" cy="3539431"/>
+          </a:xfrm>
+          <a:prstGeom prst="rect">
+            <a:avLst/>
+          </a:prstGeom>
+        </p:spPr>
+        <p:txBody>
+          <a:bodyPr wrap="square">
+            <a:spAutoFit/>
+          </a:bodyPr>
+          <a:lstStyle/>
+          <a:p>
+            <a:r>
+              <a:rPr lang="en-US" dirty="0">
+                <a:latin typeface="Courier New"/>
+                <a:cs typeface="Courier New"/>
+              </a:rPr>
+              <a:t>&lt;ul class="photo-gallery"&gt;</a:t>
+            </a:r>
+          </a:p>
+          <a:p>
+            <a:r>
+              <a:rPr lang="en-US" dirty="0">
+                <a:latin typeface="Courier New"/>
+                <a:cs typeface="Courier New"/>
+              </a:rPr>
+              <a:t>  {% </a:t>
+            </a:r>
+            <a:r>
+              <a:rPr lang="en-US" b="1" dirty="0">
+                <a:latin typeface="Courier New"/>
+                <a:cs typeface="Courier New"/>
+              </a:rPr>
+              <a:t>for</a:t>
+            </a:r>
+            <a:r>
+              <a:rPr lang="en-US" dirty="0">
+                <a:latin typeface="Courier New"/>
+                <a:cs typeface="Courier New"/>
+              </a:rPr>
+              <a:t> </a:t>
+            </a:r>
+            <a:r>
+              <a:rPr lang="en-US" b="1" dirty="0">
+                <a:latin typeface="Courier New"/>
+                <a:cs typeface="Courier New"/>
+              </a:rPr>
+              <a:t>image in page.images</a:t>
+            </a:r>
+            <a:r>
+              <a:rPr lang="en-US" dirty="0">
+                <a:latin typeface="Courier New"/>
+                <a:cs typeface="Courier New"/>
+              </a:rPr>
+              <a:t> %}</a:t>
+            </a:r>
+          </a:p>
+          <a:p>
+            <a:r>
+              <a:rPr lang="en-US" dirty="0">
+                <a:latin typeface="Courier New"/>
+                <a:cs typeface="Courier New"/>
+              </a:rPr>
+              <a:t>    &lt;a target="_blank" </a:t>
+            </a:r>
+            <a:endParaRPr lang="en-US" dirty="0" smtClean="0">
+              <a:latin typeface="Courier New"/>
+              <a:cs typeface="Courier New"/>
+            </a:endParaRPr>
+          </a:p>
+          <a:p>
+            <a:r>
+              <a:rPr lang="en-US" dirty="0">
+                <a:latin typeface="Courier New"/>
+                <a:cs typeface="Courier New"/>
+              </a:rPr>
+              <a:t> </a:t>
+            </a:r>
+            <a:r>
+              <a:rPr lang="en-US" dirty="0" smtClean="0">
+                <a:latin typeface="Courier New"/>
+                <a:cs typeface="Courier New"/>
+              </a:rPr>
+              <a:t>      href</a:t>
+            </a:r>
+            <a:r>
+              <a:rPr lang="en-US" dirty="0">
+                <a:latin typeface="Courier New"/>
+                <a:cs typeface="Courier New"/>
+              </a:rPr>
+              <a:t>="{{ </a:t>
+            </a:r>
+            <a:r>
+              <a:rPr lang="en-US" b="1" dirty="0">
+                <a:latin typeface="Courier New"/>
+                <a:cs typeface="Courier New"/>
+              </a:rPr>
+              <a:t>page.image_path</a:t>
+            </a:r>
+            <a:r>
+              <a:rPr lang="en-US" dirty="0">
+                <a:latin typeface="Courier New"/>
+                <a:cs typeface="Courier New"/>
+              </a:rPr>
+              <a:t> }}/{{ </a:t>
+            </a:r>
+            <a:r>
+              <a:rPr lang="en-US" b="1" dirty="0">
+                <a:latin typeface="Courier New"/>
+                <a:cs typeface="Courier New"/>
+              </a:rPr>
+              <a:t>image.image_file</a:t>
+            </a:r>
+            <a:r>
+              <a:rPr lang="en-US" dirty="0">
+                <a:latin typeface="Courier New"/>
+                <a:cs typeface="Courier New"/>
+              </a:rPr>
+              <a:t> }}"&gt;</a:t>
+            </a:r>
+          </a:p>
+          <a:p>
+            <a:r>
+              <a:rPr lang="en-US" dirty="0">
+                <a:latin typeface="Courier New"/>
+                <a:cs typeface="Courier New"/>
+              </a:rPr>
+              <a:t>    &lt;img align="right" src="{{ page.thumb_path }}/{{ image.thumb_file }}"</a:t>
+            </a:r>
+          </a:p>
+          <a:p>
+            <a:r>
+              <a:rPr lang="en-US" dirty="0">
+                <a:latin typeface="Courier New"/>
+                <a:cs typeface="Courier New"/>
+              </a:rPr>
+              <a:t>      {% if image.thumb_width %}width="{{ image.thumb_width }}"{% endif %}</a:t>
+            </a:r>
+          </a:p>
+          <a:p>
+            <a:r>
+              <a:rPr lang="en-US" dirty="0">
+                <a:latin typeface="Courier New"/>
+                <a:cs typeface="Courier New"/>
+              </a:rPr>
+              <a:t>      {% if image.thumb_height %}height="{{ image.thumb_height }}"{% endif %</a:t>
+            </a:r>
+            <a:r>
+              <a:rPr lang="en-US" dirty="0" smtClean="0">
+                <a:latin typeface="Courier New"/>
+                <a:cs typeface="Courier New"/>
+              </a:rPr>
+              <a:t>}</a:t>
+            </a:r>
+          </a:p>
+          <a:p>
+            <a:r>
+              <a:rPr lang="en-US" dirty="0" smtClean="0">
+                <a:latin typeface="Courier New"/>
+                <a:cs typeface="Courier New"/>
+              </a:rPr>
+              <a:t>      </a:t>
+            </a:r>
+            <a:r>
+              <a:rPr lang="en-US" dirty="0">
+                <a:latin typeface="Courier New"/>
+                <a:cs typeface="Courier New"/>
+              </a:rPr>
+              <a:t>alt='{{ image.media_type }}: {{ image.title }} {{ image.tags }}'&gt; </a:t>
+            </a:r>
+          </a:p>
+          <a:p>
+            <a:r>
+              <a:rPr lang="en-US" dirty="0">
+                <a:latin typeface="Courier New"/>
+                <a:cs typeface="Courier New"/>
+              </a:rPr>
+              <a:t>   </a:t>
+            </a:r>
+            <a:r>
+              <a:rPr lang="en-US" dirty="0" smtClean="0">
+                <a:latin typeface="Courier New"/>
+                <a:cs typeface="Courier New"/>
+              </a:rPr>
+              <a:t>   </a:t>
+            </a:r>
+            <a:r>
+              <a:rPr lang="en-US" dirty="0">
+                <a:latin typeface="Courier New"/>
+                <a:cs typeface="Courier New"/>
+              </a:rPr>
+              <a:t>&lt;strong&gt;&lt;em&gt;{{ image.title }}&lt;/em&gt;&lt;/strong&gt;. </a:t>
+            </a:r>
+            <a:endParaRPr lang="en-US" dirty="0" smtClean="0">
+              <a:latin typeface="Courier New"/>
+              <a:cs typeface="Courier New"/>
+            </a:endParaRPr>
+          </a:p>
+          <a:p>
+            <a:r>
+              <a:rPr lang="en-US" dirty="0">
+                <a:latin typeface="Courier New"/>
+                <a:cs typeface="Courier New"/>
+              </a:rPr>
+              <a:t> </a:t>
+            </a:r>
+            <a:r>
+              <a:rPr lang="en-US" dirty="0" smtClean="0">
+                <a:latin typeface="Courier New"/>
+                <a:cs typeface="Courier New"/>
+              </a:rPr>
+              <a:t>       {</a:t>
+            </a:r>
+            <a:r>
+              <a:rPr lang="en-US" dirty="0">
+                <a:latin typeface="Courier New"/>
+                <a:cs typeface="Courier New"/>
+              </a:rPr>
+              <a:t>{ image.year }}. </a:t>
+            </a:r>
+          </a:p>
+          <a:p>
+            <a:r>
+              <a:rPr lang="en-US" dirty="0">
+                <a:latin typeface="Courier New"/>
+                <a:cs typeface="Courier New"/>
+              </a:rPr>
+              <a:t>   </a:t>
+            </a:r>
+            <a:r>
+              <a:rPr lang="en-US" dirty="0" smtClean="0">
+                <a:latin typeface="Courier New"/>
+                <a:cs typeface="Courier New"/>
+              </a:rPr>
+              <a:t>     </a:t>
+            </a:r>
+            <a:r>
+              <a:rPr lang="en-US" dirty="0">
+                <a:latin typeface="Courier New"/>
+                <a:cs typeface="Courier New"/>
+              </a:rPr>
+              <a:t>{{ image.media_type }}. </a:t>
+            </a:r>
+            <a:endParaRPr lang="en-US" dirty="0" smtClean="0">
+              <a:latin typeface="Courier New"/>
+              <a:cs typeface="Courier New"/>
+            </a:endParaRPr>
+          </a:p>
+          <a:p>
+            <a:r>
+              <a:rPr lang="en-US" dirty="0">
+                <a:latin typeface="Courier New"/>
+                <a:cs typeface="Courier New"/>
+              </a:rPr>
+              <a:t> </a:t>
+            </a:r>
+            <a:r>
+              <a:rPr lang="en-US" dirty="0" smtClean="0">
+                <a:latin typeface="Courier New"/>
+                <a:cs typeface="Courier New"/>
+              </a:rPr>
+              <a:t>       {</a:t>
+            </a:r>
+            <a:r>
+              <a:rPr lang="en-US" dirty="0">
+                <a:latin typeface="Courier New"/>
+                <a:cs typeface="Courier New"/>
+              </a:rPr>
+              <a:t>{ image.media_width }}x{{ image.media_height }} inches</a:t>
+            </a:r>
+            <a:r>
+              <a:rPr lang="en-US" dirty="0" smtClean="0">
+                <a:latin typeface="Courier New"/>
+                <a:cs typeface="Courier New"/>
+              </a:rPr>
+              <a:t>.&lt;</a:t>
+            </a:r>
+            <a:r>
+              <a:rPr lang="en-US" dirty="0">
+                <a:latin typeface="Courier New"/>
+                <a:cs typeface="Courier New"/>
+              </a:rPr>
+              <a:t>br /&gt;</a:t>
+            </a:r>
+          </a:p>
+          <a:p>
+            <a:r>
+              <a:rPr lang="en-US" dirty="0">
+                <a:latin typeface="Courier New"/>
+                <a:cs typeface="Courier New"/>
+              </a:rPr>
+              <a:t>  </a:t>
+            </a:r>
+            <a:r>
+              <a:rPr lang="en-US" dirty="0" smtClean="0">
+                <a:latin typeface="Courier New"/>
+                <a:cs typeface="Courier New"/>
+              </a:rPr>
+              <a:t>      {</a:t>
+            </a:r>
+            <a:r>
+              <a:rPr lang="en-US" dirty="0">
+                <a:latin typeface="Courier New"/>
+                <a:cs typeface="Courier New"/>
+              </a:rPr>
+              <a:t>{ image.status }} {{ image.notes }}</a:t>
+            </a:r>
+          </a:p>
+          <a:p>
+            <a:r>
+              <a:rPr lang="en-US" dirty="0">
+                <a:latin typeface="Courier New"/>
+                <a:cs typeface="Courier New"/>
+              </a:rPr>
+              <a:t>    &lt;/a&gt;&lt;br style="clear: both;" /&gt;&lt;br /&gt;</a:t>
+            </a:r>
+          </a:p>
+          <a:p>
+            <a:r>
+              <a:rPr lang="en-US" dirty="0">
+                <a:latin typeface="Courier New"/>
+                <a:cs typeface="Courier New"/>
+              </a:rPr>
+              <a:t>  {% </a:t>
+            </a:r>
+            <a:r>
+              <a:rPr lang="en-US" b="1" dirty="0">
+                <a:latin typeface="Courier New"/>
+                <a:cs typeface="Courier New"/>
+              </a:rPr>
+              <a:t>endfor</a:t>
+            </a:r>
+            <a:r>
+              <a:rPr lang="en-US" dirty="0">
+                <a:latin typeface="Courier New"/>
+                <a:cs typeface="Courier New"/>
+              </a:rPr>
+              <a:t> %}</a:t>
+            </a:r>
+          </a:p>
+          <a:p>
+            <a:r>
+              <a:rPr lang="en-US" dirty="0">
+                <a:latin typeface="Courier New"/>
+                <a:cs typeface="Courier New"/>
+              </a:rPr>
+              <a:t>&lt;/ul&gt;</a:t>
+            </a:r>
+          </a:p>
+        </p:txBody>
+      </p:sp>
+    </p:spTree>
+    <p:extLst>
+      <p:ext uri="{BB962C8B-B14F-4D97-AF65-F5344CB8AC3E}">
+        <p14:creationId xmlns:p14="http://schemas.microsoft.com/office/powerpoint/2010/main" val="595776446"/>
+      </p:ext>
+    </p:extLst>
+  </p:cSld>
+  <p:clrMapOvr>
+    <a:masterClrMapping/>
+  </p:clrMapOvr>
+  <p:timing>
+    <p:tnLst>
+      <p:par>
+        <p:cTn xmlns:p14="http://schemas.microsoft.com/office/powerpoint/2010/main" id="1" dur="indefinite" restart="never" nodeType="tmRoot"/>
+      </p:par>
+    </p:tnLst>
   </p:timing>
 </p:sld>
 </file>

--- a/fig/jekyll-data-driven-web-v01.pptx
+++ b/fig/jekyll-data-driven-web-v01.pptx
@@ -253,7 +253,7 @@
               <a:pPr>
                 <a:defRPr/>
               </a:pPr>
-              <a:t>8/20/16</a:t>
+              <a:t>8/23/16</a:t>
             </a:fld>
             <a:endParaRPr lang="en-US"/>
           </a:p>
@@ -467,7 +467,7 @@
               <a:pPr>
                 <a:defRPr/>
               </a:pPr>
-              <a:t>8/20/16</a:t>
+              <a:t>8/23/16</a:t>
             </a:fld>
             <a:endParaRPr lang="en-US"/>
           </a:p>
@@ -833,150 +833,6 @@
           <a:bodyPr/>
           <a:lstStyle/>
           <a:p>
-            <a:r>
-              <a:rPr lang="en-US" dirty="0" smtClean="0"/>
-              <a:t>We can use the common use-case of an artist showing off their portfolio of photo files in a folder somewhere on the internet.</a:t>
-            </a:r>
-          </a:p>
-          <a:p>
-            <a:endParaRPr lang="en-US" dirty="0" smtClean="0"/>
-          </a:p>
-          <a:p>
-            <a:r>
-              <a:rPr lang="en-US" dirty="0" smtClean="0"/>
-              <a:t>We want that portfolio of files to show up as a list or table in a web page under a given topic in a URL typed in a visitor's web browser.</a:t>
-            </a:r>
-          </a:p>
-          <a:p>
-            <a:r>
-              <a:rPr lang="en-US" dirty="0" smtClean="0"/>
-              <a:t>That list can retrieve files such as images from a folder of assets such as photographs.</a:t>
-            </a:r>
-          </a:p>
-          <a:p>
-            <a:r>
-              <a:rPr lang="en-US" dirty="0" smtClean="0"/>
-              <a:t>The list of files in the Portfolio list is useful to select files for processes such as identifying file sizes plus compression and watermarking of each file.</a:t>
-            </a:r>
-          </a:p>
-          <a:p>
-            <a:endParaRPr lang="en-US" dirty="0" smtClean="0"/>
-          </a:p>
-          <a:p>
-            <a:r>
-              <a:rPr lang="en-US" dirty="0" smtClean="0"/>
-              <a:t>Alternately, data about each work in that portfolio can be assembled by hand analyzing previous HTML or whatever.</a:t>
-            </a:r>
-          </a:p>
-          <a:p>
-            <a:r>
-              <a:rPr lang="en-US" dirty="0" smtClean="0"/>
-              <a:t>The portfolio file is .</a:t>
-            </a:r>
-            <a:r>
-              <a:rPr lang="en-US" dirty="0" err="1" smtClean="0"/>
-              <a:t>csv</a:t>
-            </a:r>
-            <a:r>
-              <a:rPr lang="en-US" dirty="0" smtClean="0"/>
-              <a:t> (comma separated values) format text file that can be edited by any text editor.</a:t>
-            </a:r>
-          </a:p>
-          <a:p>
-            <a:r>
-              <a:rPr lang="en-US" dirty="0" smtClean="0"/>
-              <a:t>But many prefer to edit such files using a spreadsheet program such as Microsoft Excel or always on-line in Google Sheets.</a:t>
-            </a:r>
-          </a:p>
-          <a:p>
-            <a:endParaRPr lang="en-US" dirty="0" smtClean="0"/>
-          </a:p>
-          <a:p>
-            <a:r>
-              <a:rPr lang="en-US" dirty="0" smtClean="0"/>
-              <a:t>We prefer to store files GitHub because we can go back to each complete version at various points in time.</a:t>
-            </a:r>
-          </a:p>
-          <a:p>
-            <a:r>
-              <a:rPr lang="en-US" dirty="0" smtClean="0"/>
-              <a:t>Complete copies of a repository are obtained from GitHub for edit locally off-line.</a:t>
-            </a:r>
-          </a:p>
-          <a:p>
-            <a:r>
-              <a:rPr lang="en-US" dirty="0" smtClean="0"/>
-              <a:t>So many writers prefer to store their writing in a file for each topic or page within a website.</a:t>
-            </a:r>
-          </a:p>
-          <a:p>
-            <a:r>
-              <a:rPr lang="en-US" dirty="0" smtClean="0"/>
-              <a:t>Each file contains "yaml" front-matter that stores text referenced by variables defined by "</a:t>
-            </a:r>
-            <a:r>
-              <a:rPr lang="en-US" dirty="0" err="1" smtClean="0"/>
-              <a:t>moustashes</a:t>
-            </a:r>
-            <a:r>
-              <a:rPr lang="en-US" dirty="0" smtClean="0"/>
-              <a:t>" in the text of each page.</a:t>
-            </a:r>
-          </a:p>
-          <a:p>
-            <a:endParaRPr lang="en-US" dirty="0" smtClean="0"/>
-          </a:p>
-          <a:p>
-            <a:r>
-              <a:rPr lang="en-US" dirty="0" smtClean="0"/>
-              <a:t>We use Jekyll because it generates that list inside an </a:t>
-            </a:r>
-            <a:r>
-              <a:rPr lang="en-US" dirty="0" err="1" smtClean="0"/>
-              <a:t>index.html</a:t>
-            </a:r>
-            <a:r>
-              <a:rPr lang="en-US" dirty="0" smtClean="0"/>
-              <a:t> file under a topic.</a:t>
-            </a:r>
-          </a:p>
-          <a:p>
-            <a:r>
-              <a:rPr lang="en-US" dirty="0" smtClean="0"/>
-              <a:t>And it will do that for all topics within a _site folder published to the internet.</a:t>
-            </a:r>
-          </a:p>
-          <a:p>
-            <a:endParaRPr lang="en-US" dirty="0" smtClean="0"/>
-          </a:p>
-          <a:p>
-            <a:r>
-              <a:rPr lang="en-US" dirty="0" smtClean="0"/>
-              <a:t>Before it does all that, we have a parser program that creates text that references to files in the folder in a format useable by that {include} marker.</a:t>
-            </a:r>
-          </a:p>
-          <a:p>
-            <a:endParaRPr lang="en-US" dirty="0" smtClean="0"/>
-          </a:p>
-          <a:p>
-            <a:r>
-              <a:rPr lang="en-US" dirty="0" smtClean="0"/>
-              <a:t>Tags in the portfolio flat file can be re-used to post </a:t>
-            </a:r>
-            <a:r>
-              <a:rPr lang="en-US" dirty="0" err="1" smtClean="0"/>
-              <a:t>Instagrams</a:t>
-            </a:r>
-            <a:r>
-              <a:rPr lang="en-US" dirty="0" smtClean="0"/>
-              <a:t> or tweet in Twitter.</a:t>
-            </a:r>
-          </a:p>
-          <a:p>
-            <a:r>
-              <a:rPr lang="en-US" dirty="0" smtClean="0"/>
-              <a:t>That is done by a publisher program that arranges data (perhaps in a database) for automatic posting and tweeting.</a:t>
-            </a:r>
             <a:endParaRPr lang="en-US" dirty="0"/>
           </a:p>
         </p:txBody>
@@ -1810,7 +1666,7 @@
               <a:pPr>
                 <a:defRPr/>
               </a:pPr>
-              <a:t>8/20/16</a:t>
+              <a:t>8/23/16</a:t>
             </a:fld>
             <a:endParaRPr lang="en-US"/>
           </a:p>
@@ -2530,44 +2386,6 @@
           <a:chExt cx="0" cy="0"/>
         </a:xfrm>
       </p:grpSpPr>
-      <p:cxnSp>
-        <p:nvCxnSpPr>
-          <p:cNvPr id="113" name="Straight Arrow Connector 4"/>
-          <p:cNvCxnSpPr>
-            <a:endCxn id="116" idx="1"/>
-          </p:cNvCxnSpPr>
-          <p:nvPr/>
-        </p:nvCxnSpPr>
-        <p:spPr>
-          <a:xfrm>
-            <a:off x="5907164" y="1816419"/>
-            <a:ext cx="680713" cy="0"/>
-          </a:xfrm>
-          <a:prstGeom prst="straightConnector1">
-            <a:avLst/>
-          </a:prstGeom>
-          <a:ln w="25400">
-            <a:solidFill>
-              <a:schemeClr val="tx1"/>
-            </a:solidFill>
-            <a:tailEnd type="triangle" w="lg" len="lg"/>
-          </a:ln>
-        </p:spPr>
-        <p:style>
-          <a:lnRef idx="1">
-            <a:schemeClr val="accent1"/>
-          </a:lnRef>
-          <a:fillRef idx="0">
-            <a:schemeClr val="accent1"/>
-          </a:fillRef>
-          <a:effectRef idx="0">
-            <a:schemeClr val="accent1"/>
-          </a:effectRef>
-          <a:fontRef idx="minor">
-            <a:schemeClr val="tx1"/>
-          </a:fontRef>
-        </p:style>
-      </p:cxnSp>
       <p:sp>
         <p:nvSpPr>
           <p:cNvPr id="216" name="Rectangle 215"/>
@@ -2576,8 +2394,8 @@
         </p:nvSpPr>
         <p:spPr>
           <a:xfrm>
-            <a:off x="3163376" y="1454913"/>
-            <a:ext cx="3132116" cy="641917"/>
+            <a:off x="5591934" y="1495639"/>
+            <a:ext cx="703557" cy="620188"/>
           </a:xfrm>
           <a:prstGeom prst="rect">
             <a:avLst/>
@@ -2611,7 +2429,7 @@
           <a:bodyPr lIns="68681" tIns="34340" rIns="68681" bIns="34340" anchor="t"/>
           <a:lstStyle/>
           <a:p>
-            <a:pPr algn="r" defTabSz="343403" eaLnBrk="1" fontAlgn="auto" hangingPunct="1">
+            <a:pPr algn="ctr" defTabSz="343403" eaLnBrk="1" fontAlgn="auto" hangingPunct="1">
               <a:spcBef>
                 <a:spcPts val="0"/>
               </a:spcBef>
@@ -2626,7 +2444,26 @@
                 <a:ea typeface="Open Sans Light" charset="0"/>
                 <a:cs typeface="Open Sans Light"/>
               </a:rPr>
-              <a:t>Jekyll</a:t>
+              <a:t>Jekyll,</a:t>
+            </a:r>
+          </a:p>
+          <a:p>
+            <a:pPr algn="ctr" defTabSz="343403" eaLnBrk="1" fontAlgn="auto" hangingPunct="1">
+              <a:spcBef>
+                <a:spcPts val="0"/>
+              </a:spcBef>
+              <a:spcAft>
+                <a:spcPts val="0"/>
+              </a:spcAft>
+              <a:defRPr/>
+            </a:pPr>
+            <a:r>
+              <a:rPr lang="en-US" sz="1600" dirty="0" smtClean="0">
+                <a:latin typeface="Open Sans Light"/>
+                <a:ea typeface="Open Sans Light" charset="0"/>
+                <a:cs typeface="Open Sans Light"/>
+              </a:rPr>
+              <a:t>etc.</a:t>
             </a:r>
             <a:endParaRPr lang="en-US" sz="1600" dirty="0">
               <a:latin typeface="Open Sans Light"/>
@@ -2636,6 +2473,102 @@
           </a:p>
         </p:txBody>
       </p:sp>
+      <p:sp>
+        <p:nvSpPr>
+          <p:cNvPr id="86" name="Rounded Rectangle 85"/>
+          <p:cNvSpPr/>
+          <p:nvPr/>
+        </p:nvSpPr>
+        <p:spPr>
+          <a:xfrm>
+            <a:off x="4318941" y="1146744"/>
+            <a:ext cx="1008268" cy="1350724"/>
+          </a:xfrm>
+          <a:prstGeom prst="roundRect">
+            <a:avLst/>
+          </a:prstGeom>
+          <a:solidFill>
+            <a:schemeClr val="tx2"/>
+          </a:solidFill>
+          <a:ln>
+            <a:solidFill>
+              <a:schemeClr val="bg1"/>
+            </a:solidFill>
+          </a:ln>
+        </p:spPr>
+        <p:style>
+          <a:lnRef idx="2">
+            <a:schemeClr val="accent1">
+              <a:shade val="50000"/>
+            </a:schemeClr>
+          </a:lnRef>
+          <a:fillRef idx="1">
+            <a:schemeClr val="accent1"/>
+          </a:fillRef>
+          <a:effectRef idx="0">
+            <a:schemeClr val="accent1"/>
+          </a:effectRef>
+          <a:fontRef idx="minor">
+            <a:schemeClr val="lt1"/>
+          </a:fontRef>
+        </p:style>
+        <p:txBody>
+          <a:bodyPr/>
+          <a:lstStyle/>
+          <a:p>
+            <a:r>
+              <a:rPr lang="en-US" dirty="0" smtClean="0">
+                <a:latin typeface="Open Sans Light"/>
+                <a:cs typeface="Open Sans Light"/>
+              </a:rPr>
+              <a:t>topic2</a:t>
+            </a:r>
+            <a:endParaRPr lang="en-US" dirty="0">
+              <a:latin typeface="Open Sans Light"/>
+              <a:cs typeface="Open Sans Light"/>
+            </a:endParaRPr>
+          </a:p>
+        </p:txBody>
+      </p:sp>
+      <p:cxnSp>
+        <p:nvCxnSpPr>
+          <p:cNvPr id="113" name="Straight Arrow Connector 4"/>
+          <p:cNvCxnSpPr>
+            <a:stCxn id="86" idx="3"/>
+            <a:endCxn id="116" idx="1"/>
+          </p:cNvCxnSpPr>
+          <p:nvPr/>
+        </p:nvCxnSpPr>
+        <p:spPr>
+          <a:xfrm flipV="1">
+            <a:off x="5327209" y="1816419"/>
+            <a:ext cx="1260668" cy="5687"/>
+          </a:xfrm>
+          <a:prstGeom prst="straightConnector1">
+            <a:avLst/>
+          </a:prstGeom>
+          <a:ln w="25400">
+            <a:solidFill>
+              <a:schemeClr val="tx1"/>
+            </a:solidFill>
+            <a:tailEnd type="triangle" w="lg" len="lg"/>
+          </a:ln>
+        </p:spPr>
+        <p:style>
+          <a:lnRef idx="1">
+            <a:schemeClr val="accent1"/>
+          </a:lnRef>
+          <a:fillRef idx="0">
+            <a:schemeClr val="accent1"/>
+          </a:fillRef>
+          <a:effectRef idx="0">
+            <a:schemeClr val="accent1"/>
+          </a:effectRef>
+          <a:fontRef idx="minor">
+            <a:schemeClr val="tx1"/>
+          </a:fontRef>
+        </p:style>
+      </p:cxnSp>
       <p:sp>
         <p:nvSpPr>
           <p:cNvPr id="116" name="Rounded Rectangle 115"/>
@@ -2858,7 +2791,31 @@
                 <a:latin typeface="Open Sans Light"/>
                 <a:cs typeface="Open Sans Light"/>
               </a:rPr>
-              <a:t>jekyll-data-driven-website-v02.pptx. Copyright 2016 Wilson Mar.  All rights reserved.</a:t>
+              <a:t>jekyll-data-driven-website-</a:t>
+            </a:r>
+            <a:r>
+              <a:rPr lang="en-US" sz="600" dirty="0" smtClean="0">
+                <a:solidFill>
+                  <a:schemeClr val="bg1">
+                    <a:lumMod val="75000"/>
+                  </a:schemeClr>
+                </a:solidFill>
+                <a:latin typeface="Open Sans Light"/>
+                <a:cs typeface="Open Sans Light"/>
+              </a:rPr>
+              <a:t>v05.</a:t>
+            </a:r>
+            <a:r>
+              <a:rPr lang="en-US" sz="600" dirty="0" smtClean="0">
+                <a:solidFill>
+                  <a:schemeClr val="bg1">
+                    <a:lumMod val="75000"/>
+                  </a:schemeClr>
+                </a:solidFill>
+                <a:latin typeface="Open Sans Light"/>
+                <a:cs typeface="Open Sans Light"/>
+              </a:rPr>
+              <a:t>pptx. Copyright 2016 Wilson Mar.  All rights reserved.</a:t>
             </a:r>
             <a:endParaRPr lang="en-US" sz="600" dirty="0">
               <a:solidFill>
@@ -2882,7 +2839,7 @@
         </p:nvCxnSpPr>
         <p:spPr>
           <a:xfrm flipV="1">
-            <a:off x="2099724" y="630643"/>
+            <a:off x="2059084" y="630643"/>
             <a:ext cx="888120" cy="451794"/>
           </a:xfrm>
           <a:prstGeom prst="straightConnector1">
@@ -2920,7 +2877,7 @@
         <p:spPr>
           <a:xfrm>
             <a:off x="3302855" y="937230"/>
-            <a:ext cx="745014" cy="390384"/>
+            <a:ext cx="745014" cy="323149"/>
           </a:xfrm>
           <a:prstGeom prst="rect">
             <a:avLst/>
@@ -3083,8 +3040,8 @@
         </p:nvSpPr>
         <p:spPr>
           <a:xfrm>
-            <a:off x="3263882" y="1626563"/>
-            <a:ext cx="822960" cy="276160"/>
+            <a:off x="3484880" y="1535123"/>
+            <a:ext cx="601962" cy="489264"/>
           </a:xfrm>
           <a:prstGeom prst="roundRect">
             <a:avLst/>
@@ -3137,15 +3094,14 @@
         <p:nvCxnSpPr>
           <p:cNvPr id="68" name="Straight Arrow Connector 4"/>
           <p:cNvCxnSpPr>
-            <a:stCxn id="55" idx="2"/>
             <a:endCxn id="66" idx="0"/>
           </p:cNvCxnSpPr>
           <p:nvPr/>
         </p:nvCxnSpPr>
         <p:spPr>
-          <a:xfrm>
-            <a:off x="3675362" y="1327614"/>
-            <a:ext cx="0" cy="298949"/>
+          <a:xfrm flipH="1">
+            <a:off x="3785861" y="1250219"/>
+            <a:ext cx="3819" cy="284904"/>
           </a:xfrm>
           <a:prstGeom prst="straightConnector1">
             <a:avLst/>
@@ -3181,9 +3137,9 @@
           <p:nvPr/>
         </p:nvCxnSpPr>
         <p:spPr>
-          <a:xfrm>
-            <a:off x="4086842" y="1764643"/>
-            <a:ext cx="324024" cy="0"/>
+          <a:xfrm flipV="1">
+            <a:off x="4086842" y="1768410"/>
+            <a:ext cx="324024" cy="11345"/>
           </a:xfrm>
           <a:prstGeom prst="straightConnector1">
             <a:avLst/>
@@ -3218,7 +3174,7 @@
         </p:nvSpPr>
         <p:spPr>
           <a:xfrm>
-            <a:off x="1036673" y="803512"/>
+            <a:off x="996033" y="803512"/>
             <a:ext cx="1063051" cy="557850"/>
           </a:xfrm>
           <a:prstGeom prst="flowChartDisplay">
@@ -3268,69 +3224,10 @@
           </a:p>
         </p:txBody>
       </p:sp>
-      <p:sp>
-        <p:nvSpPr>
-          <p:cNvPr id="78" name="Rounded Rectangle 77"/>
-          <p:cNvSpPr/>
-          <p:nvPr/>
-        </p:nvSpPr>
-        <p:spPr>
-          <a:xfrm>
-            <a:off x="1036673" y="272729"/>
-            <a:ext cx="822960" cy="427911"/>
-          </a:xfrm>
-          <a:prstGeom prst="roundRect">
-            <a:avLst/>
-          </a:prstGeom>
-          <a:solidFill>
-            <a:schemeClr val="tx2"/>
-          </a:solidFill>
-          <a:ln>
-            <a:solidFill>
-              <a:schemeClr val="bg1"/>
-            </a:solidFill>
-          </a:ln>
-        </p:spPr>
-        <p:style>
-          <a:lnRef idx="2">
-            <a:schemeClr val="accent1">
-              <a:shade val="50000"/>
-            </a:schemeClr>
-          </a:lnRef>
-          <a:fillRef idx="1">
-            <a:schemeClr val="accent1"/>
-          </a:fillRef>
-          <a:effectRef idx="0">
-            <a:schemeClr val="accent1"/>
-          </a:effectRef>
-          <a:fontRef idx="minor">
-            <a:schemeClr val="lt1"/>
-          </a:fontRef>
-        </p:style>
-        <p:txBody>
-          <a:bodyPr/>
-          <a:lstStyle/>
-          <a:p>
-            <a:pPr algn="ctr"/>
-            <a:r>
-              <a:rPr lang="en-US" dirty="0" smtClean="0">
-                <a:latin typeface="Open Sans Light"/>
-                <a:cs typeface="Open Sans Light"/>
-              </a:rPr>
-              <a:t>HTML</a:t>
-            </a:r>
-            <a:endParaRPr lang="en-US" dirty="0">
-              <a:latin typeface="Open Sans Light"/>
-              <a:cs typeface="Open Sans Light"/>
-            </a:endParaRPr>
-          </a:p>
-        </p:txBody>
-      </p:sp>
       <p:cxnSp>
         <p:nvCxnSpPr>
           <p:cNvPr id="79" name="Straight Arrow Connector 4"/>
           <p:cNvCxnSpPr>
-            <a:stCxn id="78" idx="3"/>
             <a:endCxn id="48" idx="2"/>
           </p:cNvCxnSpPr>
           <p:nvPr/>
@@ -3373,7 +3270,7 @@
         </p:nvSpPr>
         <p:spPr>
           <a:xfrm>
-            <a:off x="1813947" y="176540"/>
+            <a:off x="2039066" y="182884"/>
             <a:ext cx="1003475" cy="584776"/>
           </a:xfrm>
           <a:prstGeom prst="rect">
@@ -3392,7 +3289,7 @@
                 <a:latin typeface="Open Sans Light"/>
                 <a:cs typeface="Open Sans Light"/>
               </a:rPr>
-              <a:t>hand</a:t>
+              <a:t>manual</a:t>
             </a:r>
           </a:p>
           <a:p>
@@ -3401,7 +3298,7 @@
                 <a:latin typeface="Open Sans Light"/>
                 <a:cs typeface="Open Sans Light"/>
               </a:rPr>
-              <a:t>convert</a:t>
+              <a:t>edit</a:t>
             </a:r>
           </a:p>
         </p:txBody>
@@ -3704,14 +3601,14 @@
       </p:cxnSp>
       <p:sp>
         <p:nvSpPr>
-          <p:cNvPr id="139" name="Rounded Rectangle 138"/>
+          <p:cNvPr id="140" name="Rounded Rectangle 139"/>
           <p:cNvSpPr/>
           <p:nvPr/>
         </p:nvSpPr>
         <p:spPr>
           <a:xfrm>
-            <a:off x="3457357" y="3177100"/>
-            <a:ext cx="1059913" cy="432292"/>
+            <a:off x="1873110" y="3534578"/>
+            <a:ext cx="1059912" cy="305901"/>
           </a:xfrm>
           <a:prstGeom prst="roundRect">
             <a:avLst/>
@@ -3742,7 +3639,7 @@
           </a:fontRef>
         </p:style>
         <p:txBody>
-          <a:bodyPr/>
+          <a:bodyPr anchor="ctr"/>
           <a:lstStyle/>
           <a:p>
             <a:r>
@@ -3750,7 +3647,7 @@
                 <a:latin typeface="Open Sans Light"/>
                 <a:cs typeface="Open Sans Light"/>
               </a:rPr>
-              <a:t>Instagram</a:t>
+              <a:t>Twitter</a:t>
             </a:r>
             <a:endParaRPr lang="en-US" dirty="0">
               <a:latin typeface="Open Sans Light"/>
@@ -3759,290 +3656,16 @@
           </a:p>
         </p:txBody>
       </p:sp>
-      <p:sp>
-        <p:nvSpPr>
-          <p:cNvPr id="140" name="Rounded Rectangle 139"/>
-          <p:cNvSpPr/>
-          <p:nvPr/>
-        </p:nvSpPr>
-        <p:spPr>
-          <a:xfrm>
-            <a:off x="3457358" y="3640114"/>
-            <a:ext cx="1059912" cy="432292"/>
-          </a:xfrm>
-          <a:prstGeom prst="roundRect">
-            <a:avLst/>
-          </a:prstGeom>
-          <a:solidFill>
-            <a:schemeClr val="accent2"/>
-          </a:solidFill>
-          <a:ln>
-            <a:solidFill>
-              <a:schemeClr val="bg1"/>
-            </a:solidFill>
-          </a:ln>
-        </p:spPr>
-        <p:style>
-          <a:lnRef idx="2">
-            <a:schemeClr val="accent1">
-              <a:shade val="50000"/>
-            </a:schemeClr>
-          </a:lnRef>
-          <a:fillRef idx="1">
-            <a:schemeClr val="accent1"/>
-          </a:fillRef>
-          <a:effectRef idx="0">
-            <a:schemeClr val="accent1"/>
-          </a:effectRef>
-          <a:fontRef idx="minor">
-            <a:schemeClr val="lt1"/>
-          </a:fontRef>
-        </p:style>
-        <p:txBody>
-          <a:bodyPr/>
-          <a:lstStyle/>
-          <a:p>
-            <a:r>
-              <a:rPr lang="en-US" dirty="0" smtClean="0">
-                <a:latin typeface="Open Sans Light"/>
-                <a:cs typeface="Open Sans Light"/>
-              </a:rPr>
-              <a:t>Twitter</a:t>
-            </a:r>
-            <a:endParaRPr lang="en-US" dirty="0">
-              <a:latin typeface="Open Sans Light"/>
-              <a:cs typeface="Open Sans Light"/>
-            </a:endParaRPr>
-          </a:p>
-        </p:txBody>
-      </p:sp>
-      <p:sp>
-        <p:nvSpPr>
-          <p:cNvPr id="142" name="Rectangle 141"/>
-          <p:cNvSpPr/>
-          <p:nvPr/>
-        </p:nvSpPr>
-        <p:spPr>
-          <a:xfrm>
-            <a:off x="1923146" y="3198054"/>
-            <a:ext cx="1191727" cy="390384"/>
-          </a:xfrm>
-          <a:prstGeom prst="rect">
-            <a:avLst/>
-          </a:prstGeom>
-          <a:solidFill>
-            <a:srgbClr val="00A9F2"/>
-          </a:solidFill>
-          <a:ln>
-            <a:solidFill>
-              <a:schemeClr val="accent2"/>
-            </a:solidFill>
-          </a:ln>
-        </p:spPr>
-        <p:style>
-          <a:lnRef idx="2">
-            <a:schemeClr val="accent1">
-              <a:shade val="50000"/>
-            </a:schemeClr>
-          </a:lnRef>
-          <a:fillRef idx="1">
-            <a:schemeClr val="accent1"/>
-          </a:fillRef>
-          <a:effectRef idx="0">
-            <a:schemeClr val="accent1"/>
-          </a:effectRef>
-          <a:fontRef idx="minor">
-            <a:schemeClr val="lt1"/>
-          </a:fontRef>
-        </p:style>
-        <p:txBody>
-          <a:bodyPr lIns="68681" tIns="34340" rIns="68681" bIns="34340" anchor="t"/>
-          <a:lstStyle/>
-          <a:p>
-            <a:pPr defTabSz="343403" eaLnBrk="1" fontAlgn="auto" hangingPunct="1">
-              <a:spcBef>
-                <a:spcPts val="0"/>
-              </a:spcBef>
-              <a:spcAft>
-                <a:spcPts val="0"/>
-              </a:spcAft>
-              <a:defRPr/>
-            </a:pPr>
-            <a:r>
-              <a:rPr lang="en-US" sz="1600" dirty="0" smtClean="0">
-                <a:latin typeface="Open Sans Light"/>
-                <a:ea typeface="Open Sans Light" charset="0"/>
-                <a:cs typeface="Open Sans Light"/>
-              </a:rPr>
-              <a:t>Auto-post</a:t>
-            </a:r>
-            <a:endParaRPr lang="en-US" sz="1600" dirty="0">
-              <a:latin typeface="Open Sans Light"/>
-              <a:ea typeface="Open Sans Light" charset="0"/>
-              <a:cs typeface="Open Sans Light"/>
-            </a:endParaRPr>
-          </a:p>
-        </p:txBody>
-      </p:sp>
-      <p:cxnSp>
-        <p:nvCxnSpPr>
-          <p:cNvPr id="144" name="Straight Arrow Connector 4"/>
-          <p:cNvCxnSpPr>
-            <a:stCxn id="142" idx="3"/>
-            <a:endCxn id="139" idx="1"/>
-          </p:cNvCxnSpPr>
-          <p:nvPr/>
-        </p:nvCxnSpPr>
-        <p:spPr>
-          <a:xfrm>
-            <a:off x="3114873" y="3393246"/>
-            <a:ext cx="342484" cy="0"/>
-          </a:xfrm>
-          <a:prstGeom prst="straightConnector1">
-            <a:avLst/>
-          </a:prstGeom>
-          <a:ln w="25400">
-            <a:solidFill>
-              <a:srgbClr val="00A9F2"/>
-            </a:solidFill>
-            <a:tailEnd type="triangle" w="lg" len="lg"/>
-          </a:ln>
-        </p:spPr>
-        <p:style>
-          <a:lnRef idx="1">
-            <a:schemeClr val="accent1"/>
-          </a:lnRef>
-          <a:fillRef idx="0">
-            <a:schemeClr val="accent1"/>
-          </a:fillRef>
-          <a:effectRef idx="0">
-            <a:schemeClr val="accent1"/>
-          </a:effectRef>
-          <a:fontRef idx="minor">
-            <a:schemeClr val="tx1"/>
-          </a:fontRef>
-        </p:style>
-      </p:cxnSp>
-      <p:sp>
-        <p:nvSpPr>
-          <p:cNvPr id="145" name="Rectangle 144"/>
-          <p:cNvSpPr/>
-          <p:nvPr/>
-        </p:nvSpPr>
-        <p:spPr>
-          <a:xfrm>
-            <a:off x="1923146" y="3661068"/>
-            <a:ext cx="1191727" cy="390384"/>
-          </a:xfrm>
-          <a:prstGeom prst="rect">
-            <a:avLst/>
-          </a:prstGeom>
-          <a:solidFill>
-            <a:srgbClr val="00A9F2"/>
-          </a:solidFill>
-          <a:ln>
-            <a:solidFill>
-              <a:schemeClr val="accent2"/>
-            </a:solidFill>
-          </a:ln>
-        </p:spPr>
-        <p:style>
-          <a:lnRef idx="2">
-            <a:schemeClr val="accent1">
-              <a:shade val="50000"/>
-            </a:schemeClr>
-          </a:lnRef>
-          <a:fillRef idx="1">
-            <a:schemeClr val="accent1"/>
-          </a:fillRef>
-          <a:effectRef idx="0">
-            <a:schemeClr val="accent1"/>
-          </a:effectRef>
-          <a:fontRef idx="minor">
-            <a:schemeClr val="lt1"/>
-          </a:fontRef>
-        </p:style>
-        <p:txBody>
-          <a:bodyPr lIns="68681" tIns="34340" rIns="68681" bIns="34340" anchor="t"/>
-          <a:lstStyle/>
-          <a:p>
-            <a:pPr defTabSz="343403" eaLnBrk="1" fontAlgn="auto" hangingPunct="1">
-              <a:spcBef>
-                <a:spcPts val="0"/>
-              </a:spcBef>
-              <a:spcAft>
-                <a:spcPts val="0"/>
-              </a:spcAft>
-              <a:defRPr/>
-            </a:pPr>
-            <a:r>
-              <a:rPr lang="en-US" sz="1600" dirty="0" smtClean="0">
-                <a:latin typeface="Open Sans Light"/>
-                <a:ea typeface="Open Sans Light" charset="0"/>
-                <a:cs typeface="Open Sans Light"/>
-              </a:rPr>
-              <a:t>Auto-tweet</a:t>
-            </a:r>
-            <a:endParaRPr lang="en-US" sz="1600" dirty="0">
-              <a:latin typeface="Open Sans Light"/>
-              <a:ea typeface="Open Sans Light" charset="0"/>
-              <a:cs typeface="Open Sans Light"/>
-            </a:endParaRPr>
-          </a:p>
-        </p:txBody>
-      </p:sp>
-      <p:cxnSp>
-        <p:nvCxnSpPr>
-          <p:cNvPr id="147" name="Straight Arrow Connector 4"/>
-          <p:cNvCxnSpPr>
-            <a:stCxn id="145" idx="3"/>
-            <a:endCxn id="140" idx="1"/>
-          </p:cNvCxnSpPr>
-          <p:nvPr/>
-        </p:nvCxnSpPr>
-        <p:spPr>
-          <a:xfrm>
-            <a:off x="3114873" y="3856260"/>
-            <a:ext cx="342485" cy="0"/>
-          </a:xfrm>
-          <a:prstGeom prst="straightConnector1">
-            <a:avLst/>
-          </a:prstGeom>
-          <a:ln w="25400">
-            <a:solidFill>
-              <a:srgbClr val="00A9F2"/>
-            </a:solidFill>
-            <a:tailEnd type="triangle" w="lg" len="lg"/>
-          </a:ln>
-        </p:spPr>
-        <p:style>
-          <a:lnRef idx="1">
-            <a:schemeClr val="accent1"/>
-          </a:lnRef>
-          <a:fillRef idx="0">
-            <a:schemeClr val="accent1"/>
-          </a:fillRef>
-          <a:effectRef idx="0">
-            <a:schemeClr val="accent1"/>
-          </a:effectRef>
-          <a:fontRef idx="minor">
-            <a:schemeClr val="tx1"/>
-          </a:fontRef>
-        </p:style>
-      </p:cxnSp>
       <p:cxnSp>
         <p:nvCxnSpPr>
           <p:cNvPr id="166" name="Straight Arrow Connector 4"/>
-          <p:cNvCxnSpPr>
-            <a:stCxn id="183" idx="0"/>
-            <a:endCxn id="66" idx="2"/>
-          </p:cNvCxnSpPr>
+          <p:cNvCxnSpPr/>
           <p:nvPr/>
         </p:nvCxnSpPr>
         <p:spPr>
           <a:xfrm flipV="1">
-            <a:off x="3671101" y="1902723"/>
-            <a:ext cx="4261" cy="377428"/>
+            <a:off x="3404455" y="1260379"/>
+            <a:ext cx="0" cy="1019772"/>
           </a:xfrm>
           <a:prstGeom prst="straightConnector1">
             <a:avLst/>
@@ -4241,14 +3864,14 @@
           <p:cNvPr id="196" name="Straight Arrow Connector 4"/>
           <p:cNvCxnSpPr>
             <a:stCxn id="228" idx="2"/>
-            <a:endCxn id="142" idx="1"/>
+            <a:endCxn id="139" idx="1"/>
           </p:cNvCxnSpPr>
           <p:nvPr/>
         </p:nvCxnSpPr>
         <p:spPr>
           <a:xfrm rot="16200000" flipH="1">
-            <a:off x="1170723" y="2640823"/>
-            <a:ext cx="1149898" cy="354947"/>
+            <a:off x="1201511" y="2610036"/>
+            <a:ext cx="1038286" cy="304910"/>
           </a:xfrm>
           <a:prstGeom prst="bentConnector2">
             <a:avLst/>
@@ -4280,14 +3903,14 @@
           <p:cNvPr id="197" name="Straight Arrow Connector 4"/>
           <p:cNvCxnSpPr>
             <a:stCxn id="228" idx="2"/>
-            <a:endCxn id="145" idx="1"/>
+            <a:endCxn id="140" idx="1"/>
           </p:cNvCxnSpPr>
           <p:nvPr/>
         </p:nvCxnSpPr>
         <p:spPr>
           <a:xfrm rot="16200000" flipH="1">
-            <a:off x="939216" y="2872330"/>
-            <a:ext cx="1612912" cy="354947"/>
+            <a:off x="998564" y="2812982"/>
+            <a:ext cx="1444181" cy="304911"/>
           </a:xfrm>
           <a:prstGeom prst="bentConnector2">
             <a:avLst/>
@@ -4513,7 +4136,7 @@
           </a:prstGeom>
           <a:ln w="25400">
             <a:solidFill>
-              <a:srgbClr val="00A9F2"/>
+              <a:schemeClr val="accent6"/>
             </a:solidFill>
             <a:tailEnd type="triangle" w="lg" len="lg"/>
           </a:ln>
@@ -4761,13 +4384,14 @@
           <p:cNvPr id="54" name="Straight Arrow Connector 4"/>
           <p:cNvCxnSpPr>
             <a:stCxn id="56" idx="2"/>
+            <a:endCxn id="216" idx="0"/>
           </p:cNvCxnSpPr>
           <p:nvPr/>
         </p:nvCxnSpPr>
         <p:spPr>
           <a:xfrm>
-            <a:off x="5907164" y="1287787"/>
-            <a:ext cx="0" cy="185398"/>
+            <a:off x="5943712" y="1260379"/>
+            <a:ext cx="1" cy="235260"/>
           </a:xfrm>
           <a:prstGeom prst="straightConnector1">
             <a:avLst/>
@@ -4802,7 +4426,7 @@
         </p:nvSpPr>
         <p:spPr>
           <a:xfrm>
-            <a:off x="5409190" y="1008200"/>
+            <a:off x="5445738" y="980792"/>
             <a:ext cx="995947" cy="279587"/>
           </a:xfrm>
           <a:prstGeom prst="roundRect">
@@ -4858,8 +4482,8 @@
         </p:nvSpPr>
         <p:spPr>
           <a:xfrm>
-            <a:off x="6089279" y="2844433"/>
-            <a:ext cx="2033637" cy="390384"/>
+            <a:off x="5943713" y="2844433"/>
+            <a:ext cx="2179203" cy="390384"/>
           </a:xfrm>
           <a:prstGeom prst="rect">
             <a:avLst/>
@@ -4908,7 +4532,7 @@
                 <a:ea typeface="Open Sans Light" charset="0"/>
                 <a:cs typeface="Open Sans Light"/>
               </a:rPr>
-              <a:t>form processing API</a:t>
+              <a:t>form processing APIs</a:t>
             </a:r>
             <a:endParaRPr lang="en-US" sz="1600" dirty="0">
               <a:latin typeface="Open Sans Light"/>
@@ -4928,8 +4552,8 @@
         </p:nvCxnSpPr>
         <p:spPr>
           <a:xfrm>
-            <a:off x="7448938" y="3198054"/>
-            <a:ext cx="0" cy="290817"/>
+            <a:off x="7448938" y="3171489"/>
+            <a:ext cx="0" cy="304645"/>
           </a:xfrm>
           <a:prstGeom prst="straightConnector1">
             <a:avLst/>
@@ -5006,7 +4630,7 @@
         </p:nvSpPr>
         <p:spPr>
           <a:xfrm>
-            <a:off x="7222048" y="3488871"/>
+            <a:off x="7222048" y="3476134"/>
             <a:ext cx="453779" cy="244184"/>
           </a:xfrm>
           <a:prstGeom prst="can">
@@ -5059,7 +4683,7 @@
         <p:spPr>
           <a:xfrm rot="10800000">
             <a:off x="2109009" y="2413241"/>
-            <a:ext cx="3980271" cy="626384"/>
+            <a:ext cx="3834705" cy="626384"/>
           </a:xfrm>
           <a:prstGeom prst="bentConnector2">
             <a:avLst/>
@@ -5119,13 +4743,404 @@
               </a:rPr>
               <a:t>Compress</a:t>
             </a:r>
-            <a:endParaRPr lang="en-US" sz="1600" i="1" dirty="0" smtClean="0">
-              <a:solidFill>
-                <a:schemeClr val="accent6"/>
-              </a:solidFill>
+          </a:p>
+        </p:txBody>
+      </p:sp>
+      <p:cxnSp>
+        <p:nvCxnSpPr>
+          <p:cNvPr id="70" name="Straight Arrow Connector 4"/>
+          <p:cNvCxnSpPr>
+            <a:stCxn id="58" idx="3"/>
+          </p:cNvCxnSpPr>
+          <p:nvPr/>
+        </p:nvCxnSpPr>
+        <p:spPr>
+          <a:xfrm rot="5400000" flipH="1">
+            <a:off x="3598172" y="-130448"/>
+            <a:ext cx="1476972" cy="6224560"/>
+          </a:xfrm>
+          <a:prstGeom prst="bentConnector4">
+            <a:avLst>
+              <a:gd name="adj1" fmla="val -15478"/>
+              <a:gd name="adj2" fmla="val 99971"/>
+            </a:avLst>
+          </a:prstGeom>
+          <a:ln w="25400">
+            <a:solidFill>
+              <a:schemeClr val="bg1">
+                <a:lumMod val="50000"/>
+              </a:schemeClr>
+            </a:solidFill>
+            <a:tailEnd type="triangle" w="lg" len="lg"/>
+          </a:ln>
+        </p:spPr>
+        <p:style>
+          <a:lnRef idx="1">
+            <a:schemeClr val="accent1"/>
+          </a:lnRef>
+          <a:fillRef idx="0">
+            <a:schemeClr val="accent1"/>
+          </a:fillRef>
+          <a:effectRef idx="0">
+            <a:schemeClr val="accent1"/>
+          </a:effectRef>
+          <a:fontRef idx="minor">
+            <a:schemeClr val="tx1"/>
+          </a:fontRef>
+        </p:style>
+      </p:cxnSp>
+      <p:sp>
+        <p:nvSpPr>
+          <p:cNvPr id="81" name="Rounded Rectangle 80"/>
+          <p:cNvSpPr/>
+          <p:nvPr/>
+        </p:nvSpPr>
+        <p:spPr>
+          <a:xfrm>
+            <a:off x="3110235" y="3334168"/>
+            <a:ext cx="679445" cy="302204"/>
+          </a:xfrm>
+          <a:prstGeom prst="roundRect">
+            <a:avLst/>
+          </a:prstGeom>
+          <a:solidFill>
+            <a:schemeClr val="accent2"/>
+          </a:solidFill>
+          <a:ln>
+            <a:solidFill>
+              <a:schemeClr val="bg1"/>
+            </a:solidFill>
+          </a:ln>
+        </p:spPr>
+        <p:style>
+          <a:lnRef idx="2">
+            <a:schemeClr val="accent1">
+              <a:shade val="50000"/>
+            </a:schemeClr>
+          </a:lnRef>
+          <a:fillRef idx="1">
+            <a:schemeClr val="accent1"/>
+          </a:fillRef>
+          <a:effectRef idx="0">
+            <a:schemeClr val="accent1"/>
+          </a:effectRef>
+          <a:fontRef idx="minor">
+            <a:schemeClr val="lt1"/>
+          </a:fontRef>
+        </p:style>
+        <p:txBody>
+          <a:bodyPr anchor="ctr"/>
+          <a:lstStyle/>
+          <a:p>
+            <a:r>
+              <a:rPr lang="en-US" dirty="0" smtClean="0">
+                <a:latin typeface="Open Sans Light"/>
+                <a:cs typeface="Open Sans Light"/>
+              </a:rPr>
+              <a:t>Email</a:t>
+            </a:r>
+            <a:endParaRPr lang="en-US" dirty="0">
               <a:latin typeface="Open Sans Light"/>
               <a:cs typeface="Open Sans Light"/>
             </a:endParaRPr>
+          </a:p>
+        </p:txBody>
+      </p:sp>
+      <p:cxnSp>
+        <p:nvCxnSpPr>
+          <p:cNvPr id="82" name="Straight Arrow Connector 4"/>
+          <p:cNvCxnSpPr>
+            <a:stCxn id="228" idx="2"/>
+            <a:endCxn id="81" idx="1"/>
+          </p:cNvCxnSpPr>
+          <p:nvPr/>
+        </p:nvCxnSpPr>
+        <p:spPr>
+          <a:xfrm rot="16200000" flipH="1">
+            <a:off x="1718256" y="2093291"/>
+            <a:ext cx="1241922" cy="1542036"/>
+          </a:xfrm>
+          <a:prstGeom prst="bentConnector2">
+            <a:avLst/>
+          </a:prstGeom>
+          <a:ln w="25400">
+            <a:solidFill>
+              <a:srgbClr val="00A9F2"/>
+            </a:solidFill>
+            <a:tailEnd type="triangle" w="lg" len="lg"/>
+          </a:ln>
+        </p:spPr>
+        <p:style>
+          <a:lnRef idx="1">
+            <a:schemeClr val="accent1"/>
+          </a:lnRef>
+          <a:fillRef idx="0">
+            <a:schemeClr val="accent1"/>
+          </a:fillRef>
+          <a:effectRef idx="0">
+            <a:schemeClr val="accent1"/>
+          </a:effectRef>
+          <a:fontRef idx="minor">
+            <a:schemeClr val="tx1"/>
+          </a:fontRef>
+        </p:style>
+      </p:cxnSp>
+      <p:sp>
+        <p:nvSpPr>
+          <p:cNvPr id="139" name="Rounded Rectangle 138"/>
+          <p:cNvSpPr/>
+          <p:nvPr/>
+        </p:nvSpPr>
+        <p:spPr>
+          <a:xfrm>
+            <a:off x="1873109" y="3130532"/>
+            <a:ext cx="1059913" cy="302204"/>
+          </a:xfrm>
+          <a:prstGeom prst="roundRect">
+            <a:avLst/>
+          </a:prstGeom>
+          <a:solidFill>
+            <a:schemeClr val="accent2"/>
+          </a:solidFill>
+          <a:ln>
+            <a:solidFill>
+              <a:schemeClr val="bg1"/>
+            </a:solidFill>
+          </a:ln>
+        </p:spPr>
+        <p:style>
+          <a:lnRef idx="2">
+            <a:schemeClr val="accent1">
+              <a:shade val="50000"/>
+            </a:schemeClr>
+          </a:lnRef>
+          <a:fillRef idx="1">
+            <a:schemeClr val="accent1"/>
+          </a:fillRef>
+          <a:effectRef idx="0">
+            <a:schemeClr val="accent1"/>
+          </a:effectRef>
+          <a:fontRef idx="minor">
+            <a:schemeClr val="lt1"/>
+          </a:fontRef>
+        </p:style>
+        <p:txBody>
+          <a:bodyPr anchor="ctr"/>
+          <a:lstStyle/>
+          <a:p>
+            <a:r>
+              <a:rPr lang="en-US" dirty="0" smtClean="0">
+                <a:latin typeface="Open Sans Light"/>
+                <a:cs typeface="Open Sans Light"/>
+              </a:rPr>
+              <a:t>Instagram</a:t>
+            </a:r>
+            <a:endParaRPr lang="en-US" dirty="0">
+              <a:latin typeface="Open Sans Light"/>
+              <a:cs typeface="Open Sans Light"/>
+            </a:endParaRPr>
+          </a:p>
+        </p:txBody>
+      </p:sp>
+      <p:sp>
+        <p:nvSpPr>
+          <p:cNvPr id="84" name="TextBox 83"/>
+          <p:cNvSpPr txBox="1"/>
+          <p:nvPr/>
+        </p:nvSpPr>
+        <p:spPr>
+          <a:xfrm>
+            <a:off x="7630322" y="3210320"/>
+            <a:ext cx="602240" cy="338554"/>
+          </a:xfrm>
+          <a:prstGeom prst="rect">
+            <a:avLst/>
+          </a:prstGeom>
+          <a:noFill/>
+        </p:spPr>
+        <p:txBody>
+          <a:bodyPr wrap="square" rtlCol="0">
+            <a:spAutoFit/>
+          </a:bodyPr>
+          <a:lstStyle/>
+          <a:p>
+            <a:r>
+              <a:rPr lang="en-US" sz="1600" dirty="0" smtClean="0">
+                <a:latin typeface="Open Sans Light"/>
+                <a:cs typeface="Open Sans Light"/>
+              </a:rPr>
+              <a:t>cart</a:t>
+            </a:r>
+          </a:p>
+        </p:txBody>
+      </p:sp>
+      <p:sp>
+        <p:nvSpPr>
+          <p:cNvPr id="85" name="TextBox 84"/>
+          <p:cNvSpPr txBox="1"/>
+          <p:nvPr/>
+        </p:nvSpPr>
+        <p:spPr>
+          <a:xfrm>
+            <a:off x="6370953" y="3210320"/>
+            <a:ext cx="1112816" cy="338554"/>
+          </a:xfrm>
+          <a:prstGeom prst="rect">
+            <a:avLst/>
+          </a:prstGeom>
+          <a:noFill/>
+        </p:spPr>
+        <p:txBody>
+          <a:bodyPr wrap="square" rtlCol="0">
+            <a:spAutoFit/>
+          </a:bodyPr>
+          <a:lstStyle/>
+          <a:p>
+            <a:r>
+              <a:rPr lang="en-US" sz="1600" dirty="0" smtClean="0">
+                <a:latin typeface="Open Sans Light"/>
+                <a:cs typeface="Open Sans Light"/>
+              </a:rPr>
+              <a:t>register</a:t>
+            </a:r>
+          </a:p>
+        </p:txBody>
+      </p:sp>
+      <p:cxnSp>
+        <p:nvCxnSpPr>
+          <p:cNvPr id="87" name="Straight Arrow Connector 4"/>
+          <p:cNvCxnSpPr>
+            <a:stCxn id="55" idx="3"/>
+          </p:cNvCxnSpPr>
+          <p:nvPr/>
+        </p:nvCxnSpPr>
+        <p:spPr>
+          <a:xfrm>
+            <a:off x="4047869" y="1098805"/>
+            <a:ext cx="200905" cy="116267"/>
+          </a:xfrm>
+          <a:prstGeom prst="straightConnector1">
+            <a:avLst/>
+          </a:prstGeom>
+          <a:ln w="25400">
+            <a:solidFill>
+              <a:schemeClr val="accent6"/>
+            </a:solidFill>
+            <a:tailEnd type="triangle" w="lg" len="lg"/>
+          </a:ln>
+        </p:spPr>
+        <p:style>
+          <a:lnRef idx="1">
+            <a:schemeClr val="accent1"/>
+          </a:lnRef>
+          <a:fillRef idx="0">
+            <a:schemeClr val="accent1"/>
+          </a:fillRef>
+          <a:effectRef idx="0">
+            <a:schemeClr val="accent1"/>
+          </a:effectRef>
+          <a:fontRef idx="minor">
+            <a:schemeClr val="tx1"/>
+          </a:fontRef>
+        </p:style>
+      </p:cxnSp>
+      <p:sp>
+        <p:nvSpPr>
+          <p:cNvPr id="99" name="Display 98"/>
+          <p:cNvSpPr/>
+          <p:nvPr/>
+        </p:nvSpPr>
+        <p:spPr>
+          <a:xfrm>
+            <a:off x="996033" y="189490"/>
+            <a:ext cx="1063051" cy="557850"/>
+          </a:xfrm>
+          <a:prstGeom prst="flowChartDisplay">
+            <a:avLst/>
+          </a:prstGeom>
+          <a:solidFill>
+            <a:srgbClr val="F4A900"/>
+          </a:solidFill>
+          <a:ln>
+            <a:solidFill>
+              <a:schemeClr val="bg1"/>
+            </a:solidFill>
+          </a:ln>
+        </p:spPr>
+        <p:style>
+          <a:lnRef idx="2">
+            <a:schemeClr val="accent1">
+              <a:shade val="50000"/>
+            </a:schemeClr>
+          </a:lnRef>
+          <a:fillRef idx="1">
+            <a:schemeClr val="accent1"/>
+          </a:fillRef>
+          <a:effectRef idx="0">
+            <a:schemeClr val="accent1"/>
+          </a:effectRef>
+          <a:fontRef idx="minor">
+            <a:schemeClr val="lt1"/>
+          </a:fontRef>
+        </p:style>
+        <p:txBody>
+          <a:bodyPr/>
+          <a:lstStyle/>
+          <a:p>
+            <a:pPr algn="ctr"/>
+            <a:endParaRPr lang="en-US" sz="1600" dirty="0">
+              <a:latin typeface="Open Sans Light"/>
+              <a:cs typeface="Open Sans Light"/>
+            </a:endParaRPr>
+          </a:p>
+        </p:txBody>
+      </p:sp>
+      <p:sp>
+        <p:nvSpPr>
+          <p:cNvPr id="100" name="TextBox 99"/>
+          <p:cNvSpPr txBox="1"/>
+          <p:nvPr/>
+        </p:nvSpPr>
+        <p:spPr>
+          <a:xfrm>
+            <a:off x="983614" y="172724"/>
+            <a:ext cx="1003475" cy="584776"/>
+          </a:xfrm>
+          <a:prstGeom prst="rect">
+            <a:avLst/>
+          </a:prstGeom>
+          <a:noFill/>
+        </p:spPr>
+        <p:txBody>
+          <a:bodyPr wrap="square" rtlCol="0">
+            <a:spAutoFit/>
+          </a:bodyPr>
+          <a:lstStyle/>
+          <a:p>
+            <a:pPr algn="ctr"/>
+            <a:r>
+              <a:rPr lang="en-US" sz="1600" dirty="0" smtClean="0">
+                <a:solidFill>
+                  <a:schemeClr val="bg1"/>
+                </a:solidFill>
+                <a:latin typeface="Open Sans Light"/>
+                <a:cs typeface="Open Sans Light"/>
+              </a:rPr>
+              <a:t>text</a:t>
+            </a:r>
+          </a:p>
+          <a:p>
+            <a:pPr algn="ctr"/>
+            <a:r>
+              <a:rPr lang="en-US" sz="1600" dirty="0" smtClean="0">
+                <a:solidFill>
+                  <a:schemeClr val="bg1"/>
+                </a:solidFill>
+                <a:latin typeface="Open Sans Light"/>
+                <a:cs typeface="Open Sans Light"/>
+              </a:rPr>
+              <a:t>editor</a:t>
+            </a:r>
           </a:p>
         </p:txBody>
       </p:sp>
@@ -5556,7 +5571,7 @@
                                 </p:cTn>
                               </p:par>
                               <p:par>
-                                <p:cTn id="37" presetID="1" presetClass="entr" presetSubtype="0" fill="hold" nodeType="withEffect">
+                                <p:cTn id="37" presetID="1" presetClass="entr" presetSubtype="0" fill="hold" grpId="0" nodeType="withEffect">
                                   <p:stCondLst>
                                     <p:cond delay="0"/>
                                   </p:stCondLst>
@@ -5569,7 +5584,7 @@
                                           </p:stCondLst>
                                         </p:cTn>
                                         <p:tgtEl>
-                                          <p:spTgt spid="79"/>
+                                          <p:spTgt spid="100"/>
                                         </p:tgtEl>
                                         <p:attrNameLst>
                                           <p:attrName>style.visibility</p:attrName>
@@ -5596,7 +5611,34 @@
                                           </p:stCondLst>
                                         </p:cTn>
                                         <p:tgtEl>
-                                          <p:spTgt spid="78"/>
+                                          <p:spTgt spid="99"/>
+                                        </p:tgtEl>
+                                        <p:attrNameLst>
+                                          <p:attrName>style.visibility</p:attrName>
+                                        </p:attrNameLst>
+                                      </p:cBhvr>
+                                      <p:to>
+                                        <p:strVal val="visible"/>
+                                      </p:to>
+                                    </p:set>
+                                  </p:childTnLst>
+                                </p:cTn>
+                              </p:par>
+                              <p:par>
+                                <p:cTn id="41" presetID="1" presetClass="entr" presetSubtype="0" fill="hold" nodeType="withEffect">
+                                  <p:stCondLst>
+                                    <p:cond delay="0"/>
+                                  </p:stCondLst>
+                                  <p:childTnLst>
+                                    <p:set>
+                                      <p:cBhvr>
+                                        <p:cTn id="42" dur="1" fill="hold">
+                                          <p:stCondLst>
+                                            <p:cond delay="0"/>
+                                          </p:stCondLst>
+                                        </p:cTn>
+                                        <p:tgtEl>
+                                          <p:spTgt spid="79"/>
                                         </p:tgtEl>
                                         <p:attrNameLst>
                                           <p:attrName>style.visibility</p:attrName>
@@ -5616,26 +5658,26 @@
                     </p:cTn>
                   </p:par>
                   <p:par>
-                    <p:cTn id="41" fill="hold">
+                    <p:cTn id="43" fill="hold">
                       <p:stCondLst>
                         <p:cond delay="indefinite"/>
                       </p:stCondLst>
                       <p:childTnLst>
                         <p:par>
-                          <p:cTn id="42" fill="hold">
+                          <p:cTn id="44" fill="hold">
                             <p:stCondLst>
                               <p:cond delay="0"/>
                             </p:stCondLst>
                             <p:childTnLst>
                               <p:par>
-                                <p:cTn id="43" presetID="1" presetClass="entr" presetSubtype="0" fill="hold" grpId="0" nodeType="clickEffect">
+                                <p:cTn id="45" presetID="1" presetClass="entr" presetSubtype="0" fill="hold" grpId="0" nodeType="clickEffect">
                                   <p:stCondLst>
                                     <p:cond delay="0"/>
                                   </p:stCondLst>
                                   <p:childTnLst>
                                     <p:set>
                                       <p:cBhvr>
-                                        <p:cTn id="44" dur="1" fill="hold">
+                                        <p:cTn id="46" dur="1" fill="hold">
                                           <p:stCondLst>
                                             <p:cond delay="0"/>
                                           </p:stCondLst>
@@ -5655,14 +5697,14 @@
                                 </p:cTn>
                               </p:par>
                               <p:par>
-                                <p:cTn id="45" presetID="1" presetClass="entr" presetSubtype="0" fill="hold" nodeType="withEffect">
+                                <p:cTn id="47" presetID="1" presetClass="entr" presetSubtype="0" fill="hold" nodeType="withEffect">
                                   <p:stCondLst>
                                     <p:cond delay="0"/>
                                   </p:stCondLst>
                                   <p:childTnLst>
                                     <p:set>
                                       <p:cBhvr>
-                                        <p:cTn id="46" dur="1" fill="hold">
+                                        <p:cTn id="48" dur="1" fill="hold">
                                           <p:stCondLst>
                                             <p:cond delay="0"/>
                                           </p:stCondLst>
@@ -5688,26 +5730,26 @@
                     </p:cTn>
                   </p:par>
                   <p:par>
-                    <p:cTn id="47" fill="hold">
+                    <p:cTn id="49" fill="hold">
                       <p:stCondLst>
                         <p:cond delay="indefinite"/>
                       </p:stCondLst>
                       <p:childTnLst>
                         <p:par>
-                          <p:cTn id="48" fill="hold">
+                          <p:cTn id="50" fill="hold">
                             <p:stCondLst>
                               <p:cond delay="0"/>
                             </p:stCondLst>
                             <p:childTnLst>
                               <p:par>
-                                <p:cTn id="49" presetID="1" presetClass="entr" presetSubtype="0" fill="hold" grpId="0" nodeType="clickEffect">
+                                <p:cTn id="51" presetID="1" presetClass="entr" presetSubtype="0" fill="hold" grpId="0" nodeType="clickEffect">
                                   <p:stCondLst>
                                     <p:cond delay="0"/>
                                   </p:stCondLst>
                                   <p:childTnLst>
                                     <p:set>
                                       <p:cBhvr>
-                                        <p:cTn id="50" dur="1" fill="hold">
+                                        <p:cTn id="52" dur="1" fill="hold">
                                           <p:stCondLst>
                                             <p:cond delay="0"/>
                                           </p:stCondLst>
@@ -5727,14 +5769,14 @@
                                 </p:cTn>
                               </p:par>
                               <p:par>
-                                <p:cTn id="51" presetID="1" presetClass="entr" presetSubtype="0" fill="hold" nodeType="withEffect">
+                                <p:cTn id="53" presetID="1" presetClass="entr" presetSubtype="0" fill="hold" nodeType="withEffect">
                                   <p:stCondLst>
                                     <p:cond delay="0"/>
                                   </p:stCondLst>
                                   <p:childTnLst>
                                     <p:set>
                                       <p:cBhvr>
-                                        <p:cTn id="52" dur="1" fill="hold">
+                                        <p:cTn id="54" dur="1" fill="hold">
                                           <p:stCondLst>
                                             <p:cond delay="0"/>
                                           </p:stCondLst>
@@ -5760,26 +5802,26 @@
                     </p:cTn>
                   </p:par>
                   <p:par>
-                    <p:cTn id="53" fill="hold">
+                    <p:cTn id="55" fill="hold">
                       <p:stCondLst>
                         <p:cond delay="indefinite"/>
                       </p:stCondLst>
                       <p:childTnLst>
                         <p:par>
-                          <p:cTn id="54" fill="hold">
+                          <p:cTn id="56" fill="hold">
                             <p:stCondLst>
                               <p:cond delay="0"/>
                             </p:stCondLst>
                             <p:childTnLst>
                               <p:par>
-                                <p:cTn id="55" presetID="1" presetClass="entr" presetSubtype="0" fill="hold" nodeType="clickEffect">
+                                <p:cTn id="57" presetID="1" presetClass="entr" presetSubtype="0" fill="hold" nodeType="clickEffect">
                                   <p:stCondLst>
                                     <p:cond delay="0"/>
                                   </p:stCondLst>
                                   <p:childTnLst>
                                     <p:set>
                                       <p:cBhvr>
-                                        <p:cTn id="56" dur="1" fill="hold">
+                                        <p:cTn id="58" dur="1" fill="hold">
                                           <p:stCondLst>
                                             <p:cond delay="0"/>
                                           </p:stCondLst>
@@ -5805,26 +5847,26 @@
                     </p:cTn>
                   </p:par>
                   <p:par>
-                    <p:cTn id="57" fill="hold">
+                    <p:cTn id="59" fill="hold">
                       <p:stCondLst>
                         <p:cond delay="indefinite"/>
                       </p:stCondLst>
                       <p:childTnLst>
                         <p:par>
-                          <p:cTn id="58" fill="hold">
+                          <p:cTn id="60" fill="hold">
                             <p:stCondLst>
                               <p:cond delay="0"/>
                             </p:stCondLst>
                             <p:childTnLst>
                               <p:par>
-                                <p:cTn id="59" presetID="1" presetClass="entr" presetSubtype="0" fill="hold" grpId="0" nodeType="clickEffect">
+                                <p:cTn id="61" presetID="1" presetClass="entr" presetSubtype="0" fill="hold" grpId="0" nodeType="clickEffect">
                                   <p:stCondLst>
                                     <p:cond delay="0"/>
                                   </p:stCondLst>
                                   <p:childTnLst>
                                     <p:set>
                                       <p:cBhvr>
-                                        <p:cTn id="60" dur="1" fill="hold">
+                                        <p:cTn id="62" dur="1" fill="hold">
                                           <p:stCondLst>
                                             <p:cond delay="0"/>
                                           </p:stCondLst>
@@ -5850,26 +5892,26 @@
                     </p:cTn>
                   </p:par>
                   <p:par>
-                    <p:cTn id="61" fill="hold">
+                    <p:cTn id="63" fill="hold">
                       <p:stCondLst>
                         <p:cond delay="indefinite"/>
                       </p:stCondLst>
                       <p:childTnLst>
                         <p:par>
-                          <p:cTn id="62" fill="hold">
+                          <p:cTn id="64" fill="hold">
                             <p:stCondLst>
                               <p:cond delay="0"/>
                             </p:stCondLst>
                             <p:childTnLst>
                               <p:par>
-                                <p:cTn id="63" presetID="1" presetClass="entr" presetSubtype="0" fill="hold" grpId="0" nodeType="clickEffect">
+                                <p:cTn id="65" presetID="1" presetClass="entr" presetSubtype="0" fill="hold" grpId="0" nodeType="clickEffect">
                                   <p:stCondLst>
                                     <p:cond delay="0"/>
                                   </p:stCondLst>
                                   <p:childTnLst>
                                     <p:set>
                                       <p:cBhvr>
-                                        <p:cTn id="64" dur="1" fill="hold">
+                                        <p:cTn id="66" dur="1" fill="hold">
                                           <p:stCondLst>
                                             <p:cond delay="0"/>
                                           </p:stCondLst>
@@ -5889,14 +5931,14 @@
                                 </p:cTn>
                               </p:par>
                               <p:par>
-                                <p:cTn id="65" presetID="1" presetClass="entr" presetSubtype="0" fill="hold" nodeType="withEffect">
+                                <p:cTn id="67" presetID="1" presetClass="entr" presetSubtype="0" fill="hold" nodeType="withEffect">
                                   <p:stCondLst>
                                     <p:cond delay="0"/>
                                   </p:stCondLst>
                                   <p:childTnLst>
                                     <p:set>
                                       <p:cBhvr>
-                                        <p:cTn id="66" dur="1" fill="hold">
+                                        <p:cTn id="68" dur="1" fill="hold">
                                           <p:stCondLst>
                                             <p:cond delay="0"/>
                                           </p:stCondLst>
@@ -5922,26 +5964,26 @@
                     </p:cTn>
                   </p:par>
                   <p:par>
-                    <p:cTn id="67" fill="hold">
+                    <p:cTn id="69" fill="hold">
                       <p:stCondLst>
                         <p:cond delay="indefinite"/>
                       </p:stCondLst>
                       <p:childTnLst>
                         <p:par>
-                          <p:cTn id="68" fill="hold">
+                          <p:cTn id="70" fill="hold">
                             <p:stCondLst>
                               <p:cond delay="0"/>
                             </p:stCondLst>
                             <p:childTnLst>
                               <p:par>
-                                <p:cTn id="69" presetID="1" presetClass="entr" presetSubtype="0" fill="hold" grpId="0" nodeType="clickEffect">
+                                <p:cTn id="71" presetID="1" presetClass="entr" presetSubtype="0" fill="hold" grpId="0" nodeType="clickEffect">
                                   <p:stCondLst>
                                     <p:cond delay="0"/>
                                   </p:stCondLst>
                                   <p:childTnLst>
                                     <p:set>
                                       <p:cBhvr>
-                                        <p:cTn id="70" dur="1" fill="hold">
+                                        <p:cTn id="72" dur="1" fill="hold">
                                           <p:stCondLst>
                                             <p:cond delay="0"/>
                                           </p:stCondLst>
@@ -5967,46 +6009,19 @@
                     </p:cTn>
                   </p:par>
                   <p:par>
-                    <p:cTn id="71" fill="hold">
+                    <p:cTn id="73" fill="hold">
                       <p:stCondLst>
                         <p:cond delay="indefinite"/>
                       </p:stCondLst>
                       <p:childTnLst>
                         <p:par>
-                          <p:cTn id="72" fill="hold">
+                          <p:cTn id="74" fill="hold">
                             <p:stCondLst>
                               <p:cond delay="0"/>
                             </p:stCondLst>
                             <p:childTnLst>
                               <p:par>
-                                <p:cTn id="73" presetID="1" presetClass="entr" presetSubtype="0" fill="hold" grpId="0" nodeType="clickEffect">
-                                  <p:stCondLst>
-                                    <p:cond delay="0"/>
-                                  </p:stCondLst>
-                                  <p:childTnLst>
-                                    <p:set>
-                                      <p:cBhvr>
-                                        <p:cTn id="74" dur="1" fill="hold">
-                                          <p:stCondLst>
-                                            <p:cond delay="0"/>
-                                          </p:stCondLst>
-                                        </p:cTn>
-                                        <p:tgtEl>
-                                          <p:spTgt spid="119"/>
-                                        </p:tgtEl>
-                                        <p:attrNameLst>
-                                          <p:attrName>style.visibility</p:attrName>
-                                        </p:attrNameLst>
-                                      </p:cBhvr>
-                                      <p:to>
-                                        <p:strVal val="visible"/>
-                                      </p:to>
-                                    </p:set>
-                                  </p:childTnLst>
-                                </p:cTn>
-                              </p:par>
-                              <p:par>
-                                <p:cTn id="75" presetID="1" presetClass="entr" presetSubtype="0" fill="hold" nodeType="withEffect">
+                                <p:cTn id="75" presetID="1" presetClass="entr" presetSubtype="0" fill="hold" grpId="0" nodeType="clickEffect">
                                   <p:stCondLst>
                                     <p:cond delay="0"/>
                                   </p:stCondLst>
@@ -6019,7 +6034,7 @@
                                           </p:stCondLst>
                                         </p:cTn>
                                         <p:tgtEl>
-                                          <p:spTgt spid="113"/>
+                                          <p:spTgt spid="86"/>
                                         </p:tgtEl>
                                         <p:attrNameLst>
                                           <p:attrName>style.visibility</p:attrName>
@@ -6064,6 +6079,78 @@
                                           </p:stCondLst>
                                         </p:cTn>
                                         <p:tgtEl>
+                                          <p:spTgt spid="119"/>
+                                        </p:tgtEl>
+                                        <p:attrNameLst>
+                                          <p:attrName>style.visibility</p:attrName>
+                                        </p:attrNameLst>
+                                      </p:cBhvr>
+                                      <p:to>
+                                        <p:strVal val="visible"/>
+                                      </p:to>
+                                    </p:set>
+                                  </p:childTnLst>
+                                </p:cTn>
+                              </p:par>
+                              <p:par>
+                                <p:cTn id="81" presetID="1" presetClass="entr" presetSubtype="0" fill="hold" nodeType="withEffect">
+                                  <p:stCondLst>
+                                    <p:cond delay="0"/>
+                                  </p:stCondLst>
+                                  <p:childTnLst>
+                                    <p:set>
+                                      <p:cBhvr>
+                                        <p:cTn id="82" dur="1" fill="hold">
+                                          <p:stCondLst>
+                                            <p:cond delay="0"/>
+                                          </p:stCondLst>
+                                        </p:cTn>
+                                        <p:tgtEl>
+                                          <p:spTgt spid="113"/>
+                                        </p:tgtEl>
+                                        <p:attrNameLst>
+                                          <p:attrName>style.visibility</p:attrName>
+                                        </p:attrNameLst>
+                                      </p:cBhvr>
+                                      <p:to>
+                                        <p:strVal val="visible"/>
+                                      </p:to>
+                                    </p:set>
+                                  </p:childTnLst>
+                                </p:cTn>
+                              </p:par>
+                            </p:childTnLst>
+                          </p:cTn>
+                        </p:par>
+                      </p:childTnLst>
+                    </p:cTn>
+                  </p:par>
+                  <p:par>
+                    <p:cTn id="83" fill="hold">
+                      <p:stCondLst>
+                        <p:cond delay="indefinite"/>
+                      </p:stCondLst>
+                      <p:childTnLst>
+                        <p:par>
+                          <p:cTn id="84" fill="hold">
+                            <p:stCondLst>
+                              <p:cond delay="0"/>
+                            </p:stCondLst>
+                            <p:childTnLst>
+                              <p:par>
+                                <p:cTn id="85" presetID="1" presetClass="entr" presetSubtype="0" fill="hold" grpId="0" nodeType="clickEffect">
+                                  <p:stCondLst>
+                                    <p:cond delay="0"/>
+                                  </p:stCondLst>
+                                  <p:childTnLst>
+                                    <p:set>
+                                      <p:cBhvr>
+                                        <p:cTn id="86" dur="1" fill="hold">
+                                          <p:stCondLst>
+                                            <p:cond delay="0"/>
+                                          </p:stCondLst>
+                                        </p:cTn>
+                                        <p:tgtEl>
                                           <p:spTgt spid="117"/>
                                         </p:tgtEl>
                                         <p:attrNameLst>
@@ -6084,26 +6171,26 @@
                     </p:cTn>
                   </p:par>
                   <p:par>
-                    <p:cTn id="81" fill="hold">
+                    <p:cTn id="87" fill="hold">
                       <p:stCondLst>
                         <p:cond delay="indefinite"/>
                       </p:stCondLst>
                       <p:childTnLst>
                         <p:par>
-                          <p:cTn id="82" fill="hold">
+                          <p:cTn id="88" fill="hold">
                             <p:stCondLst>
                               <p:cond delay="0"/>
                             </p:stCondLst>
                             <p:childTnLst>
                               <p:par>
-                                <p:cTn id="83" presetID="1" presetClass="entr" presetSubtype="0" fill="hold" grpId="0" nodeType="clickEffect">
+                                <p:cTn id="89" presetID="1" presetClass="entr" presetSubtype="0" fill="hold" grpId="0" nodeType="clickEffect">
                                   <p:stCondLst>
                                     <p:cond delay="0"/>
                                   </p:stCondLst>
                                   <p:childTnLst>
                                     <p:set>
                                       <p:cBhvr>
-                                        <p:cTn id="84" dur="1" fill="hold">
+                                        <p:cTn id="90" dur="1" fill="hold">
                                           <p:stCondLst>
                                             <p:cond delay="0"/>
                                           </p:stCondLst>
@@ -6129,26 +6216,26 @@
                     </p:cTn>
                   </p:par>
                   <p:par>
-                    <p:cTn id="85" fill="hold">
+                    <p:cTn id="91" fill="hold">
                       <p:stCondLst>
                         <p:cond delay="indefinite"/>
                       </p:stCondLst>
                       <p:childTnLst>
                         <p:par>
-                          <p:cTn id="86" fill="hold">
+                          <p:cTn id="92" fill="hold">
                             <p:stCondLst>
                               <p:cond delay="0"/>
                             </p:stCondLst>
                             <p:childTnLst>
                               <p:par>
-                                <p:cTn id="87" presetID="1" presetClass="entr" presetSubtype="0" fill="hold" grpId="0" nodeType="clickEffect">
+                                <p:cTn id="93" presetID="1" presetClass="entr" presetSubtype="0" fill="hold" grpId="0" nodeType="clickEffect">
                                   <p:stCondLst>
                                     <p:cond delay="0"/>
                                   </p:stCondLst>
                                   <p:childTnLst>
                                     <p:set>
                                       <p:cBhvr>
-                                        <p:cTn id="88" dur="1" fill="hold">
+                                        <p:cTn id="94" dur="1" fill="hold">
                                           <p:stCondLst>
                                             <p:cond delay="0"/>
                                           </p:stCondLst>
@@ -6174,91 +6261,19 @@
                     </p:cTn>
                   </p:par>
                   <p:par>
-                    <p:cTn id="89" fill="hold">
+                    <p:cTn id="95" fill="hold">
                       <p:stCondLst>
                         <p:cond delay="indefinite"/>
                       </p:stCondLst>
                       <p:childTnLst>
                         <p:par>
-                          <p:cTn id="90" fill="hold">
+                          <p:cTn id="96" fill="hold">
                             <p:stCondLst>
                               <p:cond delay="0"/>
                             </p:stCondLst>
                             <p:childTnLst>
                               <p:par>
-                                <p:cTn id="91" presetID="1" presetClass="entr" presetSubtype="0" fill="hold" nodeType="clickEffect">
-                                  <p:stCondLst>
-                                    <p:cond delay="0"/>
-                                  </p:stCondLst>
-                                  <p:childTnLst>
-                                    <p:set>
-                                      <p:cBhvr>
-                                        <p:cTn id="92" dur="1" fill="hold">
-                                          <p:stCondLst>
-                                            <p:cond delay="0"/>
-                                          </p:stCondLst>
-                                        </p:cTn>
-                                        <p:tgtEl>
-                                          <p:spTgt spid="204"/>
-                                        </p:tgtEl>
-                                        <p:attrNameLst>
-                                          <p:attrName>style.visibility</p:attrName>
-                                        </p:attrNameLst>
-                                      </p:cBhvr>
-                                      <p:to>
-                                        <p:strVal val="visible"/>
-                                      </p:to>
-                                    </p:set>
-                                  </p:childTnLst>
-                                </p:cTn>
-                              </p:par>
-                            </p:childTnLst>
-                          </p:cTn>
-                        </p:par>
-                      </p:childTnLst>
-                    </p:cTn>
-                  </p:par>
-                  <p:par>
-                    <p:cTn id="93" fill="hold">
-                      <p:stCondLst>
-                        <p:cond delay="indefinite"/>
-                      </p:stCondLst>
-                      <p:childTnLst>
-                        <p:par>
-                          <p:cTn id="94" fill="hold">
-                            <p:stCondLst>
-                              <p:cond delay="0"/>
-                            </p:stCondLst>
-                            <p:childTnLst>
-                              <p:par>
-                                <p:cTn id="95" presetID="1" presetClass="entr" presetSubtype="0" fill="hold" grpId="0" nodeType="clickEffect">
-                                  <p:stCondLst>
-                                    <p:cond delay="0"/>
-                                  </p:stCondLst>
-                                  <p:childTnLst>
-                                    <p:set>
-                                      <p:cBhvr>
-                                        <p:cTn id="96" dur="1" fill="hold">
-                                          <p:stCondLst>
-                                            <p:cond delay="0"/>
-                                          </p:stCondLst>
-                                        </p:cTn>
-                                        <p:tgtEl>
-                                          <p:spTgt spid="55"/>
-                                        </p:tgtEl>
-                                        <p:attrNameLst>
-                                          <p:attrName>style.visibility</p:attrName>
-                                        </p:attrNameLst>
-                                      </p:cBhvr>
-                                      <p:to>
-                                        <p:strVal val="visible"/>
-                                      </p:to>
-                                    </p:set>
-                                  </p:childTnLst>
-                                </p:cTn>
-                              </p:par>
-                              <p:par>
-                                <p:cTn id="97" presetID="1" presetClass="entr" presetSubtype="0" fill="hold" nodeType="withEffect">
+                                <p:cTn id="97" presetID="1" presetClass="entr" presetSubtype="0" fill="hold" nodeType="clickEffect">
                                   <p:stCondLst>
                                     <p:cond delay="0"/>
                                   </p:stCondLst>
@@ -6271,7 +6286,7 @@
                                           </p:stCondLst>
                                         </p:cTn>
                                         <p:tgtEl>
-                                          <p:spTgt spid="63"/>
+                                          <p:spTgt spid="204"/>
                                         </p:tgtEl>
                                         <p:attrNameLst>
                                           <p:attrName>style.visibility</p:attrName>
@@ -6316,7 +6331,7 @@
                                           </p:stCondLst>
                                         </p:cTn>
                                         <p:tgtEl>
-                                          <p:spTgt spid="66"/>
+                                          <p:spTgt spid="55"/>
                                         </p:tgtEl>
                                         <p:attrNameLst>
                                           <p:attrName>style.visibility</p:attrName>
@@ -6343,7 +6358,7 @@
                                           </p:stCondLst>
                                         </p:cTn>
                                         <p:tgtEl>
-                                          <p:spTgt spid="68"/>
+                                          <p:spTgt spid="63"/>
                                         </p:tgtEl>
                                         <p:attrNameLst>
                                           <p:attrName>style.visibility</p:attrName>
@@ -6370,6 +6385,33 @@
                                           </p:stCondLst>
                                         </p:cTn>
                                         <p:tgtEl>
+                                          <p:spTgt spid="87"/>
+                                        </p:tgtEl>
+                                        <p:attrNameLst>
+                                          <p:attrName>style.visibility</p:attrName>
+                                        </p:attrNameLst>
+                                      </p:cBhvr>
+                                      <p:to>
+                                        <p:strVal val="visible"/>
+                                      </p:to>
+                                    </p:set>
+                                  </p:childTnLst>
+                                </p:cTn>
+                              </p:par>
+                              <p:par>
+                                <p:cTn id="107" presetID="1" presetClass="entr" presetSubtype="0" fill="hold" nodeType="withEffect">
+                                  <p:stCondLst>
+                                    <p:cond delay="0"/>
+                                  </p:stCondLst>
+                                  <p:childTnLst>
+                                    <p:set>
+                                      <p:cBhvr>
+                                        <p:cTn id="108" dur="1" fill="hold">
+                                          <p:stCondLst>
+                                            <p:cond delay="0"/>
+                                          </p:stCondLst>
+                                        </p:cTn>
+                                        <p:tgtEl>
                                           <p:spTgt spid="166"/>
                                         </p:tgtEl>
                                         <p:attrNameLst>
@@ -6390,26 +6432,80 @@
                     </p:cTn>
                   </p:par>
                   <p:par>
-                    <p:cTn id="107" fill="hold">
+                    <p:cTn id="109" fill="hold">
                       <p:stCondLst>
                         <p:cond delay="indefinite"/>
                       </p:stCondLst>
                       <p:childTnLst>
                         <p:par>
-                          <p:cTn id="108" fill="hold">
+                          <p:cTn id="110" fill="hold">
                             <p:stCondLst>
                               <p:cond delay="0"/>
                             </p:stCondLst>
                             <p:childTnLst>
                               <p:par>
-                                <p:cTn id="109" presetID="1" presetClass="entr" presetSubtype="0" fill="hold" nodeType="clickEffect">
+                                <p:cTn id="111" presetID="1" presetClass="entr" presetSubtype="0" fill="hold" grpId="0" nodeType="clickEffect">
                                   <p:stCondLst>
                                     <p:cond delay="0"/>
                                   </p:stCondLst>
                                   <p:childTnLst>
                                     <p:set>
                                       <p:cBhvr>
-                                        <p:cTn id="110" dur="1" fill="hold">
+                                        <p:cTn id="112" dur="1" fill="hold">
+                                          <p:stCondLst>
+                                            <p:cond delay="0"/>
+                                          </p:stCondLst>
+                                        </p:cTn>
+                                        <p:tgtEl>
+                                          <p:spTgt spid="66"/>
+                                        </p:tgtEl>
+                                        <p:attrNameLst>
+                                          <p:attrName>style.visibility</p:attrName>
+                                        </p:attrNameLst>
+                                      </p:cBhvr>
+                                      <p:to>
+                                        <p:strVal val="visible"/>
+                                      </p:to>
+                                    </p:set>
+                                  </p:childTnLst>
+                                </p:cTn>
+                              </p:par>
+                              <p:par>
+                                <p:cTn id="113" presetID="1" presetClass="entr" presetSubtype="0" fill="hold" nodeType="withEffect">
+                                  <p:stCondLst>
+                                    <p:cond delay="0"/>
+                                  </p:stCondLst>
+                                  <p:childTnLst>
+                                    <p:set>
+                                      <p:cBhvr>
+                                        <p:cTn id="114" dur="1" fill="hold">
+                                          <p:stCondLst>
+                                            <p:cond delay="0"/>
+                                          </p:stCondLst>
+                                        </p:cTn>
+                                        <p:tgtEl>
+                                          <p:spTgt spid="68"/>
+                                        </p:tgtEl>
+                                        <p:attrNameLst>
+                                          <p:attrName>style.visibility</p:attrName>
+                                        </p:attrNameLst>
+                                      </p:cBhvr>
+                                      <p:to>
+                                        <p:strVal val="visible"/>
+                                      </p:to>
+                                    </p:set>
+                                  </p:childTnLst>
+                                </p:cTn>
+                              </p:par>
+                              <p:par>
+                                <p:cTn id="115" presetID="1" presetClass="entr" presetSubtype="0" fill="hold" nodeType="withEffect">
+                                  <p:stCondLst>
+                                    <p:cond delay="0"/>
+                                  </p:stCondLst>
+                                  <p:childTnLst>
+                                    <p:set>
+                                      <p:cBhvr>
+                                        <p:cTn id="116" dur="1" fill="hold">
                                           <p:stCondLst>
                                             <p:cond delay="0"/>
                                           </p:stCondLst>
@@ -6435,86 +6531,32 @@
                     </p:cTn>
                   </p:par>
                   <p:par>
-                    <p:cTn id="111" fill="hold">
+                    <p:cTn id="117" fill="hold">
                       <p:stCondLst>
                         <p:cond delay="indefinite"/>
                       </p:stCondLst>
                       <p:childTnLst>
                         <p:par>
-                          <p:cTn id="112" fill="hold">
+                          <p:cTn id="118" fill="hold">
                             <p:stCondLst>
                               <p:cond delay="0"/>
                             </p:stCondLst>
                             <p:childTnLst>
                               <p:par>
-                                <p:cTn id="113" presetID="1" presetClass="entr" presetSubtype="0" fill="hold" grpId="0" nodeType="clickEffect">
+                                <p:cTn id="119" presetID="1" presetClass="entr" presetSubtype="0" fill="hold" nodeType="clickEffect">
                                   <p:stCondLst>
                                     <p:cond delay="0"/>
                                   </p:stCondLst>
                                   <p:childTnLst>
                                     <p:set>
                                       <p:cBhvr>
-                                        <p:cTn id="114" dur="1" fill="hold">
+                                        <p:cTn id="120" dur="1" fill="hold">
                                           <p:stCondLst>
                                             <p:cond delay="0"/>
                                           </p:stCondLst>
                                         </p:cTn>
                                         <p:tgtEl>
-                                          <p:spTgt spid="139"/>
-                                        </p:tgtEl>
-                                        <p:attrNameLst>
-                                          <p:attrName>style.visibility</p:attrName>
-                                        </p:attrNameLst>
-                                      </p:cBhvr>
-                                      <p:to>
-                                        <p:strVal val="visible"/>
-                                      </p:to>
-                                    </p:set>
-                                  </p:childTnLst>
-                                </p:cTn>
-                              </p:par>
-                              <p:par>
-                                <p:cTn id="115" presetID="1" presetClass="entr" presetSubtype="0" fill="hold" grpId="0" nodeType="withEffect">
-                                  <p:stCondLst>
-                                    <p:cond delay="0"/>
-                                  </p:stCondLst>
-                                  <p:childTnLst>
-                                    <p:set>
-                                      <p:cBhvr>
-                                        <p:cTn id="116" dur="1" fill="hold">
-                                          <p:stCondLst>
-                                            <p:cond delay="0"/>
-                                          </p:stCondLst>
-                                        </p:cTn>
-                                        <p:tgtEl>
-                                          <p:spTgt spid="140"/>
-                                        </p:tgtEl>
-                                        <p:attrNameLst>
-                                          <p:attrName>style.visibility</p:attrName>
-                                        </p:attrNameLst>
-                                      </p:cBhvr>
-                                      <p:to>
-                                        <p:strVal val="visible"/>
-                                      </p:to>
-                                    </p:set>
-                                  </p:childTnLst>
-                                </p:cTn>
-                              </p:par>
-                              <p:par>
-                                <p:cTn id="117" presetID="1" presetClass="entr" presetSubtype="0" fill="hold" nodeType="withEffect">
-                                  <p:stCondLst>
-                                    <p:cond delay="0"/>
-                                  </p:stCondLst>
-                                  <p:childTnLst>
-                                    <p:set>
-                                      <p:cBhvr>
-                                        <p:cTn id="118" dur="1" fill="hold">
-                                          <p:stCondLst>
-                                            <p:cond delay="0"/>
-                                          </p:stCondLst>
-                                        </p:cTn>
-                                        <p:tgtEl>
-                                          <p:spTgt spid="229"/>
+                                          <p:spTgt spid="65"/>
                                         </p:tgtEl>
                                         <p:attrNameLst>
                                           <p:attrName>style.visibility</p:attrName>
@@ -6534,46 +6576,19 @@
                     </p:cTn>
                   </p:par>
                   <p:par>
-                    <p:cTn id="119" fill="hold">
+                    <p:cTn id="121" fill="hold">
                       <p:stCondLst>
                         <p:cond delay="indefinite"/>
                       </p:stCondLst>
                       <p:childTnLst>
                         <p:par>
-                          <p:cTn id="120" fill="hold">
+                          <p:cTn id="122" fill="hold">
                             <p:stCondLst>
                               <p:cond delay="0"/>
                             </p:stCondLst>
                             <p:childTnLst>
                               <p:par>
-                                <p:cTn id="121" presetID="1" presetClass="entr" presetSubtype="0" fill="hold" grpId="0" nodeType="clickEffect">
-                                  <p:stCondLst>
-                                    <p:cond delay="0"/>
-                                  </p:stCondLst>
-                                  <p:childTnLst>
-                                    <p:set>
-                                      <p:cBhvr>
-                                        <p:cTn id="122" dur="1" fill="hold">
-                                          <p:stCondLst>
-                                            <p:cond delay="0"/>
-                                          </p:stCondLst>
-                                        </p:cTn>
-                                        <p:tgtEl>
-                                          <p:spTgt spid="142"/>
-                                        </p:tgtEl>
-                                        <p:attrNameLst>
-                                          <p:attrName>style.visibility</p:attrName>
-                                        </p:attrNameLst>
-                                      </p:cBhvr>
-                                      <p:to>
-                                        <p:strVal val="visible"/>
-                                      </p:to>
-                                    </p:set>
-                                  </p:childTnLst>
-                                </p:cTn>
-                              </p:par>
-                              <p:par>
-                                <p:cTn id="123" presetID="1" presetClass="entr" presetSubtype="0" fill="hold" grpId="0" nodeType="withEffect">
+                                <p:cTn id="123" presetID="1" presetClass="entr" presetSubtype="0" fill="hold" grpId="0" nodeType="clickEffect">
                                   <p:stCondLst>
                                     <p:cond delay="0"/>
                                   </p:stCondLst>
@@ -6586,7 +6601,7 @@
                                           </p:stCondLst>
                                         </p:cTn>
                                         <p:tgtEl>
-                                          <p:spTgt spid="145"/>
+                                          <p:spTgt spid="57"/>
                                         </p:tgtEl>
                                         <p:attrNameLst>
                                           <p:attrName>style.visibility</p:attrName>
@@ -6613,34 +6628,7 @@
                                           </p:stCondLst>
                                         </p:cTn>
                                         <p:tgtEl>
-                                          <p:spTgt spid="144"/>
-                                        </p:tgtEl>
-                                        <p:attrNameLst>
-                                          <p:attrName>style.visibility</p:attrName>
-                                        </p:attrNameLst>
-                                      </p:cBhvr>
-                                      <p:to>
-                                        <p:strVal val="visible"/>
-                                      </p:to>
-                                    </p:set>
-                                  </p:childTnLst>
-                                </p:cTn>
-                              </p:par>
-                              <p:par>
-                                <p:cTn id="127" presetID="1" presetClass="entr" presetSubtype="0" fill="hold" nodeType="withEffect">
-                                  <p:stCondLst>
-                                    <p:cond delay="0"/>
-                                  </p:stCondLst>
-                                  <p:childTnLst>
-                                    <p:set>
-                                      <p:cBhvr>
-                                        <p:cTn id="128" dur="1" fill="hold">
-                                          <p:stCondLst>
-                                            <p:cond delay="0"/>
-                                          </p:stCondLst>
-                                        </p:cTn>
-                                        <p:tgtEl>
-                                          <p:spTgt spid="147"/>
+                                          <p:spTgt spid="59"/>
                                         </p:tgtEl>
                                         <p:attrNameLst>
                                           <p:attrName>style.visibility</p:attrName>
@@ -6660,19 +6648,46 @@
                     </p:cTn>
                   </p:par>
                   <p:par>
-                    <p:cTn id="129" fill="hold">
+                    <p:cTn id="127" fill="hold">
                       <p:stCondLst>
                         <p:cond delay="indefinite"/>
                       </p:stCondLst>
                       <p:childTnLst>
                         <p:par>
-                          <p:cTn id="130" fill="hold">
+                          <p:cTn id="128" fill="hold">
                             <p:stCondLst>
                               <p:cond delay="0"/>
                             </p:stCondLst>
                             <p:childTnLst>
                               <p:par>
-                                <p:cTn id="131" presetID="1" presetClass="entr" presetSubtype="0" fill="hold" grpId="0" nodeType="clickEffect">
+                                <p:cTn id="129" presetID="1" presetClass="entr" presetSubtype="0" fill="hold" grpId="0" nodeType="clickEffect">
+                                  <p:stCondLst>
+                                    <p:cond delay="0"/>
+                                  </p:stCondLst>
+                                  <p:childTnLst>
+                                    <p:set>
+                                      <p:cBhvr>
+                                        <p:cTn id="130" dur="1" fill="hold">
+                                          <p:stCondLst>
+                                            <p:cond delay="0"/>
+                                          </p:stCondLst>
+                                        </p:cTn>
+                                        <p:tgtEl>
+                                          <p:spTgt spid="58"/>
+                                        </p:tgtEl>
+                                        <p:attrNameLst>
+                                          <p:attrName>style.visibility</p:attrName>
+                                        </p:attrNameLst>
+                                      </p:cBhvr>
+                                      <p:to>
+                                        <p:strVal val="visible"/>
+                                      </p:to>
+                                    </p:set>
+                                  </p:childTnLst>
+                                </p:cTn>
+                              </p:par>
+                              <p:par>
+                                <p:cTn id="131" presetID="1" presetClass="entr" presetSubtype="0" fill="hold" nodeType="withEffect">
                                   <p:stCondLst>
                                     <p:cond delay="0"/>
                                   </p:stCondLst>
@@ -6680,6 +6695,123 @@
                                     <p:set>
                                       <p:cBhvr>
                                         <p:cTn id="132" dur="1" fill="hold">
+                                          <p:stCondLst>
+                                            <p:cond delay="0"/>
+                                          </p:stCondLst>
+                                        </p:cTn>
+                                        <p:tgtEl>
+                                          <p:spTgt spid="60"/>
+                                        </p:tgtEl>
+                                        <p:attrNameLst>
+                                          <p:attrName>style.visibility</p:attrName>
+                                        </p:attrNameLst>
+                                      </p:cBhvr>
+                                      <p:to>
+                                        <p:strVal val="visible"/>
+                                      </p:to>
+                                    </p:set>
+                                  </p:childTnLst>
+                                </p:cTn>
+                              </p:par>
+                              <p:par>
+                                <p:cTn id="133" presetID="1" presetClass="entr" presetSubtype="0" fill="hold" grpId="0" nodeType="withEffect">
+                                  <p:stCondLst>
+                                    <p:cond delay="0"/>
+                                  </p:stCondLst>
+                                  <p:childTnLst>
+                                    <p:set>
+                                      <p:cBhvr>
+                                        <p:cTn id="134" dur="1" fill="hold">
+                                          <p:stCondLst>
+                                            <p:cond delay="0"/>
+                                          </p:stCondLst>
+                                        </p:cTn>
+                                        <p:tgtEl>
+                                          <p:spTgt spid="85"/>
+                                        </p:tgtEl>
+                                        <p:attrNameLst>
+                                          <p:attrName>style.visibility</p:attrName>
+                                        </p:attrNameLst>
+                                      </p:cBhvr>
+                                      <p:to>
+                                        <p:strVal val="visible"/>
+                                      </p:to>
+                                    </p:set>
+                                  </p:childTnLst>
+                                </p:cTn>
+                              </p:par>
+                            </p:childTnLst>
+                          </p:cTn>
+                        </p:par>
+                      </p:childTnLst>
+                    </p:cTn>
+                  </p:par>
+                  <p:par>
+                    <p:cTn id="135" fill="hold">
+                      <p:stCondLst>
+                        <p:cond delay="indefinite"/>
+                      </p:stCondLst>
+                      <p:childTnLst>
+                        <p:par>
+                          <p:cTn id="136" fill="hold">
+                            <p:stCondLst>
+                              <p:cond delay="0"/>
+                            </p:stCondLst>
+                            <p:childTnLst>
+                              <p:par>
+                                <p:cTn id="137" presetID="1" presetClass="entr" presetSubtype="0" fill="hold" grpId="0" nodeType="clickEffect">
+                                  <p:stCondLst>
+                                    <p:cond delay="0"/>
+                                  </p:stCondLst>
+                                  <p:childTnLst>
+                                    <p:set>
+                                      <p:cBhvr>
+                                        <p:cTn id="138" dur="1" fill="hold">
+                                          <p:stCondLst>
+                                            <p:cond delay="0"/>
+                                          </p:stCondLst>
+                                        </p:cTn>
+                                        <p:tgtEl>
+                                          <p:spTgt spid="84"/>
+                                        </p:tgtEl>
+                                        <p:attrNameLst>
+                                          <p:attrName>style.visibility</p:attrName>
+                                        </p:attrNameLst>
+                                      </p:cBhvr>
+                                      <p:to>
+                                        <p:strVal val="visible"/>
+                                      </p:to>
+                                    </p:set>
+                                  </p:childTnLst>
+                                </p:cTn>
+                              </p:par>
+                            </p:childTnLst>
+                          </p:cTn>
+                        </p:par>
+                      </p:childTnLst>
+                    </p:cTn>
+                  </p:par>
+                  <p:par>
+                    <p:cTn id="139" fill="hold">
+                      <p:stCondLst>
+                        <p:cond delay="indefinite"/>
+                      </p:stCondLst>
+                      <p:childTnLst>
+                        <p:par>
+                          <p:cTn id="140" fill="hold">
+                            <p:stCondLst>
+                              <p:cond delay="0"/>
+                            </p:stCondLst>
+                            <p:childTnLst>
+                              <p:par>
+                                <p:cTn id="141" presetID="1" presetClass="entr" presetSubtype="0" fill="hold" grpId="0" nodeType="clickEffect">
+                                  <p:stCondLst>
+                                    <p:cond delay="0"/>
+                                  </p:stCondLst>
+                                  <p:childTnLst>
+                                    <p:set>
+                                      <p:cBhvr>
+                                        <p:cTn id="142" dur="1" fill="hold">
                                           <p:stCondLst>
                                             <p:cond delay="0"/>
                                           </p:stCondLst>
@@ -6699,20 +6831,110 @@
                                 </p:cTn>
                               </p:par>
                               <p:par>
-                                <p:cTn id="133" presetID="1" presetClass="entr" presetSubtype="0" fill="hold" nodeType="withEffect">
+                                <p:cTn id="143" presetID="1" presetClass="entr" presetSubtype="0" fill="hold" nodeType="withEffect">
                                   <p:stCondLst>
                                     <p:cond delay="0"/>
                                   </p:stCondLst>
                                   <p:childTnLst>
                                     <p:set>
                                       <p:cBhvr>
-                                        <p:cTn id="134" dur="1" fill="hold">
+                                        <p:cTn id="144" dur="1" fill="hold">
                                           <p:stCondLst>
                                             <p:cond delay="0"/>
                                           </p:stCondLst>
                                         </p:cTn>
                                         <p:tgtEl>
-                                          <p:spTgt spid="197"/>
+                                          <p:spTgt spid="70"/>
+                                        </p:tgtEl>
+                                        <p:attrNameLst>
+                                          <p:attrName>style.visibility</p:attrName>
+                                        </p:attrNameLst>
+                                      </p:cBhvr>
+                                      <p:to>
+                                        <p:strVal val="visible"/>
+                                      </p:to>
+                                    </p:set>
+                                  </p:childTnLst>
+                                </p:cTn>
+                              </p:par>
+                            </p:childTnLst>
+                          </p:cTn>
+                        </p:par>
+                      </p:childTnLst>
+                    </p:cTn>
+                  </p:par>
+                  <p:par>
+                    <p:cTn id="145" fill="hold">
+                      <p:stCondLst>
+                        <p:cond delay="indefinite"/>
+                      </p:stCondLst>
+                      <p:childTnLst>
+                        <p:par>
+                          <p:cTn id="146" fill="hold">
+                            <p:stCondLst>
+                              <p:cond delay="0"/>
+                            </p:stCondLst>
+                            <p:childTnLst>
+                              <p:par>
+                                <p:cTn id="147" presetID="1" presetClass="entr" presetSubtype="0" fill="hold" nodeType="clickEffect">
+                                  <p:stCondLst>
+                                    <p:cond delay="0"/>
+                                  </p:stCondLst>
+                                  <p:childTnLst>
+                                    <p:set>
+                                      <p:cBhvr>
+                                        <p:cTn id="148" dur="1" fill="hold">
+                                          <p:stCondLst>
+                                            <p:cond delay="0"/>
+                                          </p:stCondLst>
+                                        </p:cTn>
+                                        <p:tgtEl>
+                                          <p:spTgt spid="229"/>
+                                        </p:tgtEl>
+                                        <p:attrNameLst>
+                                          <p:attrName>style.visibility</p:attrName>
+                                        </p:attrNameLst>
+                                      </p:cBhvr>
+                                      <p:to>
+                                        <p:strVal val="visible"/>
+                                      </p:to>
+                                    </p:set>
+                                  </p:childTnLst>
+                                </p:cTn>
+                              </p:par>
+                            </p:childTnLst>
+                          </p:cTn>
+                        </p:par>
+                      </p:childTnLst>
+                    </p:cTn>
+                  </p:par>
+                  <p:par>
+                    <p:cTn id="149" fill="hold">
+                      <p:stCondLst>
+                        <p:cond delay="indefinite"/>
+                      </p:stCondLst>
+                      <p:childTnLst>
+                        <p:par>
+                          <p:cTn id="150" fill="hold">
+                            <p:stCondLst>
+                              <p:cond delay="0"/>
+                            </p:stCondLst>
+                            <p:childTnLst>
+                              <p:par>
+                                <p:cTn id="151" presetID="1" presetClass="entr" presetSubtype="0" fill="hold" grpId="0" nodeType="clickEffect">
+                                  <p:stCondLst>
+                                    <p:cond delay="0"/>
+                                  </p:stCondLst>
+                                  <p:childTnLst>
+                                    <p:set>
+                                      <p:cBhvr>
+                                        <p:cTn id="152" dur="1" fill="hold">
+                                          <p:stCondLst>
+                                            <p:cond delay="0"/>
+                                          </p:stCondLst>
+                                        </p:cTn>
+                                        <p:tgtEl>
+                                          <p:spTgt spid="81"/>
                                         </p:tgtEl>
                                         <p:attrNameLst>
                                           <p:attrName>style.visibility</p:attrName>
@@ -6726,14 +6948,86 @@
                                 </p:cTn>
                               </p:par>
                               <p:par>
-                                <p:cTn id="135" presetID="1" presetClass="entr" presetSubtype="0" fill="hold" nodeType="withEffect">
+                                <p:cTn id="153" presetID="1" presetClass="entr" presetSubtype="0" fill="hold" nodeType="withEffect">
                                   <p:stCondLst>
                                     <p:cond delay="0"/>
                                   </p:stCondLst>
                                   <p:childTnLst>
                                     <p:set>
                                       <p:cBhvr>
-                                        <p:cTn id="136" dur="1" fill="hold">
+                                        <p:cTn id="154" dur="1" fill="hold">
+                                          <p:stCondLst>
+                                            <p:cond delay="0"/>
+                                          </p:stCondLst>
+                                        </p:cTn>
+                                        <p:tgtEl>
+                                          <p:spTgt spid="82"/>
+                                        </p:tgtEl>
+                                        <p:attrNameLst>
+                                          <p:attrName>style.visibility</p:attrName>
+                                        </p:attrNameLst>
+                                      </p:cBhvr>
+                                      <p:to>
+                                        <p:strVal val="visible"/>
+                                      </p:to>
+                                    </p:set>
+                                  </p:childTnLst>
+                                </p:cTn>
+                              </p:par>
+                            </p:childTnLst>
+                          </p:cTn>
+                        </p:par>
+                      </p:childTnLst>
+                    </p:cTn>
+                  </p:par>
+                  <p:par>
+                    <p:cTn id="155" fill="hold">
+                      <p:stCondLst>
+                        <p:cond delay="indefinite"/>
+                      </p:stCondLst>
+                      <p:childTnLst>
+                        <p:par>
+                          <p:cTn id="156" fill="hold">
+                            <p:stCondLst>
+                              <p:cond delay="0"/>
+                            </p:stCondLst>
+                            <p:childTnLst>
+                              <p:par>
+                                <p:cTn id="157" presetID="1" presetClass="entr" presetSubtype="0" fill="hold" grpId="0" nodeType="clickEffect">
+                                  <p:stCondLst>
+                                    <p:cond delay="0"/>
+                                  </p:stCondLst>
+                                  <p:childTnLst>
+                                    <p:set>
+                                      <p:cBhvr>
+                                        <p:cTn id="158" dur="1" fill="hold">
+                                          <p:stCondLst>
+                                            <p:cond delay="0"/>
+                                          </p:stCondLst>
+                                        </p:cTn>
+                                        <p:tgtEl>
+                                          <p:spTgt spid="139"/>
+                                        </p:tgtEl>
+                                        <p:attrNameLst>
+                                          <p:attrName>style.visibility</p:attrName>
+                                        </p:attrNameLst>
+                                      </p:cBhvr>
+                                      <p:to>
+                                        <p:strVal val="visible"/>
+                                      </p:to>
+                                    </p:set>
+                                  </p:childTnLst>
+                                </p:cTn>
+                              </p:par>
+                              <p:par>
+                                <p:cTn id="159" presetID="1" presetClass="entr" presetSubtype="0" fill="hold" nodeType="withEffect">
+                                  <p:stCondLst>
+                                    <p:cond delay="0"/>
+                                  </p:stCondLst>
+                                  <p:childTnLst>
+                                    <p:set>
+                                      <p:cBhvr>
+                                        <p:cTn id="160" dur="1" fill="hold">
                                           <p:stCondLst>
                                             <p:cond delay="0"/>
                                           </p:stCondLst>
@@ -6759,77 +7053,32 @@
                     </p:cTn>
                   </p:par>
                   <p:par>
-                    <p:cTn id="137" fill="hold">
+                    <p:cTn id="161" fill="hold">
                       <p:stCondLst>
                         <p:cond delay="indefinite"/>
                       </p:stCondLst>
                       <p:childTnLst>
                         <p:par>
-                          <p:cTn id="138" fill="hold">
+                          <p:cTn id="162" fill="hold">
                             <p:stCondLst>
                               <p:cond delay="0"/>
                             </p:stCondLst>
                             <p:childTnLst>
                               <p:par>
-                                <p:cTn id="139" presetID="1" presetClass="entr" presetSubtype="0" fill="hold" nodeType="clickEffect">
+                                <p:cTn id="163" presetID="1" presetClass="entr" presetSubtype="0" fill="hold" grpId="0" nodeType="clickEffect">
                                   <p:stCondLst>
                                     <p:cond delay="0"/>
                                   </p:stCondLst>
                                   <p:childTnLst>
                                     <p:set>
                                       <p:cBhvr>
-                                        <p:cTn id="140" dur="1" fill="hold">
+                                        <p:cTn id="164" dur="1" fill="hold">
                                           <p:stCondLst>
                                             <p:cond delay="0"/>
                                           </p:stCondLst>
                                         </p:cTn>
                                         <p:tgtEl>
-                                          <p:spTgt spid="65"/>
-                                        </p:tgtEl>
-                                        <p:attrNameLst>
-                                          <p:attrName>style.visibility</p:attrName>
-                                        </p:attrNameLst>
-                                      </p:cBhvr>
-                                      <p:to>
-                                        <p:strVal val="visible"/>
-                                      </p:to>
-                                    </p:set>
-                                  </p:childTnLst>
-                                </p:cTn>
-                              </p:par>
-                            </p:childTnLst>
-                          </p:cTn>
-                        </p:par>
-                      </p:childTnLst>
-                    </p:cTn>
-                  </p:par>
-                  <p:par>
-                    <p:cTn id="141" fill="hold">
-                      <p:stCondLst>
-                        <p:cond delay="indefinite"/>
-                      </p:stCondLst>
-                      <p:childTnLst>
-                        <p:par>
-                          <p:cTn id="142" fill="hold">
-                            <p:stCondLst>
-                              <p:cond delay="0"/>
-                            </p:stCondLst>
-                            <p:childTnLst>
-                              <p:par>
-                                <p:cTn id="143" presetID="1" presetClass="entr" presetSubtype="0" fill="hold" grpId="0" nodeType="clickEffect">
-                                  <p:stCondLst>
-                                    <p:cond delay="0"/>
-                                  </p:stCondLst>
-                                  <p:childTnLst>
-                                    <p:set>
-                                      <p:cBhvr>
-                                        <p:cTn id="144" dur="1" fill="hold">
-                                          <p:stCondLst>
-                                            <p:cond delay="0"/>
-                                          </p:stCondLst>
-                                        </p:cTn>
-                                        <p:tgtEl>
-                                          <p:spTgt spid="57"/>
+                                          <p:spTgt spid="140"/>
                                         </p:tgtEl>
                                         <p:attrNameLst>
                                           <p:attrName>style.visibility</p:attrName>
@@ -6843,92 +7092,20 @@
                                 </p:cTn>
                               </p:par>
                               <p:par>
-                                <p:cTn id="145" presetID="1" presetClass="entr" presetSubtype="0" fill="hold" nodeType="withEffect">
+                                <p:cTn id="165" presetID="1" presetClass="entr" presetSubtype="0" fill="hold" nodeType="withEffect">
                                   <p:stCondLst>
                                     <p:cond delay="0"/>
                                   </p:stCondLst>
                                   <p:childTnLst>
                                     <p:set>
                                       <p:cBhvr>
-                                        <p:cTn id="146" dur="1" fill="hold">
+                                        <p:cTn id="166" dur="1" fill="hold">
                                           <p:stCondLst>
                                             <p:cond delay="0"/>
                                           </p:stCondLst>
                                         </p:cTn>
                                         <p:tgtEl>
-                                          <p:spTgt spid="59"/>
-                                        </p:tgtEl>
-                                        <p:attrNameLst>
-                                          <p:attrName>style.visibility</p:attrName>
-                                        </p:attrNameLst>
-                                      </p:cBhvr>
-                                      <p:to>
-                                        <p:strVal val="visible"/>
-                                      </p:to>
-                                    </p:set>
-                                  </p:childTnLst>
-                                </p:cTn>
-                              </p:par>
-                            </p:childTnLst>
-                          </p:cTn>
-                        </p:par>
-                      </p:childTnLst>
-                    </p:cTn>
-                  </p:par>
-                  <p:par>
-                    <p:cTn id="147" fill="hold">
-                      <p:stCondLst>
-                        <p:cond delay="indefinite"/>
-                      </p:stCondLst>
-                      <p:childTnLst>
-                        <p:par>
-                          <p:cTn id="148" fill="hold">
-                            <p:stCondLst>
-                              <p:cond delay="0"/>
-                            </p:stCondLst>
-                            <p:childTnLst>
-                              <p:par>
-                                <p:cTn id="149" presetID="1" presetClass="entr" presetSubtype="0" fill="hold" grpId="0" nodeType="clickEffect">
-                                  <p:stCondLst>
-                                    <p:cond delay="0"/>
-                                  </p:stCondLst>
-                                  <p:childTnLst>
-                                    <p:set>
-                                      <p:cBhvr>
-                                        <p:cTn id="150" dur="1" fill="hold">
-                                          <p:stCondLst>
-                                            <p:cond delay="0"/>
-                                          </p:stCondLst>
-                                        </p:cTn>
-                                        <p:tgtEl>
-                                          <p:spTgt spid="58"/>
-                                        </p:tgtEl>
-                                        <p:attrNameLst>
-                                          <p:attrName>style.visibility</p:attrName>
-                                        </p:attrNameLst>
-                                      </p:cBhvr>
-                                      <p:to>
-                                        <p:strVal val="visible"/>
-                                      </p:to>
-                                    </p:set>
-                                  </p:childTnLst>
-                                </p:cTn>
-                              </p:par>
-                              <p:par>
-                                <p:cTn id="151" presetID="1" presetClass="entr" presetSubtype="0" fill="hold" nodeType="withEffect">
-                                  <p:stCondLst>
-                                    <p:cond delay="0"/>
-                                  </p:stCondLst>
-                                  <p:childTnLst>
-                                    <p:set>
-                                      <p:cBhvr>
-                                        <p:cTn id="152" dur="1" fill="hold">
-                                          <p:stCondLst>
-                                            <p:cond delay="0"/>
-                                          </p:stCondLst>
-                                        </p:cTn>
-                                        <p:tgtEl>
-                                          <p:spTgt spid="60"/>
+                                          <p:spTgt spid="197"/>
                                         </p:tgtEl>
                                         <p:attrNameLst>
                                           <p:attrName>style.visibility</p:attrName>
@@ -6970,22 +7147,19 @@
     </p:tnLst>
     <p:bldLst>
       <p:bldP spid="216" grpId="0" animBg="1"/>
+      <p:bldP spid="86" grpId="0" animBg="1"/>
       <p:bldP spid="116" grpId="0" animBg="1"/>
       <p:bldP spid="117" grpId="0" animBg="1"/>
       <p:bldP spid="55" grpId="0" animBg="1"/>
       <p:bldP spid="64" grpId="0" animBg="1"/>
       <p:bldP spid="66" grpId="0" animBg="1"/>
       <p:bldP spid="69" grpId="0" animBg="1"/>
-      <p:bldP spid="78" grpId="0" animBg="1"/>
       <p:bldP spid="80" grpId="0"/>
       <p:bldP spid="74" grpId="0"/>
       <p:bldP spid="110" grpId="0" animBg="1"/>
       <p:bldP spid="119" grpId="0" animBg="1"/>
       <p:bldP spid="123" grpId="0" animBg="1"/>
-      <p:bldP spid="139" grpId="0" animBg="1"/>
       <p:bldP spid="140" grpId="0" animBg="1"/>
-      <p:bldP spid="142" grpId="0" animBg="1"/>
-      <p:bldP spid="145" grpId="0" animBg="1"/>
       <p:bldP spid="183" grpId="0" animBg="1"/>
       <p:bldP spid="187" grpId="0" animBg="1"/>
       <p:bldP spid="214" grpId="0"/>
@@ -6996,6 +7170,12 @@
       <p:bldP spid="57" grpId="0" animBg="1"/>
       <p:bldP spid="58" grpId="0" animBg="1"/>
       <p:bldP spid="67" grpId="0"/>
+      <p:bldP spid="81" grpId="0" animBg="1"/>
+      <p:bldP spid="139" grpId="0" animBg="1"/>
+      <p:bldP spid="84" grpId="0"/>
+      <p:bldP spid="85" grpId="0"/>
+      <p:bldP spid="99" grpId="0" animBg="1"/>
+      <p:bldP spid="100" grpId="0"/>
     </p:bldLst>
   </p:timing>
 </p:sld>
@@ -7033,6 +7213,10 @@
           <a:bodyPr/>
           <a:lstStyle/>
           <a:p>
+            <a:r>
+              <a:rPr lang="en-US" dirty="0" smtClean="0"/>
+              <a:t>CSV Parser output</a:t>
+            </a:r>
             <a:endParaRPr lang="en-US" dirty="0"/>
           </a:p>
         </p:txBody>
@@ -7228,6 +7412,10 @@
           <a:bodyPr/>
           <a:lstStyle/>
           <a:p>
+            <a:r>
+              <a:rPr lang="en-US" dirty="0" smtClean="0"/>
+              <a:t>Jekyll coding</a:t>
+            </a:r>
             <a:endParaRPr lang="en-US" dirty="0"/>
           </a:p>
         </p:txBody>

--- a/fig/jekyll-data-driven-web-v01.pptx
+++ b/fig/jekyll-data-driven-web-v01.pptx
@@ -253,7 +253,7 @@
               <a:pPr>
                 <a:defRPr/>
               </a:pPr>
-              <a:t>8/23/16</a:t>
+              <a:t>8/24/16</a:t>
             </a:fld>
             <a:endParaRPr lang="en-US"/>
           </a:p>
@@ -467,7 +467,7 @@
               <a:pPr>
                 <a:defRPr/>
               </a:pPr>
-              <a:t>8/23/16</a:t>
+              <a:t>8/24/16</a:t>
             </a:fld>
             <a:endParaRPr lang="en-US"/>
           </a:p>
@@ -1666,7 +1666,7 @@
               <a:pPr>
                 <a:defRPr/>
               </a:pPr>
-              <a:t>8/23/16</a:t>
+              <a:t>8/24/16</a:t>
             </a:fld>
             <a:endParaRPr lang="en-US"/>
           </a:p>
@@ -2791,31 +2791,7 @@
                 <a:latin typeface="Open Sans Light"/>
                 <a:cs typeface="Open Sans Light"/>
               </a:rPr>
-              <a:t>jekyll-data-driven-website-</a:t>
-            </a:r>
-            <a:r>
-              <a:rPr lang="en-US" sz="600" dirty="0" smtClean="0">
-                <a:solidFill>
-                  <a:schemeClr val="bg1">
-                    <a:lumMod val="75000"/>
-                  </a:schemeClr>
-                </a:solidFill>
-                <a:latin typeface="Open Sans Light"/>
-                <a:cs typeface="Open Sans Light"/>
-              </a:rPr>
-              <a:t>v05.</a:t>
-            </a:r>
-            <a:r>
-              <a:rPr lang="en-US" sz="600" dirty="0" smtClean="0">
-                <a:solidFill>
-                  <a:schemeClr val="bg1">
-                    <a:lumMod val="75000"/>
-                  </a:schemeClr>
-                </a:solidFill>
-                <a:latin typeface="Open Sans Light"/>
-                <a:cs typeface="Open Sans Light"/>
-              </a:rPr>
-              <a:t>pptx. Copyright 2016 Wilson Mar.  All rights reserved.</a:t>
+              <a:t>jekyll-data-driven-website-v05.pptx. Copyright 2016 Wilson Mar.  All rights reserved.</a:t>
             </a:r>
             <a:endParaRPr lang="en-US" sz="600" dirty="0">
               <a:solidFill>
@@ -5141,6 +5117,42 @@
               </a:rPr>
               <a:t>editor</a:t>
             </a:r>
+          </a:p>
+        </p:txBody>
+      </p:sp>
+      <p:sp>
+        <p:nvSpPr>
+          <p:cNvPr id="61" name="TextBox 60"/>
+          <p:cNvSpPr txBox="1"/>
+          <p:nvPr/>
+        </p:nvSpPr>
+        <p:spPr>
+          <a:xfrm>
+            <a:off x="5975438" y="2544294"/>
+            <a:ext cx="1112816" cy="338554"/>
+          </a:xfrm>
+          <a:prstGeom prst="rect">
+            <a:avLst/>
+          </a:prstGeom>
+          <a:noFill/>
+        </p:spPr>
+        <p:txBody>
+          <a:bodyPr wrap="square" rtlCol="0">
+            <a:spAutoFit/>
+          </a:bodyPr>
+          <a:lstStyle/>
+          <a:p>
+            <a:r>
+              <a:rPr lang="en-US" sz="1600" dirty="0" smtClean="0">
+                <a:latin typeface="Open Sans Light"/>
+                <a:cs typeface="Open Sans Light"/>
+              </a:rPr>
+              <a:t>search</a:t>
+            </a:r>
+            <a:endParaRPr lang="en-US" sz="1600" dirty="0" smtClean="0">
+              <a:latin typeface="Open Sans Light"/>
+              <a:cs typeface="Open Sans Light"/>
+            </a:endParaRPr>
           </a:p>
         </p:txBody>
       </p:sp>
@@ -7118,6 +7130,33 @@
                                   </p:childTnLst>
                                 </p:cTn>
                               </p:par>
+                              <p:par>
+                                <p:cTn id="167" presetID="1" presetClass="entr" presetSubtype="0" fill="hold" grpId="0" nodeType="withEffect">
+                                  <p:stCondLst>
+                                    <p:cond delay="0"/>
+                                  </p:stCondLst>
+                                  <p:childTnLst>
+                                    <p:set>
+                                      <p:cBhvr>
+                                        <p:cTn id="168" dur="1" fill="hold">
+                                          <p:stCondLst>
+                                            <p:cond delay="0"/>
+                                          </p:stCondLst>
+                                        </p:cTn>
+                                        <p:tgtEl>
+                                          <p:spTgt spid="61"/>
+                                        </p:tgtEl>
+                                        <p:attrNameLst>
+                                          <p:attrName>style.visibility</p:attrName>
+                                        </p:attrNameLst>
+                                      </p:cBhvr>
+                                      <p:to>
+                                        <p:strVal val="visible"/>
+                                      </p:to>
+                                    </p:set>
+                                  </p:childTnLst>
+                                </p:cTn>
+                              </p:par>
                             </p:childTnLst>
                           </p:cTn>
                         </p:par>
@@ -7176,6 +7215,7 @@
       <p:bldP spid="85" grpId="0"/>
       <p:bldP spid="99" grpId="0" animBg="1"/>
       <p:bldP spid="100" grpId="0"/>
+      <p:bldP spid="61" grpId="0"/>
     </p:bldLst>
   </p:timing>
 </p:sld>
@@ -8084,7 +8124,7 @@
   <a:extraClrSchemeLst/>
   <a:extLst>
     <a:ext uri="{05A4C25C-085E-4340-85A3-A5531E510DB2}">
-      <thm15:themeFamily xmlns="" xmlns:thm15="http://schemas.microsoft.com/office/thememl/2012/main" name="ConcurCorporateTemplate2013_Helvetica_16x9" id="{A09BE1D0-94B0-44B7-9420-2ECF7BB955CC}" vid="{59E5CBDF-7240-4762-BDFB-AAFD424E1AE9}"/>
+      <thm15:themeFamily xmlns:thm15="http://schemas.microsoft.com/office/thememl/2012/main" xmlns="" name="ConcurCorporateTemplate2013_Helvetica_16x9" id="{A09BE1D0-94B0-44B7-9420-2ECF7BB955CC}" vid="{59E5CBDF-7240-4762-BDFB-AAFD424E1AE9}"/>
     </a:ext>
   </a:extLst>
 </a:theme>

--- a/fig/jekyll-data-driven-web-v01.pptx
+++ b/fig/jekyll-data-driven-web-v01.pptx
@@ -2530,45 +2530,6 @@
           </a:p>
         </p:txBody>
       </p:sp>
-      <p:cxnSp>
-        <p:nvCxnSpPr>
-          <p:cNvPr id="113" name="Straight Arrow Connector 4"/>
-          <p:cNvCxnSpPr>
-            <a:stCxn id="86" idx="3"/>
-            <a:endCxn id="116" idx="1"/>
-          </p:cNvCxnSpPr>
-          <p:nvPr/>
-        </p:nvCxnSpPr>
-        <p:spPr>
-          <a:xfrm flipV="1">
-            <a:off x="5327209" y="1816419"/>
-            <a:ext cx="1260668" cy="5687"/>
-          </a:xfrm>
-          <a:prstGeom prst="straightConnector1">
-            <a:avLst/>
-          </a:prstGeom>
-          <a:ln w="25400">
-            <a:solidFill>
-              <a:schemeClr val="tx1"/>
-            </a:solidFill>
-            <a:tailEnd type="triangle" w="lg" len="lg"/>
-          </a:ln>
-        </p:spPr>
-        <p:style>
-          <a:lnRef idx="1">
-            <a:schemeClr val="accent1"/>
-          </a:lnRef>
-          <a:fillRef idx="0">
-            <a:schemeClr val="accent1"/>
-          </a:fillRef>
-          <a:effectRef idx="0">
-            <a:schemeClr val="accent1"/>
-          </a:effectRef>
-          <a:fontRef idx="minor">
-            <a:schemeClr val="tx1"/>
-          </a:fontRef>
-        </p:style>
-      </p:cxnSp>
       <p:sp>
         <p:nvSpPr>
           <p:cNvPr id="116" name="Rounded Rectangle 115"/>
@@ -2578,7 +2539,7 @@
         <p:spPr>
           <a:xfrm>
             <a:off x="6587877" y="992569"/>
-            <a:ext cx="1708654" cy="1647700"/>
+            <a:ext cx="1708654" cy="1679512"/>
           </a:xfrm>
           <a:prstGeom prst="roundRect">
             <a:avLst/>
@@ -2612,6 +2573,7 @@
           <a:bodyPr/>
           <a:lstStyle/>
           <a:p>
+            <a:pPr algn="r"/>
             <a:r>
               <a:rPr lang="en-US" dirty="0" smtClean="0">
                 <a:latin typeface="Open Sans Light"/>
@@ -2634,8 +2596,8 @@
         </p:nvSpPr>
         <p:spPr>
           <a:xfrm>
-            <a:off x="6793379" y="1547110"/>
-            <a:ext cx="1356949" cy="956122"/>
+            <a:off x="6752739" y="1495639"/>
+            <a:ext cx="1356949" cy="1039581"/>
           </a:xfrm>
           <a:prstGeom prst="roundRect">
             <a:avLst/>
@@ -3355,8 +3317,8 @@
         </p:nvSpPr>
         <p:spPr>
           <a:xfrm>
-            <a:off x="6720283" y="1403554"/>
-            <a:ext cx="1329543" cy="1014602"/>
+            <a:off x="6720283" y="1383234"/>
+            <a:ext cx="1329543" cy="1085020"/>
           </a:xfrm>
           <a:prstGeom prst="roundRect">
             <a:avLst/>
@@ -3537,16 +3499,13 @@
       <p:cxnSp>
         <p:nvCxnSpPr>
           <p:cNvPr id="125" name="Straight Arrow Connector 4"/>
-          <p:cNvCxnSpPr>
-            <a:stCxn id="110" idx="0"/>
-            <a:endCxn id="123" idx="2"/>
-          </p:cNvCxnSpPr>
+          <p:cNvCxnSpPr/>
           <p:nvPr/>
         </p:nvCxnSpPr>
         <p:spPr>
           <a:xfrm flipH="1" flipV="1">
-            <a:off x="7374125" y="854359"/>
-            <a:ext cx="10930" cy="549195"/>
+            <a:off x="7648445" y="854359"/>
+            <a:ext cx="10930" cy="528875"/>
           </a:xfrm>
           <a:prstGeom prst="straightConnector1">
             <a:avLst/>
@@ -4458,7 +4417,7 @@
         </p:nvSpPr>
         <p:spPr>
           <a:xfrm>
-            <a:off x="5943713" y="2844433"/>
+            <a:off x="6106273" y="2844433"/>
             <a:ext cx="2179203" cy="390384"/>
           </a:xfrm>
           <a:prstGeom prst="rect">
@@ -4528,8 +4487,8 @@
         </p:nvCxnSpPr>
         <p:spPr>
           <a:xfrm>
-            <a:off x="7448938" y="3171489"/>
-            <a:ext cx="0" cy="304645"/>
+            <a:off x="7621658" y="3234817"/>
+            <a:ext cx="0" cy="566437"/>
           </a:xfrm>
           <a:prstGeom prst="straightConnector1">
             <a:avLst/>
@@ -4562,15 +4521,13 @@
       <p:cxnSp>
         <p:nvCxnSpPr>
           <p:cNvPr id="65" name="Straight Arrow Connector 4"/>
-          <p:cNvCxnSpPr>
-            <a:endCxn id="214" idx="2"/>
-          </p:cNvCxnSpPr>
+          <p:cNvCxnSpPr/>
           <p:nvPr/>
         </p:nvCxnSpPr>
         <p:spPr>
-          <a:xfrm flipV="1">
-            <a:off x="7448938" y="2320514"/>
-            <a:ext cx="0" cy="529666"/>
+          <a:xfrm flipH="1" flipV="1">
+            <a:off x="7621658" y="2320515"/>
+            <a:ext cx="3120" cy="529665"/>
           </a:xfrm>
           <a:prstGeom prst="straightConnector1">
             <a:avLst/>
@@ -4606,7 +4563,7 @@
         </p:nvSpPr>
         <p:spPr>
           <a:xfrm>
-            <a:off x="7222048" y="3476134"/>
+            <a:off x="7394768" y="3801254"/>
             <a:ext cx="453779" cy="244184"/>
           </a:xfrm>
           <a:prstGeom prst="can">
@@ -4659,7 +4616,7 @@
         <p:spPr>
           <a:xfrm rot="10800000">
             <a:off x="2109009" y="2413241"/>
-            <a:ext cx="3834705" cy="626384"/>
+            <a:ext cx="3997265" cy="626384"/>
           </a:xfrm>
           <a:prstGeom prst="bentConnector2">
             <a:avLst/>
@@ -4726,19 +4683,18 @@
         <p:nvCxnSpPr>
           <p:cNvPr id="70" name="Straight Arrow Connector 4"/>
           <p:cNvCxnSpPr>
-            <a:stCxn id="58" idx="3"/>
+            <a:stCxn id="58" idx="2"/>
           </p:cNvCxnSpPr>
           <p:nvPr/>
         </p:nvCxnSpPr>
         <p:spPr>
-          <a:xfrm rot="5400000" flipH="1">
-            <a:off x="3598172" y="-130448"/>
-            <a:ext cx="1476972" cy="6224560"/>
+          <a:xfrm rot="10800000">
+            <a:off x="1397098" y="2243346"/>
+            <a:ext cx="5997671" cy="1680000"/>
           </a:xfrm>
-          <a:prstGeom prst="bentConnector4">
+          <a:prstGeom prst="bentConnector3">
             <a:avLst>
-              <a:gd name="adj1" fmla="val -15478"/>
-              <a:gd name="adj2" fmla="val 99971"/>
+              <a:gd name="adj1" fmla="val 99634"/>
             </a:avLst>
           </a:prstGeom>
           <a:ln w="25400">
@@ -4926,7 +4882,7 @@
         </p:nvSpPr>
         <p:spPr>
           <a:xfrm>
-            <a:off x="7630322" y="3210320"/>
+            <a:off x="7813202" y="3187008"/>
             <a:ext cx="602240" cy="338554"/>
           </a:xfrm>
           <a:prstGeom prst="rect">
@@ -4958,7 +4914,7 @@
         </p:nvSpPr>
         <p:spPr>
           <a:xfrm>
-            <a:off x="6370953" y="3210320"/>
+            <a:off x="5943714" y="3187008"/>
             <a:ext cx="1112816" cy="338554"/>
           </a:xfrm>
           <a:prstGeom prst="rect">
@@ -4977,8 +4933,12 @@
                 <a:latin typeface="Open Sans Light"/>
                 <a:cs typeface="Open Sans Light"/>
               </a:rPr>
-              <a:t>register</a:t>
-            </a:r>
+              <a:t>subscribe</a:t>
+            </a:r>
+            <a:endParaRPr lang="en-US" sz="1600" dirty="0" smtClean="0">
+              <a:latin typeface="Open Sans Light"/>
+              <a:cs typeface="Open Sans Light"/>
+            </a:endParaRPr>
           </a:p>
         </p:txBody>
       </p:sp>
@@ -5128,7 +5088,7 @@
         </p:nvSpPr>
         <p:spPr>
           <a:xfrm>
-            <a:off x="5975438" y="2544294"/>
+            <a:off x="5914478" y="2510524"/>
             <a:ext cx="1112816" cy="338554"/>
           </a:xfrm>
           <a:prstGeom prst="rect">
@@ -5149,13 +5109,85 @@
               </a:rPr>
               <a:t>search</a:t>
             </a:r>
-            <a:endParaRPr lang="en-US" sz="1600" dirty="0" smtClean="0">
-              <a:latin typeface="Open Sans Light"/>
-              <a:cs typeface="Open Sans Light"/>
-            </a:endParaRPr>
           </a:p>
         </p:txBody>
       </p:sp>
+      <p:sp>
+        <p:nvSpPr>
+          <p:cNvPr id="71" name="TextBox 70"/>
+          <p:cNvSpPr txBox="1"/>
+          <p:nvPr/>
+        </p:nvSpPr>
+        <p:spPr>
+          <a:xfrm>
+            <a:off x="6601954" y="1057348"/>
+            <a:ext cx="1022824" cy="307777"/>
+          </a:xfrm>
+          <a:prstGeom prst="rect">
+            <a:avLst/>
+          </a:prstGeom>
+          <a:noFill/>
+        </p:spPr>
+        <p:txBody>
+          <a:bodyPr wrap="none" rtlCol="0">
+            <a:spAutoFit/>
+          </a:bodyPr>
+          <a:lstStyle/>
+          <a:p>
+            <a:r>
+              <a:rPr lang="en-US" dirty="0" smtClean="0">
+                <a:solidFill>
+                  <a:schemeClr val="accent6"/>
+                </a:solidFill>
+              </a:rPr>
+              <a:t>JavaScript</a:t>
+            </a:r>
+            <a:endParaRPr lang="en-US" dirty="0">
+              <a:solidFill>
+                <a:srgbClr val="F4A900"/>
+              </a:solidFill>
+            </a:endParaRPr>
+          </a:p>
+        </p:txBody>
+      </p:sp>
+      <p:cxnSp>
+        <p:nvCxnSpPr>
+          <p:cNvPr id="113" name="Straight Arrow Connector 4"/>
+          <p:cNvCxnSpPr>
+            <a:stCxn id="86" idx="3"/>
+          </p:cNvCxnSpPr>
+          <p:nvPr/>
+        </p:nvCxnSpPr>
+        <p:spPr>
+          <a:xfrm>
+            <a:off x="5327209" y="1822106"/>
+            <a:ext cx="1393074" cy="0"/>
+          </a:xfrm>
+          <a:prstGeom prst="straightConnector1">
+            <a:avLst/>
+          </a:prstGeom>
+          <a:ln w="25400">
+            <a:solidFill>
+              <a:schemeClr val="tx1"/>
+            </a:solidFill>
+            <a:tailEnd type="triangle" w="lg" len="lg"/>
+          </a:ln>
+        </p:spPr>
+        <p:style>
+          <a:lnRef idx="1">
+            <a:schemeClr val="accent1"/>
+          </a:lnRef>
+          <a:fillRef idx="0">
+            <a:schemeClr val="accent1"/>
+          </a:fillRef>
+          <a:effectRef idx="0">
+            <a:schemeClr val="accent1"/>
+          </a:effectRef>
+          <a:fontRef idx="minor">
+            <a:schemeClr val="tx1"/>
+          </a:fontRef>
+        </p:style>
+      </p:cxnSp>
     </p:spTree>
     <p:extLst>
       <p:ext uri="{BB962C8B-B14F-4D97-AF65-F5344CB8AC3E}">
@@ -7157,6 +7189,33 @@
                                   </p:childTnLst>
                                 </p:cTn>
                               </p:par>
+                              <p:par>
+                                <p:cTn id="169" presetID="1" presetClass="entr" presetSubtype="0" fill="hold" grpId="0" nodeType="withEffect">
+                                  <p:stCondLst>
+                                    <p:cond delay="0"/>
+                                  </p:stCondLst>
+                                  <p:childTnLst>
+                                    <p:set>
+                                      <p:cBhvr>
+                                        <p:cTn id="170" dur="1" fill="hold">
+                                          <p:stCondLst>
+                                            <p:cond delay="0"/>
+                                          </p:stCondLst>
+                                        </p:cTn>
+                                        <p:tgtEl>
+                                          <p:spTgt spid="71"/>
+                                        </p:tgtEl>
+                                        <p:attrNameLst>
+                                          <p:attrName>style.visibility</p:attrName>
+                                        </p:attrNameLst>
+                                      </p:cBhvr>
+                                      <p:to>
+                                        <p:strVal val="visible"/>
+                                      </p:to>
+                                    </p:set>
+                                  </p:childTnLst>
+                                </p:cTn>
+                              </p:par>
                             </p:childTnLst>
                           </p:cTn>
                         </p:par>
@@ -7216,6 +7275,7 @@
       <p:bldP spid="99" grpId="0" animBg="1"/>
       <p:bldP spid="100" grpId="0"/>
       <p:bldP spid="61" grpId="0"/>
+      <p:bldP spid="71" grpId="0"/>
     </p:bldLst>
   </p:timing>
 </p:sld>
@@ -8124,7 +8184,7 @@
   <a:extraClrSchemeLst/>
   <a:extLst>
     <a:ext uri="{05A4C25C-085E-4340-85A3-A5531E510DB2}">
-      <thm15:themeFamily xmlns:thm15="http://schemas.microsoft.com/office/thememl/2012/main" xmlns="" name="ConcurCorporateTemplate2013_Helvetica_16x9" id="{A09BE1D0-94B0-44B7-9420-2ECF7BB955CC}" vid="{59E5CBDF-7240-4762-BDFB-AAFD424E1AE9}"/>
+      <thm15:themeFamily xmlns="" xmlns:thm15="http://schemas.microsoft.com/office/thememl/2012/main" name="ConcurCorporateTemplate2013_Helvetica_16x9" id="{A09BE1D0-94B0-44B7-9420-2ECF7BB955CC}" vid="{59E5CBDF-7240-4762-BDFB-AAFD424E1AE9}"/>
     </a:ext>
   </a:extLst>
 </a:theme>
